--- a/08. Análise das Causas Raízes.pptx
+++ b/08. Análise das Causas Raízes.pptx
@@ -116,6 +116,8 @@
 <p1510:revInfo xmlns:a="http://schemas.openxmlformats.org/drawingml/2006/main" xmlns:r="http://schemas.openxmlformats.org/officeDocument/2006/relationships" xmlns:p1510="http://schemas.microsoft.com/office/powerpoint/2015/10/main">
   <p1510:revLst>
     <p1510:client id="{1B5EC9B4-70E0-40BC-9781-6C7D4C0244AC}" v="2" dt="2020-09-23T21:58:56.220"/>
+    <p1510:client id="{64D9DB1C-2242-472F-92B7-932D0314AA8A}" v="7" dt="2020-11-06T23:03:16.048"/>
+    <p1510:client id="{6C0D6097-BEDF-476E-8298-006B83B49BF2}" v="15" dt="2020-11-06T23:05:48.966"/>
     <p1510:client id="{969F346F-B802-4484-B01D-A2441F25604B}" v="821" dt="2020-09-18T02:12:18.435"/>
     <p1510:client id="{C6A92E85-0F08-440A-A951-C7410A6E61B7}" v="18" dt="2020-09-23T21:59:20.047"/>
     <p1510:client id="{D4B54080-EC79-43F5-B642-44A98FAE809B}" v="5" dt="2020-09-18T01:56:00.464"/>
@@ -128,470 +130,6 @@
 
 <file path=ppt/changesInfos/changesInfo1.xml><?xml version="1.0" encoding="utf-8"?>
 <pc:chgInfo xmlns:a="http://schemas.openxmlformats.org/drawingml/2006/main" xmlns:r="http://schemas.openxmlformats.org/officeDocument/2006/relationships" xmlns:ac="http://schemas.microsoft.com/office/drawing/2013/main/command" xmlns:pc="http://schemas.microsoft.com/office/powerpoint/2013/main/command">
-  <pc:docChgLst>
-    <pc:chgData name="Gabriel Fernandes C. dos Santos" userId="153fb557aa2a4591" providerId="Windows Live" clId="Web-{62665683-9965-4BBB-9C5D-170C54AD9882}"/>
-    <pc:docChg chg="modSld">
-      <pc:chgData name="Gabriel Fernandes C. dos Santos" userId="153fb557aa2a4591" providerId="Windows Live" clId="Web-{62665683-9965-4BBB-9C5D-170C54AD9882}" dt="2020-09-16T21:58:22.669" v="53" actId="1076"/>
-      <pc:docMkLst>
-        <pc:docMk/>
-      </pc:docMkLst>
-      <pc:sldChg chg="addSp delSp modSp">
-        <pc:chgData name="Gabriel Fernandes C. dos Santos" userId="153fb557aa2a4591" providerId="Windows Live" clId="Web-{62665683-9965-4BBB-9C5D-170C54AD9882}" dt="2020-09-16T21:58:22.669" v="53" actId="1076"/>
-        <pc:sldMkLst>
-          <pc:docMk/>
-          <pc:sldMk cId="2210866551" sldId="256"/>
-        </pc:sldMkLst>
-        <pc:spChg chg="add del mod">
-          <ac:chgData name="Gabriel Fernandes C. dos Santos" userId="153fb557aa2a4591" providerId="Windows Live" clId="Web-{62665683-9965-4BBB-9C5D-170C54AD9882}" dt="2020-09-16T21:42:35.971" v="11"/>
-          <ac:spMkLst>
-            <pc:docMk/>
-            <pc:sldMk cId="2210866551" sldId="256"/>
-            <ac:spMk id="3" creationId="{0798C1F5-1433-4F55-A61F-7B289E22FF86}"/>
-          </ac:spMkLst>
-        </pc:spChg>
-        <pc:spChg chg="add del mod">
-          <ac:chgData name="Gabriel Fernandes C. dos Santos" userId="153fb557aa2a4591" providerId="Windows Live" clId="Web-{62665683-9965-4BBB-9C5D-170C54AD9882}" dt="2020-09-16T21:42:13.892" v="10"/>
-          <ac:spMkLst>
-            <pc:docMk/>
-            <pc:sldMk cId="2210866551" sldId="256"/>
-            <ac:spMk id="4" creationId="{76C2DF81-8D28-4A05-9556-93C08D928E49}"/>
-          </ac:spMkLst>
-        </pc:spChg>
-        <pc:picChg chg="add del mod">
-          <ac:chgData name="Gabriel Fernandes C. dos Santos" userId="153fb557aa2a4591" providerId="Windows Live" clId="Web-{62665683-9965-4BBB-9C5D-170C54AD9882}" dt="2020-09-16T21:51:04.532" v="25"/>
-          <ac:picMkLst>
-            <pc:docMk/>
-            <pc:sldMk cId="2210866551" sldId="256"/>
-            <ac:picMk id="5" creationId="{F247BF55-A65F-42B9-9602-33060252D5AF}"/>
-          </ac:picMkLst>
-        </pc:picChg>
-        <pc:picChg chg="add mod ord">
-          <ac:chgData name="Gabriel Fernandes C. dos Santos" userId="153fb557aa2a4591" providerId="Windows Live" clId="Web-{62665683-9965-4BBB-9C5D-170C54AD9882}" dt="2020-09-16T21:53:26.474" v="29"/>
-          <ac:picMkLst>
-            <pc:docMk/>
-            <pc:sldMk cId="2210866551" sldId="256"/>
-            <ac:picMk id="7" creationId="{7CDA96C4-BC1F-4AE9-B8D2-22C8A685F264}"/>
-          </ac:picMkLst>
-        </pc:picChg>
-        <pc:cxnChg chg="add mod">
-          <ac:chgData name="Gabriel Fernandes C. dos Santos" userId="153fb557aa2a4591" providerId="Windows Live" clId="Web-{62665683-9965-4BBB-9C5D-170C54AD9882}" dt="2020-09-16T21:56:45.823" v="44"/>
-          <ac:cxnSpMkLst>
-            <pc:docMk/>
-            <pc:sldMk cId="2210866551" sldId="256"/>
-            <ac:cxnSpMk id="6" creationId="{4807AA11-A8A5-4B16-AAEA-B324F1FACF34}"/>
-          </ac:cxnSpMkLst>
-        </pc:cxnChg>
-        <pc:cxnChg chg="add mod">
-          <ac:chgData name="Gabriel Fernandes C. dos Santos" userId="153fb557aa2a4591" providerId="Windows Live" clId="Web-{62665683-9965-4BBB-9C5D-170C54AD9882}" dt="2020-09-16T21:58:05.497" v="51" actId="14100"/>
-          <ac:cxnSpMkLst>
-            <pc:docMk/>
-            <pc:sldMk cId="2210866551" sldId="256"/>
-            <ac:cxnSpMk id="8" creationId="{04C48938-E085-4E35-B748-E29BD3C6B2FF}"/>
-          </ac:cxnSpMkLst>
-        </pc:cxnChg>
-        <pc:cxnChg chg="add mod">
-          <ac:chgData name="Gabriel Fernandes C. dos Santos" userId="153fb557aa2a4591" providerId="Windows Live" clId="Web-{62665683-9965-4BBB-9C5D-170C54AD9882}" dt="2020-09-16T21:58:22.669" v="53" actId="1076"/>
-          <ac:cxnSpMkLst>
-            <pc:docMk/>
-            <pc:sldMk cId="2210866551" sldId="256"/>
-            <ac:cxnSpMk id="9" creationId="{4A2B671F-ADAF-4EE1-A493-6C39D24C063A}"/>
-          </ac:cxnSpMkLst>
-        </pc:cxnChg>
-      </pc:sldChg>
-    </pc:docChg>
-  </pc:docChgLst>
-  <pc:docChgLst>
-    <pc:chgData name="Caio Ferreira" userId="aa37e96bb8b72277" providerId="LiveId" clId="{969F346F-B802-4484-B01D-A2441F25604B}"/>
-    <pc:docChg chg="undo custSel modSld">
-      <pc:chgData name="Caio Ferreira" userId="aa37e96bb8b72277" providerId="LiveId" clId="{969F346F-B802-4484-B01D-A2441F25604B}" dt="2020-09-18T02:12:18.435" v="820" actId="478"/>
-      <pc:docMkLst>
-        <pc:docMk/>
-      </pc:docMkLst>
-      <pc:sldChg chg="addSp delSp modSp mod">
-        <pc:chgData name="Caio Ferreira" userId="aa37e96bb8b72277" providerId="LiveId" clId="{969F346F-B802-4484-B01D-A2441F25604B}" dt="2020-09-18T02:12:18.435" v="820" actId="478"/>
-        <pc:sldMkLst>
-          <pc:docMk/>
-          <pc:sldMk cId="2210866551" sldId="256"/>
-        </pc:sldMkLst>
-        <pc:spChg chg="del mod">
-          <ac:chgData name="Caio Ferreira" userId="aa37e96bb8b72277" providerId="LiveId" clId="{969F346F-B802-4484-B01D-A2441F25604B}" dt="2020-09-18T02:10:22.833" v="753" actId="478"/>
-          <ac:spMkLst>
-            <pc:docMk/>
-            <pc:sldMk cId="2210866551" sldId="256"/>
-            <ac:spMk id="3" creationId="{C034B268-9179-49F8-9BD2-9A31461E406E}"/>
-          </ac:spMkLst>
-        </pc:spChg>
-        <pc:spChg chg="mod">
-          <ac:chgData name="Caio Ferreira" userId="aa37e96bb8b72277" providerId="LiveId" clId="{969F346F-B802-4484-B01D-A2441F25604B}" dt="2020-09-18T02:10:54.792" v="766" actId="20577"/>
-          <ac:spMkLst>
-            <pc:docMk/>
-            <pc:sldMk cId="2210866551" sldId="256"/>
-            <ac:spMk id="4" creationId="{494C4FE3-F934-4AC1-B233-E18E32B08678}"/>
-          </ac:spMkLst>
-        </pc:spChg>
-        <pc:spChg chg="mod">
-          <ac:chgData name="Caio Ferreira" userId="aa37e96bb8b72277" providerId="LiveId" clId="{969F346F-B802-4484-B01D-A2441F25604B}" dt="2020-09-18T02:08:22.673" v="737" actId="1038"/>
-          <ac:spMkLst>
-            <pc:docMk/>
-            <pc:sldMk cId="2210866551" sldId="256"/>
-            <ac:spMk id="5" creationId="{9066179D-1203-4838-8977-6D25B04015D6}"/>
-          </ac:spMkLst>
-        </pc:spChg>
-        <pc:spChg chg="mod">
-          <ac:chgData name="Caio Ferreira" userId="aa37e96bb8b72277" providerId="LiveId" clId="{969F346F-B802-4484-B01D-A2441F25604B}" dt="2020-09-18T02:05:15.815" v="502" actId="1037"/>
-          <ac:spMkLst>
-            <pc:docMk/>
-            <pc:sldMk cId="2210866551" sldId="256"/>
-            <ac:spMk id="10" creationId="{0D218678-922A-45C7-B38A-44160210ED2A}"/>
-          </ac:spMkLst>
-        </pc:spChg>
-        <pc:spChg chg="mod">
-          <ac:chgData name="Caio Ferreira" userId="aa37e96bb8b72277" providerId="LiveId" clId="{969F346F-B802-4484-B01D-A2441F25604B}" dt="2020-09-18T02:03:20.042" v="463" actId="1038"/>
-          <ac:spMkLst>
-            <pc:docMk/>
-            <pc:sldMk cId="2210866551" sldId="256"/>
-            <ac:spMk id="12" creationId="{D28F1D3E-5199-4BEE-B72D-BE285E6874DD}"/>
-          </ac:spMkLst>
-        </pc:spChg>
-        <pc:spChg chg="add mod">
-          <ac:chgData name="Caio Ferreira" userId="aa37e96bb8b72277" providerId="LiveId" clId="{969F346F-B802-4484-B01D-A2441F25604B}" dt="2020-09-18T02:08:34.220" v="746" actId="1037"/>
-          <ac:spMkLst>
-            <pc:docMk/>
-            <pc:sldMk cId="2210866551" sldId="256"/>
-            <ac:spMk id="18" creationId="{7AE19F4A-E9B3-48F1-8347-96E89CA7C062}"/>
-          </ac:spMkLst>
-        </pc:spChg>
-        <pc:spChg chg="add mod">
-          <ac:chgData name="Caio Ferreira" userId="aa37e96bb8b72277" providerId="LiveId" clId="{969F346F-B802-4484-B01D-A2441F25604B}" dt="2020-09-18T02:08:27.977" v="742" actId="1037"/>
-          <ac:spMkLst>
-            <pc:docMk/>
-            <pc:sldMk cId="2210866551" sldId="256"/>
-            <ac:spMk id="33" creationId="{39E60CCA-E4BA-4BE0-954E-DF3941348605}"/>
-          </ac:spMkLst>
-        </pc:spChg>
-        <pc:cxnChg chg="mod">
-          <ac:chgData name="Caio Ferreira" userId="aa37e96bb8b72277" providerId="LiveId" clId="{969F346F-B802-4484-B01D-A2441F25604B}" dt="2020-09-18T02:03:40.632" v="492" actId="14100"/>
-          <ac:cxnSpMkLst>
-            <pc:docMk/>
-            <pc:sldMk cId="2210866551" sldId="256"/>
-            <ac:cxnSpMk id="8" creationId="{04C48938-E085-4E35-B748-E29BD3C6B2FF}"/>
-          </ac:cxnSpMkLst>
-        </pc:cxnChg>
-        <pc:cxnChg chg="del mod">
-          <ac:chgData name="Caio Ferreira" userId="aa37e96bb8b72277" providerId="LiveId" clId="{969F346F-B802-4484-B01D-A2441F25604B}" dt="2020-09-18T02:10:23.673" v="754" actId="478"/>
-          <ac:cxnSpMkLst>
-            <pc:docMk/>
-            <pc:sldMk cId="2210866551" sldId="256"/>
-            <ac:cxnSpMk id="9" creationId="{4A2B671F-ADAF-4EE1-A493-6C39D24C063A}"/>
-          </ac:cxnSpMkLst>
-        </pc:cxnChg>
-        <pc:cxnChg chg="mod">
-          <ac:chgData name="Caio Ferreira" userId="aa37e96bb8b72277" providerId="LiveId" clId="{969F346F-B802-4484-B01D-A2441F25604B}" dt="2020-09-18T02:06:19.474" v="536" actId="1037"/>
-          <ac:cxnSpMkLst>
-            <pc:docMk/>
-            <pc:sldMk cId="2210866551" sldId="256"/>
-            <ac:cxnSpMk id="11" creationId="{4185A6F2-972D-44E3-8BE5-AF347B493ACD}"/>
-          </ac:cxnSpMkLst>
-        </pc:cxnChg>
-        <pc:cxnChg chg="add mod">
-          <ac:chgData name="Caio Ferreira" userId="aa37e96bb8b72277" providerId="LiveId" clId="{969F346F-B802-4484-B01D-A2441F25604B}" dt="2020-09-18T01:54:28.956" v="1" actId="1076"/>
-          <ac:cxnSpMkLst>
-            <pc:docMk/>
-            <pc:sldMk cId="2210866551" sldId="256"/>
-            <ac:cxnSpMk id="11" creationId="{5DD0A4EA-CF16-49D1-AFAC-DD1DEEF368AD}"/>
-          </ac:cxnSpMkLst>
-        </pc:cxnChg>
-        <pc:cxnChg chg="mod">
-          <ac:chgData name="Caio Ferreira" userId="aa37e96bb8b72277" providerId="LiveId" clId="{969F346F-B802-4484-B01D-A2441F25604B}" dt="2020-09-18T01:58:39.205" v="256" actId="1038"/>
-          <ac:cxnSpMkLst>
-            <pc:docMk/>
-            <pc:sldMk cId="2210866551" sldId="256"/>
-            <ac:cxnSpMk id="13" creationId="{5DD0A4EA-CF16-49D1-AFAC-DD1DEEF368AD}"/>
-          </ac:cxnSpMkLst>
-        </pc:cxnChg>
-        <pc:cxnChg chg="add mod">
-          <ac:chgData name="Caio Ferreira" userId="aa37e96bb8b72277" providerId="LiveId" clId="{969F346F-B802-4484-B01D-A2441F25604B}" dt="2020-09-18T01:55:47.985" v="22" actId="14100"/>
-          <ac:cxnSpMkLst>
-            <pc:docMk/>
-            <pc:sldMk cId="2210866551" sldId="256"/>
-            <ac:cxnSpMk id="14" creationId="{D34AEE13-8C24-4B30-BCD7-8F20619A603F}"/>
-          </ac:cxnSpMkLst>
-        </pc:cxnChg>
-        <pc:cxnChg chg="add mod">
-          <ac:chgData name="Caio Ferreira" userId="aa37e96bb8b72277" providerId="LiveId" clId="{969F346F-B802-4484-B01D-A2441F25604B}" dt="2020-09-18T01:54:51.634" v="10" actId="1037"/>
-          <ac:cxnSpMkLst>
-            <pc:docMk/>
-            <pc:sldMk cId="2210866551" sldId="256"/>
-            <ac:cxnSpMk id="15" creationId="{668BB7B2-6360-43BB-B5F2-FF9EF8BDA1A7}"/>
-          </ac:cxnSpMkLst>
-        </pc:cxnChg>
-        <pc:cxnChg chg="add mod">
-          <ac:chgData name="Caio Ferreira" userId="aa37e96bb8b72277" providerId="LiveId" clId="{969F346F-B802-4484-B01D-A2441F25604B}" dt="2020-09-18T01:58:14.672" v="173" actId="1076"/>
-          <ac:cxnSpMkLst>
-            <pc:docMk/>
-            <pc:sldMk cId="2210866551" sldId="256"/>
-            <ac:cxnSpMk id="21" creationId="{DCD66A49-DF08-4617-A520-98D6096939A0}"/>
-          </ac:cxnSpMkLst>
-        </pc:cxnChg>
-        <pc:cxnChg chg="add del mod">
-          <ac:chgData name="Caio Ferreira" userId="aa37e96bb8b72277" providerId="LiveId" clId="{969F346F-B802-4484-B01D-A2441F25604B}" dt="2020-09-18T02:06:14.836" v="512" actId="478"/>
-          <ac:cxnSpMkLst>
-            <pc:docMk/>
-            <pc:sldMk cId="2210866551" sldId="256"/>
-            <ac:cxnSpMk id="28" creationId="{6977128E-D129-414B-AB65-83268BB5406F}"/>
-          </ac:cxnSpMkLst>
-        </pc:cxnChg>
-        <pc:cxnChg chg="add mod">
-          <ac:chgData name="Caio Ferreira" userId="aa37e96bb8b72277" providerId="LiveId" clId="{969F346F-B802-4484-B01D-A2441F25604B}" dt="2020-09-18T02:06:37.248" v="597" actId="1036"/>
-          <ac:cxnSpMkLst>
-            <pc:docMk/>
-            <pc:sldMk cId="2210866551" sldId="256"/>
-            <ac:cxnSpMk id="30" creationId="{B840499D-AE6F-4793-A825-B0D2A9F82E3C}"/>
-          </ac:cxnSpMkLst>
-        </pc:cxnChg>
-        <pc:cxnChg chg="add del mod">
-          <ac:chgData name="Caio Ferreira" userId="aa37e96bb8b72277" providerId="LiveId" clId="{969F346F-B802-4484-B01D-A2441F25604B}" dt="2020-09-18T02:12:18.435" v="820" actId="478"/>
-          <ac:cxnSpMkLst>
-            <pc:docMk/>
-            <pc:sldMk cId="2210866551" sldId="256"/>
-            <ac:cxnSpMk id="34" creationId="{F1EA4176-DB80-4B48-AC81-A8E83A633325}"/>
-          </ac:cxnSpMkLst>
-        </pc:cxnChg>
-      </pc:sldChg>
-    </pc:docChg>
-  </pc:docChgLst>
-  <pc:docChgLst>
-    <pc:chgData name="Gabriel Fernandes C. dos Santos" userId="153fb557aa2a4591" providerId="Windows Live" clId="Web-{F5860D81-E2A8-4FD7-9BEF-220CDA839518}"/>
-    <pc:docChg chg="modSld">
-      <pc:chgData name="Gabriel Fernandes C. dos Santos" userId="153fb557aa2a4591" providerId="Windows Live" clId="Web-{F5860D81-E2A8-4FD7-9BEF-220CDA839518}" dt="2020-09-18T01:59:45.106" v="20" actId="20577"/>
-      <pc:docMkLst>
-        <pc:docMk/>
-      </pc:docMkLst>
-      <pc:sldChg chg="addSp delSp modSp">
-        <pc:chgData name="Gabriel Fernandes C. dos Santos" userId="153fb557aa2a4591" providerId="Windows Live" clId="Web-{F5860D81-E2A8-4FD7-9BEF-220CDA839518}" dt="2020-09-18T01:59:17.763" v="19" actId="20577"/>
-        <pc:sldMkLst>
-          <pc:docMk/>
-          <pc:sldMk cId="2210866551" sldId="256"/>
-        </pc:sldMkLst>
-        <pc:spChg chg="add mod">
-          <ac:chgData name="Gabriel Fernandes C. dos Santos" userId="153fb557aa2a4591" providerId="Windows Live" clId="Web-{F5860D81-E2A8-4FD7-9BEF-220CDA839518}" dt="2020-09-18T01:48:16.092" v="3" actId="14100"/>
-          <ac:spMkLst>
-            <pc:docMk/>
-            <pc:sldMk cId="2210866551" sldId="256"/>
-            <ac:spMk id="4" creationId="{494C4FE3-F934-4AC1-B233-E18E32B08678}"/>
-          </ac:spMkLst>
-        </pc:spChg>
-        <pc:spChg chg="add mod">
-          <ac:chgData name="Gabriel Fernandes C. dos Santos" userId="153fb557aa2a4591" providerId="Windows Live" clId="Web-{F5860D81-E2A8-4FD7-9BEF-220CDA839518}" dt="2020-09-18T01:59:17.763" v="19" actId="20577"/>
-          <ac:spMkLst>
-            <pc:docMk/>
-            <pc:sldMk cId="2210866551" sldId="256"/>
-            <ac:spMk id="12" creationId="{D28F1D3E-5199-4BEE-B72D-BE285E6874DD}"/>
-          </ac:spMkLst>
-        </pc:spChg>
-        <pc:spChg chg="add del mod">
-          <ac:chgData name="Gabriel Fernandes C. dos Santos" userId="153fb557aa2a4591" providerId="Windows Live" clId="Web-{F5860D81-E2A8-4FD7-9BEF-220CDA839518}" dt="2020-09-18T01:55:52.169" v="14"/>
-          <ac:spMkLst>
-            <pc:docMk/>
-            <pc:sldMk cId="2210866551" sldId="256"/>
-            <ac:spMk id="19" creationId="{80AD83E7-122E-401F-B452-0DD2E5C6363D}"/>
-          </ac:spMkLst>
-        </pc:spChg>
-        <pc:cxnChg chg="add mod">
-          <ac:chgData name="Gabriel Fernandes C. dos Santos" userId="153fb557aa2a4591" providerId="Windows Live" clId="Web-{F5860D81-E2A8-4FD7-9BEF-220CDA839518}" dt="2020-09-18T01:54:40.779" v="8" actId="1076"/>
-          <ac:cxnSpMkLst>
-            <pc:docMk/>
-            <pc:sldMk cId="2210866551" sldId="256"/>
-            <ac:cxnSpMk id="11" creationId="{4185A6F2-972D-44E3-8BE5-AF347B493ACD}"/>
-          </ac:cxnSpMkLst>
-        </pc:cxnChg>
-        <pc:cxnChg chg="add del mod">
-          <ac:chgData name="Gabriel Fernandes C. dos Santos" userId="153fb557aa2a4591" providerId="Windows Live" clId="Web-{F5860D81-E2A8-4FD7-9BEF-220CDA839518}" dt="2020-09-18T01:55:52.169" v="15"/>
-          <ac:cxnSpMkLst>
-            <pc:docMk/>
-            <pc:sldMk cId="2210866551" sldId="256"/>
-            <ac:cxnSpMk id="17" creationId="{5ABCD155-18E2-4032-A549-C378F8D1296A}"/>
-          </ac:cxnSpMkLst>
-        </pc:cxnChg>
-      </pc:sldChg>
-    </pc:docChg>
-  </pc:docChgLst>
-  <pc:docChgLst>
-    <pc:chgData name="Bruno Pires" userId="2e75d9009844921f" providerId="Windows Live" clId="Web-{E164AC4C-3820-4792-89A6-FC47A1AFF366}"/>
-    <pc:docChg chg="modSld">
-      <pc:chgData name="Bruno Pires" userId="2e75d9009844921f" providerId="Windows Live" clId="Web-{E164AC4C-3820-4792-89A6-FC47A1AFF366}" dt="2020-09-18T02:16:44.543" v="1"/>
-      <pc:docMkLst>
-        <pc:docMk/>
-      </pc:docMkLst>
-      <pc:sldChg chg="addSp">
-        <pc:chgData name="Bruno Pires" userId="2e75d9009844921f" providerId="Windows Live" clId="Web-{E164AC4C-3820-4792-89A6-FC47A1AFF366}" dt="2020-09-18T02:16:44.543" v="1"/>
-        <pc:sldMkLst>
-          <pc:docMk/>
-          <pc:sldMk cId="2210866551" sldId="256"/>
-        </pc:sldMkLst>
-        <pc:spChg chg="add">
-          <ac:chgData name="Bruno Pires" userId="2e75d9009844921f" providerId="Windows Live" clId="Web-{E164AC4C-3820-4792-89A6-FC47A1AFF366}" dt="2020-09-18T01:54:14.770" v="0"/>
-          <ac:spMkLst>
-            <pc:docMk/>
-            <pc:sldMk cId="2210866551" sldId="256"/>
-            <ac:spMk id="5" creationId="{9066179D-1203-4838-8977-6D25B04015D6}"/>
-          </ac:spMkLst>
-        </pc:spChg>
-        <pc:spChg chg="add">
-          <ac:chgData name="Bruno Pires" userId="2e75d9009844921f" providerId="Windows Live" clId="Web-{E164AC4C-3820-4792-89A6-FC47A1AFF366}" dt="2020-09-18T02:16:44.543" v="1"/>
-          <ac:spMkLst>
-            <pc:docMk/>
-            <pc:sldMk cId="2210866551" sldId="256"/>
-            <ac:spMk id="25" creationId="{65E538CC-528C-4D40-B276-075D44544397}"/>
-          </ac:spMkLst>
-        </pc:spChg>
-      </pc:sldChg>
-    </pc:docChg>
-  </pc:docChgLst>
-  <pc:docChgLst>
-    <pc:chgData name="Eduardo Marques" userId="b9dd18581288d1e4" providerId="Windows Live" clId="Web-{F9A7030F-43C2-46D4-AA92-32637CC439AA}"/>
-    <pc:docChg chg="modSld">
-      <pc:chgData name="Eduardo Marques" userId="b9dd18581288d1e4" providerId="Windows Live" clId="Web-{F9A7030F-43C2-46D4-AA92-32637CC439AA}" dt="2020-09-18T02:15:51.392" v="208"/>
-      <pc:docMkLst>
-        <pc:docMk/>
-      </pc:docMkLst>
-      <pc:sldChg chg="addSp delSp modSp">
-        <pc:chgData name="Eduardo Marques" userId="b9dd18581288d1e4" providerId="Windows Live" clId="Web-{F9A7030F-43C2-46D4-AA92-32637CC439AA}" dt="2020-09-18T02:15:51.392" v="208"/>
-        <pc:sldMkLst>
-          <pc:docMk/>
-          <pc:sldMk cId="2210866551" sldId="256"/>
-        </pc:sldMkLst>
-        <pc:spChg chg="mod">
-          <ac:chgData name="Eduardo Marques" userId="b9dd18581288d1e4" providerId="Windows Live" clId="Web-{F9A7030F-43C2-46D4-AA92-32637CC439AA}" dt="2020-09-18T02:00:45.585" v="114" actId="1076"/>
-          <ac:spMkLst>
-            <pc:docMk/>
-            <pc:sldMk cId="2210866551" sldId="256"/>
-            <ac:spMk id="3" creationId="{C034B268-9179-49F8-9BD2-9A31461E406E}"/>
-          </ac:spMkLst>
-        </pc:spChg>
-        <pc:spChg chg="mod">
-          <ac:chgData name="Eduardo Marques" userId="b9dd18581288d1e4" providerId="Windows Live" clId="Web-{F9A7030F-43C2-46D4-AA92-32637CC439AA}" dt="2020-09-18T01:54:52.097" v="7" actId="20577"/>
-          <ac:spMkLst>
-            <pc:docMk/>
-            <pc:sldMk cId="2210866551" sldId="256"/>
-            <ac:spMk id="4" creationId="{494C4FE3-F934-4AC1-B233-E18E32B08678}"/>
-          </ac:spMkLst>
-        </pc:spChg>
-        <pc:spChg chg="mod">
-          <ac:chgData name="Eduardo Marques" userId="b9dd18581288d1e4" providerId="Windows Live" clId="Web-{F9A7030F-43C2-46D4-AA92-32637CC439AA}" dt="2020-09-18T02:15:08.236" v="196" actId="20577"/>
-          <ac:spMkLst>
-            <pc:docMk/>
-            <pc:sldMk cId="2210866551" sldId="256"/>
-            <ac:spMk id="5" creationId="{9066179D-1203-4838-8977-6D25B04015D6}"/>
-          </ac:spMkLst>
-        </pc:spChg>
-        <pc:spChg chg="mod">
-          <ac:chgData name="Eduardo Marques" userId="b9dd18581288d1e4" providerId="Windows Live" clId="Web-{F9A7030F-43C2-46D4-AA92-32637CC439AA}" dt="2020-09-18T02:13:24.312" v="173" actId="1076"/>
-          <ac:spMkLst>
-            <pc:docMk/>
-            <pc:sldMk cId="2210866551" sldId="256"/>
-            <ac:spMk id="10" creationId="{0D218678-922A-45C7-B38A-44160210ED2A}"/>
-          </ac:spMkLst>
-        </pc:spChg>
-        <pc:spChg chg="mod">
-          <ac:chgData name="Eduardo Marques" userId="b9dd18581288d1e4" providerId="Windows Live" clId="Web-{F9A7030F-43C2-46D4-AA92-32637CC439AA}" dt="2020-09-18T02:14:13.501" v="182" actId="1076"/>
-          <ac:spMkLst>
-            <pc:docMk/>
-            <pc:sldMk cId="2210866551" sldId="256"/>
-            <ac:spMk id="12" creationId="{D28F1D3E-5199-4BEE-B72D-BE285E6874DD}"/>
-          </ac:spMkLst>
-        </pc:spChg>
-        <pc:spChg chg="add del">
-          <ac:chgData name="Eduardo Marques" userId="b9dd18581288d1e4" providerId="Windows Live" clId="Web-{F9A7030F-43C2-46D4-AA92-32637CC439AA}" dt="2020-09-18T02:14:58.298" v="190"/>
-          <ac:spMkLst>
-            <pc:docMk/>
-            <pc:sldMk cId="2210866551" sldId="256"/>
-            <ac:spMk id="16" creationId="{E595936C-C77B-4068-A77A-89362AD48C71}"/>
-          </ac:spMkLst>
-        </pc:spChg>
-        <pc:spChg chg="mod">
-          <ac:chgData name="Eduardo Marques" userId="b9dd18581288d1e4" providerId="Windows Live" clId="Web-{F9A7030F-43C2-46D4-AA92-32637CC439AA}" dt="2020-09-18T02:14:18.735" v="183" actId="20577"/>
-          <ac:spMkLst>
-            <pc:docMk/>
-            <pc:sldMk cId="2210866551" sldId="256"/>
-            <ac:spMk id="18" creationId="{7AE19F4A-E9B3-48F1-8347-96E89CA7C062}"/>
-          </ac:spMkLst>
-        </pc:spChg>
-        <pc:spChg chg="add del mod">
-          <ac:chgData name="Eduardo Marques" userId="b9dd18581288d1e4" providerId="Windows Live" clId="Web-{F9A7030F-43C2-46D4-AA92-32637CC439AA}" dt="2020-09-18T02:15:01.517" v="195"/>
-          <ac:spMkLst>
-            <pc:docMk/>
-            <pc:sldMk cId="2210866551" sldId="256"/>
-            <ac:spMk id="20" creationId="{1520B7F4-2B1F-47ED-BCD9-8888F7943609}"/>
-          </ac:spMkLst>
-        </pc:spChg>
-        <pc:spChg chg="add del">
-          <ac:chgData name="Eduardo Marques" userId="b9dd18581288d1e4" providerId="Windows Live" clId="Web-{F9A7030F-43C2-46D4-AA92-32637CC439AA}" dt="2020-09-18T02:14:59.220" v="191"/>
-          <ac:spMkLst>
-            <pc:docMk/>
-            <pc:sldMk cId="2210866551" sldId="256"/>
-            <ac:spMk id="22" creationId="{1ED8597F-4A2B-45D6-A282-A0F4BB8F8845}"/>
-          </ac:spMkLst>
-        </pc:spChg>
-        <pc:spChg chg="add del mod">
-          <ac:chgData name="Eduardo Marques" userId="b9dd18581288d1e4" providerId="Windows Live" clId="Web-{F9A7030F-43C2-46D4-AA92-32637CC439AA}" dt="2020-09-18T02:15:51.392" v="208"/>
-          <ac:spMkLst>
-            <pc:docMk/>
-            <pc:sldMk cId="2210866551" sldId="256"/>
-            <ac:spMk id="23" creationId="{B18E145F-3C56-46B5-9B70-FEAE09A2313B}"/>
-          </ac:spMkLst>
-        </pc:spChg>
-        <pc:spChg chg="mod">
-          <ac:chgData name="Eduardo Marques" userId="b9dd18581288d1e4" providerId="Windows Live" clId="Web-{F9A7030F-43C2-46D4-AA92-32637CC439AA}" dt="2020-09-18T02:15:18.501" v="199" actId="20577"/>
-          <ac:spMkLst>
-            <pc:docMk/>
-            <pc:sldMk cId="2210866551" sldId="256"/>
-            <ac:spMk id="33" creationId="{39E60CCA-E4BA-4BE0-954E-DF3941348605}"/>
-          </ac:spMkLst>
-        </pc:spChg>
-        <pc:cxnChg chg="mod">
-          <ac:chgData name="Eduardo Marques" userId="b9dd18581288d1e4" providerId="Windows Live" clId="Web-{F9A7030F-43C2-46D4-AA92-32637CC439AA}" dt="2020-09-18T02:00:41.835" v="113" actId="1076"/>
-          <ac:cxnSpMkLst>
-            <pc:docMk/>
-            <pc:sldMk cId="2210866551" sldId="256"/>
-            <ac:cxnSpMk id="9" creationId="{4A2B671F-ADAF-4EE1-A493-6C39D24C063A}"/>
-          </ac:cxnSpMkLst>
-        </pc:cxnChg>
-        <pc:cxnChg chg="del mod">
-          <ac:chgData name="Eduardo Marques" userId="b9dd18581288d1e4" providerId="Windows Live" clId="Web-{F9A7030F-43C2-46D4-AA92-32637CC439AA}" dt="2020-09-18T02:15:46.783" v="204"/>
-          <ac:cxnSpMkLst>
-            <pc:docMk/>
-            <pc:sldMk cId="2210866551" sldId="256"/>
-            <ac:cxnSpMk id="11" creationId="{4185A6F2-972D-44E3-8BE5-AF347B493ACD}"/>
-          </ac:cxnSpMkLst>
-        </pc:cxnChg>
-        <pc:cxnChg chg="del">
-          <ac:chgData name="Eduardo Marques" userId="b9dd18581288d1e4" providerId="Windows Live" clId="Web-{F9A7030F-43C2-46D4-AA92-32637CC439AA}" dt="2020-09-18T02:02:48.306" v="116"/>
-          <ac:cxnSpMkLst>
-            <pc:docMk/>
-            <pc:sldMk cId="2210866551" sldId="256"/>
-            <ac:cxnSpMk id="14" creationId="{D34AEE13-8C24-4B30-BCD7-8F20619A603F}"/>
-          </ac:cxnSpMkLst>
-        </pc:cxnChg>
-        <pc:cxnChg chg="mod">
-          <ac:chgData name="Eduardo Marques" userId="b9dd18581288d1e4" providerId="Windows Live" clId="Web-{F9A7030F-43C2-46D4-AA92-32637CC439AA}" dt="2020-09-18T02:02:58.493" v="117" actId="1076"/>
-          <ac:cxnSpMkLst>
-            <pc:docMk/>
-            <pc:sldMk cId="2210866551" sldId="256"/>
-            <ac:cxnSpMk id="21" creationId="{DCD66A49-DF08-4617-A520-98D6096939A0}"/>
-          </ac:cxnSpMkLst>
-        </pc:cxnChg>
-        <pc:cxnChg chg="add mod">
-          <ac:chgData name="Eduardo Marques" userId="b9dd18581288d1e4" providerId="Windows Live" clId="Web-{F9A7030F-43C2-46D4-AA92-32637CC439AA}" dt="2020-09-18T02:13:22.578" v="171" actId="1076"/>
-          <ac:cxnSpMkLst>
-            <pc:docMk/>
-            <pc:sldMk cId="2210866551" sldId="256"/>
-            <ac:cxnSpMk id="24" creationId="{7943B010-5745-40DC-90E2-503461F80FAE}"/>
-          </ac:cxnSpMkLst>
-        </pc:cxnChg>
-      </pc:sldChg>
-    </pc:docChg>
-  </pc:docChgLst>
   <pc:docChgLst>
     <pc:chgData name="Eduardo Marques" userId="b9dd18581288d1e4" providerId="Windows Live" clId="Web-{C6A92E85-0F08-440A-A951-C7410A6E61B7}"/>
     <pc:docChg chg="modSld">
@@ -728,6 +266,246 @@
     </pc:docChg>
   </pc:docChgLst>
   <pc:docChgLst>
+    <pc:chgData clId="Web-{6C0D6097-BEDF-476E-8298-006B83B49BF2}"/>
+    <pc:docChg chg="modSld">
+      <pc:chgData name="" userId="" providerId="" clId="Web-{6C0D6097-BEDF-476E-8298-006B83B49BF2}" dt="2020-11-06T23:03:33.667" v="6" actId="20577"/>
+      <pc:docMkLst>
+        <pc:docMk/>
+      </pc:docMkLst>
+      <pc:sldChg chg="modSp">
+        <pc:chgData name="" userId="" providerId="" clId="Web-{6C0D6097-BEDF-476E-8298-006B83B49BF2}" dt="2020-11-06T23:03:31.776" v="4" actId="20577"/>
+        <pc:sldMkLst>
+          <pc:docMk/>
+          <pc:sldMk cId="2210866551" sldId="256"/>
+        </pc:sldMkLst>
+        <pc:spChg chg="mod">
+          <ac:chgData name="" userId="" providerId="" clId="Web-{6C0D6097-BEDF-476E-8298-006B83B49BF2}" dt="2020-11-06T23:03:31.776" v="4" actId="20577"/>
+          <ac:spMkLst>
+            <pc:docMk/>
+            <pc:sldMk cId="2210866551" sldId="256"/>
+            <ac:spMk id="4" creationId="{494C4FE3-F934-4AC1-B233-E18E32B08678}"/>
+          </ac:spMkLst>
+        </pc:spChg>
+      </pc:sldChg>
+    </pc:docChg>
+  </pc:docChgLst>
+  <pc:docChgLst>
+    <pc:chgData name="Caio Ferreira" userId="aa37e96bb8b72277" providerId="LiveId" clId="{969F346F-B802-4484-B01D-A2441F25604B}"/>
+    <pc:docChg chg="undo custSel modSld">
+      <pc:chgData name="Caio Ferreira" userId="aa37e96bb8b72277" providerId="LiveId" clId="{969F346F-B802-4484-B01D-A2441F25604B}" dt="2020-09-18T02:12:18.435" v="820" actId="478"/>
+      <pc:docMkLst>
+        <pc:docMk/>
+      </pc:docMkLst>
+      <pc:sldChg chg="addSp delSp modSp mod">
+        <pc:chgData name="Caio Ferreira" userId="aa37e96bb8b72277" providerId="LiveId" clId="{969F346F-B802-4484-B01D-A2441F25604B}" dt="2020-09-18T02:12:18.435" v="820" actId="478"/>
+        <pc:sldMkLst>
+          <pc:docMk/>
+          <pc:sldMk cId="2210866551" sldId="256"/>
+        </pc:sldMkLst>
+        <pc:spChg chg="del mod">
+          <ac:chgData name="Caio Ferreira" userId="aa37e96bb8b72277" providerId="LiveId" clId="{969F346F-B802-4484-B01D-A2441F25604B}" dt="2020-09-18T02:10:22.833" v="753" actId="478"/>
+          <ac:spMkLst>
+            <pc:docMk/>
+            <pc:sldMk cId="2210866551" sldId="256"/>
+            <ac:spMk id="3" creationId="{C034B268-9179-49F8-9BD2-9A31461E406E}"/>
+          </ac:spMkLst>
+        </pc:spChg>
+        <pc:spChg chg="mod">
+          <ac:chgData name="Caio Ferreira" userId="aa37e96bb8b72277" providerId="LiveId" clId="{969F346F-B802-4484-B01D-A2441F25604B}" dt="2020-09-18T02:10:54.792" v="766" actId="20577"/>
+          <ac:spMkLst>
+            <pc:docMk/>
+            <pc:sldMk cId="2210866551" sldId="256"/>
+            <ac:spMk id="4" creationId="{494C4FE3-F934-4AC1-B233-E18E32B08678}"/>
+          </ac:spMkLst>
+        </pc:spChg>
+        <pc:spChg chg="mod">
+          <ac:chgData name="Caio Ferreira" userId="aa37e96bb8b72277" providerId="LiveId" clId="{969F346F-B802-4484-B01D-A2441F25604B}" dt="2020-09-18T02:08:22.673" v="737" actId="1038"/>
+          <ac:spMkLst>
+            <pc:docMk/>
+            <pc:sldMk cId="2210866551" sldId="256"/>
+            <ac:spMk id="5" creationId="{9066179D-1203-4838-8977-6D25B04015D6}"/>
+          </ac:spMkLst>
+        </pc:spChg>
+        <pc:spChg chg="mod">
+          <ac:chgData name="Caio Ferreira" userId="aa37e96bb8b72277" providerId="LiveId" clId="{969F346F-B802-4484-B01D-A2441F25604B}" dt="2020-09-18T02:05:15.815" v="502" actId="1037"/>
+          <ac:spMkLst>
+            <pc:docMk/>
+            <pc:sldMk cId="2210866551" sldId="256"/>
+            <ac:spMk id="10" creationId="{0D218678-922A-45C7-B38A-44160210ED2A}"/>
+          </ac:spMkLst>
+        </pc:spChg>
+        <pc:spChg chg="mod">
+          <ac:chgData name="Caio Ferreira" userId="aa37e96bb8b72277" providerId="LiveId" clId="{969F346F-B802-4484-B01D-A2441F25604B}" dt="2020-09-18T02:03:20.042" v="463" actId="1038"/>
+          <ac:spMkLst>
+            <pc:docMk/>
+            <pc:sldMk cId="2210866551" sldId="256"/>
+            <ac:spMk id="12" creationId="{D28F1D3E-5199-4BEE-B72D-BE285E6874DD}"/>
+          </ac:spMkLst>
+        </pc:spChg>
+        <pc:spChg chg="add mod">
+          <ac:chgData name="Caio Ferreira" userId="aa37e96bb8b72277" providerId="LiveId" clId="{969F346F-B802-4484-B01D-A2441F25604B}" dt="2020-09-18T02:08:34.220" v="746" actId="1037"/>
+          <ac:spMkLst>
+            <pc:docMk/>
+            <pc:sldMk cId="2210866551" sldId="256"/>
+            <ac:spMk id="18" creationId="{7AE19F4A-E9B3-48F1-8347-96E89CA7C062}"/>
+          </ac:spMkLst>
+        </pc:spChg>
+        <pc:spChg chg="add mod">
+          <ac:chgData name="Caio Ferreira" userId="aa37e96bb8b72277" providerId="LiveId" clId="{969F346F-B802-4484-B01D-A2441F25604B}" dt="2020-09-18T02:08:27.977" v="742" actId="1037"/>
+          <ac:spMkLst>
+            <pc:docMk/>
+            <pc:sldMk cId="2210866551" sldId="256"/>
+            <ac:spMk id="33" creationId="{39E60CCA-E4BA-4BE0-954E-DF3941348605}"/>
+          </ac:spMkLst>
+        </pc:spChg>
+        <pc:cxnChg chg="mod">
+          <ac:chgData name="Caio Ferreira" userId="aa37e96bb8b72277" providerId="LiveId" clId="{969F346F-B802-4484-B01D-A2441F25604B}" dt="2020-09-18T02:03:40.632" v="492" actId="14100"/>
+          <ac:cxnSpMkLst>
+            <pc:docMk/>
+            <pc:sldMk cId="2210866551" sldId="256"/>
+            <ac:cxnSpMk id="8" creationId="{04C48938-E085-4E35-B748-E29BD3C6B2FF}"/>
+          </ac:cxnSpMkLst>
+        </pc:cxnChg>
+        <pc:cxnChg chg="del mod">
+          <ac:chgData name="Caio Ferreira" userId="aa37e96bb8b72277" providerId="LiveId" clId="{969F346F-B802-4484-B01D-A2441F25604B}" dt="2020-09-18T02:10:23.673" v="754" actId="478"/>
+          <ac:cxnSpMkLst>
+            <pc:docMk/>
+            <pc:sldMk cId="2210866551" sldId="256"/>
+            <ac:cxnSpMk id="9" creationId="{4A2B671F-ADAF-4EE1-A493-6C39D24C063A}"/>
+          </ac:cxnSpMkLst>
+        </pc:cxnChg>
+        <pc:cxnChg chg="mod">
+          <ac:chgData name="Caio Ferreira" userId="aa37e96bb8b72277" providerId="LiveId" clId="{969F346F-B802-4484-B01D-A2441F25604B}" dt="2020-09-18T02:06:19.474" v="536" actId="1037"/>
+          <ac:cxnSpMkLst>
+            <pc:docMk/>
+            <pc:sldMk cId="2210866551" sldId="256"/>
+            <ac:cxnSpMk id="11" creationId="{4185A6F2-972D-44E3-8BE5-AF347B493ACD}"/>
+          </ac:cxnSpMkLst>
+        </pc:cxnChg>
+        <pc:cxnChg chg="add mod">
+          <ac:chgData name="Caio Ferreira" userId="aa37e96bb8b72277" providerId="LiveId" clId="{969F346F-B802-4484-B01D-A2441F25604B}" dt="2020-09-18T01:54:28.956" v="1" actId="1076"/>
+          <ac:cxnSpMkLst>
+            <pc:docMk/>
+            <pc:sldMk cId="2210866551" sldId="256"/>
+            <ac:cxnSpMk id="11" creationId="{5DD0A4EA-CF16-49D1-AFAC-DD1DEEF368AD}"/>
+          </ac:cxnSpMkLst>
+        </pc:cxnChg>
+        <pc:cxnChg chg="mod">
+          <ac:chgData name="Caio Ferreira" userId="aa37e96bb8b72277" providerId="LiveId" clId="{969F346F-B802-4484-B01D-A2441F25604B}" dt="2020-09-18T01:58:39.205" v="256" actId="1038"/>
+          <ac:cxnSpMkLst>
+            <pc:docMk/>
+            <pc:sldMk cId="2210866551" sldId="256"/>
+            <ac:cxnSpMk id="13" creationId="{5DD0A4EA-CF16-49D1-AFAC-DD1DEEF368AD}"/>
+          </ac:cxnSpMkLst>
+        </pc:cxnChg>
+        <pc:cxnChg chg="add mod">
+          <ac:chgData name="Caio Ferreira" userId="aa37e96bb8b72277" providerId="LiveId" clId="{969F346F-B802-4484-B01D-A2441F25604B}" dt="2020-09-18T01:55:47.985" v="22" actId="14100"/>
+          <ac:cxnSpMkLst>
+            <pc:docMk/>
+            <pc:sldMk cId="2210866551" sldId="256"/>
+            <ac:cxnSpMk id="14" creationId="{D34AEE13-8C24-4B30-BCD7-8F20619A603F}"/>
+          </ac:cxnSpMkLst>
+        </pc:cxnChg>
+        <pc:cxnChg chg="add mod">
+          <ac:chgData name="Caio Ferreira" userId="aa37e96bb8b72277" providerId="LiveId" clId="{969F346F-B802-4484-B01D-A2441F25604B}" dt="2020-09-18T01:54:51.634" v="10" actId="1037"/>
+          <ac:cxnSpMkLst>
+            <pc:docMk/>
+            <pc:sldMk cId="2210866551" sldId="256"/>
+            <ac:cxnSpMk id="15" creationId="{668BB7B2-6360-43BB-B5F2-FF9EF8BDA1A7}"/>
+          </ac:cxnSpMkLst>
+        </pc:cxnChg>
+        <pc:cxnChg chg="add mod">
+          <ac:chgData name="Caio Ferreira" userId="aa37e96bb8b72277" providerId="LiveId" clId="{969F346F-B802-4484-B01D-A2441F25604B}" dt="2020-09-18T01:58:14.672" v="173" actId="1076"/>
+          <ac:cxnSpMkLst>
+            <pc:docMk/>
+            <pc:sldMk cId="2210866551" sldId="256"/>
+            <ac:cxnSpMk id="21" creationId="{DCD66A49-DF08-4617-A520-98D6096939A0}"/>
+          </ac:cxnSpMkLst>
+        </pc:cxnChg>
+        <pc:cxnChg chg="add del mod">
+          <ac:chgData name="Caio Ferreira" userId="aa37e96bb8b72277" providerId="LiveId" clId="{969F346F-B802-4484-B01D-A2441F25604B}" dt="2020-09-18T02:06:14.836" v="512" actId="478"/>
+          <ac:cxnSpMkLst>
+            <pc:docMk/>
+            <pc:sldMk cId="2210866551" sldId="256"/>
+            <ac:cxnSpMk id="28" creationId="{6977128E-D129-414B-AB65-83268BB5406F}"/>
+          </ac:cxnSpMkLst>
+        </pc:cxnChg>
+        <pc:cxnChg chg="add mod">
+          <ac:chgData name="Caio Ferreira" userId="aa37e96bb8b72277" providerId="LiveId" clId="{969F346F-B802-4484-B01D-A2441F25604B}" dt="2020-09-18T02:06:37.248" v="597" actId="1036"/>
+          <ac:cxnSpMkLst>
+            <pc:docMk/>
+            <pc:sldMk cId="2210866551" sldId="256"/>
+            <ac:cxnSpMk id="30" creationId="{B840499D-AE6F-4793-A825-B0D2A9F82E3C}"/>
+          </ac:cxnSpMkLst>
+        </pc:cxnChg>
+        <pc:cxnChg chg="add del mod">
+          <ac:chgData name="Caio Ferreira" userId="aa37e96bb8b72277" providerId="LiveId" clId="{969F346F-B802-4484-B01D-A2441F25604B}" dt="2020-09-18T02:12:18.435" v="820" actId="478"/>
+          <ac:cxnSpMkLst>
+            <pc:docMk/>
+            <pc:sldMk cId="2210866551" sldId="256"/>
+            <ac:cxnSpMk id="34" creationId="{F1EA4176-DB80-4B48-AC81-A8E83A633325}"/>
+          </ac:cxnSpMkLst>
+        </pc:cxnChg>
+      </pc:sldChg>
+    </pc:docChg>
+  </pc:docChgLst>
+  <pc:docChgLst>
+    <pc:chgData name="Gabriel Fernandes C. dos Santos" userId="153fb557aa2a4591" providerId="Windows Live" clId="Web-{F5860D81-E2A8-4FD7-9BEF-220CDA839518}"/>
+    <pc:docChg chg="modSld">
+      <pc:chgData name="Gabriel Fernandes C. dos Santos" userId="153fb557aa2a4591" providerId="Windows Live" clId="Web-{F5860D81-E2A8-4FD7-9BEF-220CDA839518}" dt="2020-09-18T01:59:45.106" v="20" actId="20577"/>
+      <pc:docMkLst>
+        <pc:docMk/>
+      </pc:docMkLst>
+      <pc:sldChg chg="addSp delSp modSp">
+        <pc:chgData name="Gabriel Fernandes C. dos Santos" userId="153fb557aa2a4591" providerId="Windows Live" clId="Web-{F5860D81-E2A8-4FD7-9BEF-220CDA839518}" dt="2020-09-18T01:59:17.763" v="19" actId="20577"/>
+        <pc:sldMkLst>
+          <pc:docMk/>
+          <pc:sldMk cId="2210866551" sldId="256"/>
+        </pc:sldMkLst>
+        <pc:spChg chg="add mod">
+          <ac:chgData name="Gabriel Fernandes C. dos Santos" userId="153fb557aa2a4591" providerId="Windows Live" clId="Web-{F5860D81-E2A8-4FD7-9BEF-220CDA839518}" dt="2020-09-18T01:48:16.092" v="3" actId="14100"/>
+          <ac:spMkLst>
+            <pc:docMk/>
+            <pc:sldMk cId="2210866551" sldId="256"/>
+            <ac:spMk id="4" creationId="{494C4FE3-F934-4AC1-B233-E18E32B08678}"/>
+          </ac:spMkLst>
+        </pc:spChg>
+        <pc:spChg chg="add mod">
+          <ac:chgData name="Gabriel Fernandes C. dos Santos" userId="153fb557aa2a4591" providerId="Windows Live" clId="Web-{F5860D81-E2A8-4FD7-9BEF-220CDA839518}" dt="2020-09-18T01:59:17.763" v="19" actId="20577"/>
+          <ac:spMkLst>
+            <pc:docMk/>
+            <pc:sldMk cId="2210866551" sldId="256"/>
+            <ac:spMk id="12" creationId="{D28F1D3E-5199-4BEE-B72D-BE285E6874DD}"/>
+          </ac:spMkLst>
+        </pc:spChg>
+        <pc:spChg chg="add del mod">
+          <ac:chgData name="Gabriel Fernandes C. dos Santos" userId="153fb557aa2a4591" providerId="Windows Live" clId="Web-{F5860D81-E2A8-4FD7-9BEF-220CDA839518}" dt="2020-09-18T01:55:52.169" v="14"/>
+          <ac:spMkLst>
+            <pc:docMk/>
+            <pc:sldMk cId="2210866551" sldId="256"/>
+            <ac:spMk id="19" creationId="{80AD83E7-122E-401F-B452-0DD2E5C6363D}"/>
+          </ac:spMkLst>
+        </pc:spChg>
+        <pc:cxnChg chg="add mod">
+          <ac:chgData name="Gabriel Fernandes C. dos Santos" userId="153fb557aa2a4591" providerId="Windows Live" clId="Web-{F5860D81-E2A8-4FD7-9BEF-220CDA839518}" dt="2020-09-18T01:54:40.779" v="8" actId="1076"/>
+          <ac:cxnSpMkLst>
+            <pc:docMk/>
+            <pc:sldMk cId="2210866551" sldId="256"/>
+            <ac:cxnSpMk id="11" creationId="{4185A6F2-972D-44E3-8BE5-AF347B493ACD}"/>
+          </ac:cxnSpMkLst>
+        </pc:cxnChg>
+        <pc:cxnChg chg="add del mod">
+          <ac:chgData name="Gabriel Fernandes C. dos Santos" userId="153fb557aa2a4591" providerId="Windows Live" clId="Web-{F5860D81-E2A8-4FD7-9BEF-220CDA839518}" dt="2020-09-18T01:55:52.169" v="15"/>
+          <ac:cxnSpMkLst>
+            <pc:docMk/>
+            <pc:sldMk cId="2210866551" sldId="256"/>
+            <ac:cxnSpMk id="17" creationId="{5ABCD155-18E2-4032-A549-C378F8D1296A}"/>
+          </ac:cxnSpMkLst>
+        </pc:cxnChg>
+      </pc:sldChg>
+    </pc:docChg>
+  </pc:docChgLst>
+  <pc:docChgLst>
     <pc:chgData name="Gabriel Casagrande" userId="e7a325a1baaa42ba" providerId="Windows Live" clId="Web-{D4B54080-EC79-43F5-B642-44A98FAE809B}"/>
     <pc:docChg chg="modSld">
       <pc:chgData name="Gabriel Casagrande" userId="e7a325a1baaa42ba" providerId="Windows Live" clId="Web-{D4B54080-EC79-43F5-B642-44A98FAE809B}" dt="2020-09-18T01:56:00.464" v="4"/>
@@ -762,6 +540,174 @@
             <pc:docMk/>
             <pc:sldMk cId="2210866551" sldId="256"/>
             <ac:cxnSpMk id="15" creationId="{668BB7B2-6360-43BB-B5F2-FF9EF8BDA1A7}"/>
+          </ac:cxnSpMkLst>
+        </pc:cxnChg>
+      </pc:sldChg>
+    </pc:docChg>
+  </pc:docChgLst>
+  <pc:docChgLst>
+    <pc:chgData name="Bruno Pires" userId="2e75d9009844921f" providerId="Windows Live" clId="Web-{64D9DB1C-2242-472F-92B7-932D0314AA8A}"/>
+    <pc:docChg chg="modSld">
+      <pc:chgData name="Bruno Pires" userId="2e75d9009844921f" providerId="Windows Live" clId="Web-{64D9DB1C-2242-472F-92B7-932D0314AA8A}" dt="2020-11-06T23:03:13.110" v="1" actId="20577"/>
+      <pc:docMkLst>
+        <pc:docMk/>
+      </pc:docMkLst>
+      <pc:sldChg chg="modSp">
+        <pc:chgData name="Bruno Pires" userId="2e75d9009844921f" providerId="Windows Live" clId="Web-{64D9DB1C-2242-472F-92B7-932D0314AA8A}" dt="2020-11-06T23:03:13.110" v="0" actId="20577"/>
+        <pc:sldMkLst>
+          <pc:docMk/>
+          <pc:sldMk cId="2210866551" sldId="256"/>
+        </pc:sldMkLst>
+        <pc:spChg chg="mod">
+          <ac:chgData name="Bruno Pires" userId="2e75d9009844921f" providerId="Windows Live" clId="Web-{64D9DB1C-2242-472F-92B7-932D0314AA8A}" dt="2020-11-06T23:03:13.110" v="0" actId="20577"/>
+          <ac:spMkLst>
+            <pc:docMk/>
+            <pc:sldMk cId="2210866551" sldId="256"/>
+            <ac:spMk id="4" creationId="{494C4FE3-F934-4AC1-B233-E18E32B08678}"/>
+          </ac:spMkLst>
+        </pc:spChg>
+      </pc:sldChg>
+    </pc:docChg>
+  </pc:docChgLst>
+  <pc:docChgLst>
+    <pc:chgData name="Eduardo Marques" userId="b9dd18581288d1e4" providerId="Windows Live" clId="Web-{6C0D6097-BEDF-476E-8298-006B83B49BF2}"/>
+    <pc:docChg chg="modSld">
+      <pc:chgData name="Eduardo Marques" userId="b9dd18581288d1e4" providerId="Windows Live" clId="Web-{6C0D6097-BEDF-476E-8298-006B83B49BF2}" dt="2020-11-06T23:05:48.966" v="6" actId="1076"/>
+      <pc:docMkLst>
+        <pc:docMk/>
+      </pc:docMkLst>
+      <pc:sldChg chg="delSp modSp">
+        <pc:chgData name="Eduardo Marques" userId="b9dd18581288d1e4" providerId="Windows Live" clId="Web-{6C0D6097-BEDF-476E-8298-006B83B49BF2}" dt="2020-11-06T23:05:48.966" v="6" actId="1076"/>
+        <pc:sldMkLst>
+          <pc:docMk/>
+          <pc:sldMk cId="2210866551" sldId="256"/>
+        </pc:sldMkLst>
+        <pc:spChg chg="mod">
+          <ac:chgData name="Eduardo Marques" userId="b9dd18581288d1e4" providerId="Windows Live" clId="Web-{6C0D6097-BEDF-476E-8298-006B83B49BF2}" dt="2020-11-06T23:05:28.185" v="2" actId="1076"/>
+          <ac:spMkLst>
+            <pc:docMk/>
+            <pc:sldMk cId="2210866551" sldId="256"/>
+            <ac:spMk id="5" creationId="{9066179D-1203-4838-8977-6D25B04015D6}"/>
+          </ac:spMkLst>
+        </pc:spChg>
+        <pc:spChg chg="mod">
+          <ac:chgData name="Eduardo Marques" userId="b9dd18581288d1e4" providerId="Windows Live" clId="Web-{6C0D6097-BEDF-476E-8298-006B83B49BF2}" dt="2020-11-06T23:05:43.075" v="5" actId="1076"/>
+          <ac:spMkLst>
+            <pc:docMk/>
+            <pc:sldMk cId="2210866551" sldId="256"/>
+            <ac:spMk id="12" creationId="{D28F1D3E-5199-4BEE-B72D-BE285E6874DD}"/>
+          </ac:spMkLst>
+        </pc:spChg>
+        <pc:spChg chg="del">
+          <ac:chgData name="Eduardo Marques" userId="b9dd18581288d1e4" providerId="Windows Live" clId="Web-{6C0D6097-BEDF-476E-8298-006B83B49BF2}" dt="2020-11-06T23:05:21.481" v="1"/>
+          <ac:spMkLst>
+            <pc:docMk/>
+            <pc:sldMk cId="2210866551" sldId="256"/>
+            <ac:spMk id="18" creationId="{7AE19F4A-E9B3-48F1-8347-96E89CA7C062}"/>
+          </ac:spMkLst>
+        </pc:spChg>
+        <pc:spChg chg="mod">
+          <ac:chgData name="Eduardo Marques" userId="b9dd18581288d1e4" providerId="Windows Live" clId="Web-{6C0D6097-BEDF-476E-8298-006B83B49BF2}" dt="2020-11-06T23:05:31.153" v="3" actId="1076"/>
+          <ac:spMkLst>
+            <pc:docMk/>
+            <pc:sldMk cId="2210866551" sldId="256"/>
+            <ac:spMk id="33" creationId="{39E60CCA-E4BA-4BE0-954E-DF3941348605}"/>
+          </ac:spMkLst>
+        </pc:spChg>
+        <pc:cxnChg chg="del">
+          <ac:chgData name="Eduardo Marques" userId="b9dd18581288d1e4" providerId="Windows Live" clId="Web-{6C0D6097-BEDF-476E-8298-006B83B49BF2}" dt="2020-11-06T23:05:18.825" v="0"/>
+          <ac:cxnSpMkLst>
+            <pc:docMk/>
+            <pc:sldMk cId="2210866551" sldId="256"/>
+            <ac:cxnSpMk id="13" creationId="{5DD0A4EA-CF16-49D1-AFAC-DD1DEEF368AD}"/>
+          </ac:cxnSpMkLst>
+        </pc:cxnChg>
+        <pc:cxnChg chg="mod">
+          <ac:chgData name="Eduardo Marques" userId="b9dd18581288d1e4" providerId="Windows Live" clId="Web-{6C0D6097-BEDF-476E-8298-006B83B49BF2}" dt="2020-11-06T23:05:37.419" v="4" actId="1076"/>
+          <ac:cxnSpMkLst>
+            <pc:docMk/>
+            <pc:sldMk cId="2210866551" sldId="256"/>
+            <ac:cxnSpMk id="21" creationId="{DCD66A49-DF08-4617-A520-98D6096939A0}"/>
+          </ac:cxnSpMkLst>
+        </pc:cxnChg>
+        <pc:cxnChg chg="mod">
+          <ac:chgData name="Eduardo Marques" userId="b9dd18581288d1e4" providerId="Windows Live" clId="Web-{6C0D6097-BEDF-476E-8298-006B83B49BF2}" dt="2020-11-06T23:05:48.966" v="6" actId="1076"/>
+          <ac:cxnSpMkLst>
+            <pc:docMk/>
+            <pc:sldMk cId="2210866551" sldId="256"/>
+            <ac:cxnSpMk id="24" creationId="{7943B010-5745-40DC-90E2-503461F80FAE}"/>
+          </ac:cxnSpMkLst>
+        </pc:cxnChg>
+      </pc:sldChg>
+    </pc:docChg>
+  </pc:docChgLst>
+  <pc:docChgLst>
+    <pc:chgData name="Gabriel Fernandes C. dos Santos" userId="153fb557aa2a4591" providerId="Windows Live" clId="Web-{62665683-9965-4BBB-9C5D-170C54AD9882}"/>
+    <pc:docChg chg="modSld">
+      <pc:chgData name="Gabriel Fernandes C. dos Santos" userId="153fb557aa2a4591" providerId="Windows Live" clId="Web-{62665683-9965-4BBB-9C5D-170C54AD9882}" dt="2020-09-16T21:58:22.669" v="53" actId="1076"/>
+      <pc:docMkLst>
+        <pc:docMk/>
+      </pc:docMkLst>
+      <pc:sldChg chg="addSp delSp modSp">
+        <pc:chgData name="Gabriel Fernandes C. dos Santos" userId="153fb557aa2a4591" providerId="Windows Live" clId="Web-{62665683-9965-4BBB-9C5D-170C54AD9882}" dt="2020-09-16T21:58:22.669" v="53" actId="1076"/>
+        <pc:sldMkLst>
+          <pc:docMk/>
+          <pc:sldMk cId="2210866551" sldId="256"/>
+        </pc:sldMkLst>
+        <pc:spChg chg="add del mod">
+          <ac:chgData name="Gabriel Fernandes C. dos Santos" userId="153fb557aa2a4591" providerId="Windows Live" clId="Web-{62665683-9965-4BBB-9C5D-170C54AD9882}" dt="2020-09-16T21:42:35.971" v="11"/>
+          <ac:spMkLst>
+            <pc:docMk/>
+            <pc:sldMk cId="2210866551" sldId="256"/>
+            <ac:spMk id="3" creationId="{0798C1F5-1433-4F55-A61F-7B289E22FF86}"/>
+          </ac:spMkLst>
+        </pc:spChg>
+        <pc:spChg chg="add del mod">
+          <ac:chgData name="Gabriel Fernandes C. dos Santos" userId="153fb557aa2a4591" providerId="Windows Live" clId="Web-{62665683-9965-4BBB-9C5D-170C54AD9882}" dt="2020-09-16T21:42:13.892" v="10"/>
+          <ac:spMkLst>
+            <pc:docMk/>
+            <pc:sldMk cId="2210866551" sldId="256"/>
+            <ac:spMk id="4" creationId="{76C2DF81-8D28-4A05-9556-93C08D928E49}"/>
+          </ac:spMkLst>
+        </pc:spChg>
+        <pc:picChg chg="add del mod">
+          <ac:chgData name="Gabriel Fernandes C. dos Santos" userId="153fb557aa2a4591" providerId="Windows Live" clId="Web-{62665683-9965-4BBB-9C5D-170C54AD9882}" dt="2020-09-16T21:51:04.532" v="25"/>
+          <ac:picMkLst>
+            <pc:docMk/>
+            <pc:sldMk cId="2210866551" sldId="256"/>
+            <ac:picMk id="5" creationId="{F247BF55-A65F-42B9-9602-33060252D5AF}"/>
+          </ac:picMkLst>
+        </pc:picChg>
+        <pc:picChg chg="add mod ord">
+          <ac:chgData name="Gabriel Fernandes C. dos Santos" userId="153fb557aa2a4591" providerId="Windows Live" clId="Web-{62665683-9965-4BBB-9C5D-170C54AD9882}" dt="2020-09-16T21:53:26.474" v="29"/>
+          <ac:picMkLst>
+            <pc:docMk/>
+            <pc:sldMk cId="2210866551" sldId="256"/>
+            <ac:picMk id="7" creationId="{7CDA96C4-BC1F-4AE9-B8D2-22C8A685F264}"/>
+          </ac:picMkLst>
+        </pc:picChg>
+        <pc:cxnChg chg="add mod">
+          <ac:chgData name="Gabriel Fernandes C. dos Santos" userId="153fb557aa2a4591" providerId="Windows Live" clId="Web-{62665683-9965-4BBB-9C5D-170C54AD9882}" dt="2020-09-16T21:56:45.823" v="44"/>
+          <ac:cxnSpMkLst>
+            <pc:docMk/>
+            <pc:sldMk cId="2210866551" sldId="256"/>
+            <ac:cxnSpMk id="6" creationId="{4807AA11-A8A5-4B16-AAEA-B324F1FACF34}"/>
+          </ac:cxnSpMkLst>
+        </pc:cxnChg>
+        <pc:cxnChg chg="add mod">
+          <ac:chgData name="Gabriel Fernandes C. dos Santos" userId="153fb557aa2a4591" providerId="Windows Live" clId="Web-{62665683-9965-4BBB-9C5D-170C54AD9882}" dt="2020-09-16T21:58:05.497" v="51" actId="14100"/>
+          <ac:cxnSpMkLst>
+            <pc:docMk/>
+            <pc:sldMk cId="2210866551" sldId="256"/>
+            <ac:cxnSpMk id="8" creationId="{04C48938-E085-4E35-B748-E29BD3C6B2FF}"/>
+          </ac:cxnSpMkLst>
+        </pc:cxnChg>
+        <pc:cxnChg chg="add mod">
+          <ac:chgData name="Gabriel Fernandes C. dos Santos" userId="153fb557aa2a4591" providerId="Windows Live" clId="Web-{62665683-9965-4BBB-9C5D-170C54AD9882}" dt="2020-09-16T21:58:22.669" v="53" actId="1076"/>
+          <ac:cxnSpMkLst>
+            <pc:docMk/>
+            <pc:sldMk cId="2210866551" sldId="256"/>
+            <ac:cxnSpMk id="9" creationId="{4A2B671F-ADAF-4EE1-A493-6C39D24C063A}"/>
           </ac:cxnSpMkLst>
         </pc:cxnChg>
       </pc:sldChg>
@@ -850,6 +796,206 @@
             <pc:docMk/>
             <pc:sldMk cId="2210866551" sldId="256"/>
             <ac:spMk id="10" creationId="{296C4B6F-9E68-427A-A6A8-605E66484C2E}"/>
+          </ac:spMkLst>
+        </pc:spChg>
+      </pc:sldChg>
+    </pc:docChg>
+  </pc:docChgLst>
+  <pc:docChgLst>
+    <pc:chgData clId="Web-{64D9DB1C-2242-472F-92B7-932D0314AA8A}"/>
+    <pc:docChg chg="modSld">
+      <pc:chgData name="" userId="" providerId="" clId="Web-{64D9DB1C-2242-472F-92B7-932D0314AA8A}" dt="2020-11-06T23:03:10.798" v="3" actId="20577"/>
+      <pc:docMkLst>
+        <pc:docMk/>
+      </pc:docMkLst>
+      <pc:sldChg chg="modSp">
+        <pc:chgData name="" userId="" providerId="" clId="Web-{64D9DB1C-2242-472F-92B7-932D0314AA8A}" dt="2020-11-06T23:03:10.798" v="2" actId="20577"/>
+        <pc:sldMkLst>
+          <pc:docMk/>
+          <pc:sldMk cId="2210866551" sldId="256"/>
+        </pc:sldMkLst>
+        <pc:spChg chg="mod">
+          <ac:chgData name="" userId="" providerId="" clId="Web-{64D9DB1C-2242-472F-92B7-932D0314AA8A}" dt="2020-11-06T23:03:10.798" v="2" actId="20577"/>
+          <ac:spMkLst>
+            <pc:docMk/>
+            <pc:sldMk cId="2210866551" sldId="256"/>
+            <ac:spMk id="4" creationId="{494C4FE3-F934-4AC1-B233-E18E32B08678}"/>
+          </ac:spMkLst>
+        </pc:spChg>
+      </pc:sldChg>
+    </pc:docChg>
+  </pc:docChgLst>
+  <pc:docChgLst>
+    <pc:chgData name="Eduardo Marques" userId="b9dd18581288d1e4" providerId="Windows Live" clId="Web-{F9A7030F-43C2-46D4-AA92-32637CC439AA}"/>
+    <pc:docChg chg="modSld">
+      <pc:chgData name="Eduardo Marques" userId="b9dd18581288d1e4" providerId="Windows Live" clId="Web-{F9A7030F-43C2-46D4-AA92-32637CC439AA}" dt="2020-09-18T02:15:51.392" v="208"/>
+      <pc:docMkLst>
+        <pc:docMk/>
+      </pc:docMkLst>
+      <pc:sldChg chg="addSp delSp modSp">
+        <pc:chgData name="Eduardo Marques" userId="b9dd18581288d1e4" providerId="Windows Live" clId="Web-{F9A7030F-43C2-46D4-AA92-32637CC439AA}" dt="2020-09-18T02:15:51.392" v="208"/>
+        <pc:sldMkLst>
+          <pc:docMk/>
+          <pc:sldMk cId="2210866551" sldId="256"/>
+        </pc:sldMkLst>
+        <pc:spChg chg="mod">
+          <ac:chgData name="Eduardo Marques" userId="b9dd18581288d1e4" providerId="Windows Live" clId="Web-{F9A7030F-43C2-46D4-AA92-32637CC439AA}" dt="2020-09-18T02:00:45.585" v="114" actId="1076"/>
+          <ac:spMkLst>
+            <pc:docMk/>
+            <pc:sldMk cId="2210866551" sldId="256"/>
+            <ac:spMk id="3" creationId="{C034B268-9179-49F8-9BD2-9A31461E406E}"/>
+          </ac:spMkLst>
+        </pc:spChg>
+        <pc:spChg chg="mod">
+          <ac:chgData name="Eduardo Marques" userId="b9dd18581288d1e4" providerId="Windows Live" clId="Web-{F9A7030F-43C2-46D4-AA92-32637CC439AA}" dt="2020-09-18T01:54:52.097" v="7" actId="20577"/>
+          <ac:spMkLst>
+            <pc:docMk/>
+            <pc:sldMk cId="2210866551" sldId="256"/>
+            <ac:spMk id="4" creationId="{494C4FE3-F934-4AC1-B233-E18E32B08678}"/>
+          </ac:spMkLst>
+        </pc:spChg>
+        <pc:spChg chg="mod">
+          <ac:chgData name="Eduardo Marques" userId="b9dd18581288d1e4" providerId="Windows Live" clId="Web-{F9A7030F-43C2-46D4-AA92-32637CC439AA}" dt="2020-09-18T02:15:08.236" v="196" actId="20577"/>
+          <ac:spMkLst>
+            <pc:docMk/>
+            <pc:sldMk cId="2210866551" sldId="256"/>
+            <ac:spMk id="5" creationId="{9066179D-1203-4838-8977-6D25B04015D6}"/>
+          </ac:spMkLst>
+        </pc:spChg>
+        <pc:spChg chg="mod">
+          <ac:chgData name="Eduardo Marques" userId="b9dd18581288d1e4" providerId="Windows Live" clId="Web-{F9A7030F-43C2-46D4-AA92-32637CC439AA}" dt="2020-09-18T02:13:24.312" v="173" actId="1076"/>
+          <ac:spMkLst>
+            <pc:docMk/>
+            <pc:sldMk cId="2210866551" sldId="256"/>
+            <ac:spMk id="10" creationId="{0D218678-922A-45C7-B38A-44160210ED2A}"/>
+          </ac:spMkLst>
+        </pc:spChg>
+        <pc:spChg chg="mod">
+          <ac:chgData name="Eduardo Marques" userId="b9dd18581288d1e4" providerId="Windows Live" clId="Web-{F9A7030F-43C2-46D4-AA92-32637CC439AA}" dt="2020-09-18T02:14:13.501" v="182" actId="1076"/>
+          <ac:spMkLst>
+            <pc:docMk/>
+            <pc:sldMk cId="2210866551" sldId="256"/>
+            <ac:spMk id="12" creationId="{D28F1D3E-5199-4BEE-B72D-BE285E6874DD}"/>
+          </ac:spMkLst>
+        </pc:spChg>
+        <pc:spChg chg="add del">
+          <ac:chgData name="Eduardo Marques" userId="b9dd18581288d1e4" providerId="Windows Live" clId="Web-{F9A7030F-43C2-46D4-AA92-32637CC439AA}" dt="2020-09-18T02:14:58.298" v="190"/>
+          <ac:spMkLst>
+            <pc:docMk/>
+            <pc:sldMk cId="2210866551" sldId="256"/>
+            <ac:spMk id="16" creationId="{E595936C-C77B-4068-A77A-89362AD48C71}"/>
+          </ac:spMkLst>
+        </pc:spChg>
+        <pc:spChg chg="mod">
+          <ac:chgData name="Eduardo Marques" userId="b9dd18581288d1e4" providerId="Windows Live" clId="Web-{F9A7030F-43C2-46D4-AA92-32637CC439AA}" dt="2020-09-18T02:14:18.735" v="183" actId="20577"/>
+          <ac:spMkLst>
+            <pc:docMk/>
+            <pc:sldMk cId="2210866551" sldId="256"/>
+            <ac:spMk id="18" creationId="{7AE19F4A-E9B3-48F1-8347-96E89CA7C062}"/>
+          </ac:spMkLst>
+        </pc:spChg>
+        <pc:spChg chg="add del mod">
+          <ac:chgData name="Eduardo Marques" userId="b9dd18581288d1e4" providerId="Windows Live" clId="Web-{F9A7030F-43C2-46D4-AA92-32637CC439AA}" dt="2020-09-18T02:15:01.517" v="195"/>
+          <ac:spMkLst>
+            <pc:docMk/>
+            <pc:sldMk cId="2210866551" sldId="256"/>
+            <ac:spMk id="20" creationId="{1520B7F4-2B1F-47ED-BCD9-8888F7943609}"/>
+          </ac:spMkLst>
+        </pc:spChg>
+        <pc:spChg chg="add del">
+          <ac:chgData name="Eduardo Marques" userId="b9dd18581288d1e4" providerId="Windows Live" clId="Web-{F9A7030F-43C2-46D4-AA92-32637CC439AA}" dt="2020-09-18T02:14:59.220" v="191"/>
+          <ac:spMkLst>
+            <pc:docMk/>
+            <pc:sldMk cId="2210866551" sldId="256"/>
+            <ac:spMk id="22" creationId="{1ED8597F-4A2B-45D6-A282-A0F4BB8F8845}"/>
+          </ac:spMkLst>
+        </pc:spChg>
+        <pc:spChg chg="add del mod">
+          <ac:chgData name="Eduardo Marques" userId="b9dd18581288d1e4" providerId="Windows Live" clId="Web-{F9A7030F-43C2-46D4-AA92-32637CC439AA}" dt="2020-09-18T02:15:51.392" v="208"/>
+          <ac:spMkLst>
+            <pc:docMk/>
+            <pc:sldMk cId="2210866551" sldId="256"/>
+            <ac:spMk id="23" creationId="{B18E145F-3C56-46B5-9B70-FEAE09A2313B}"/>
+          </ac:spMkLst>
+        </pc:spChg>
+        <pc:spChg chg="mod">
+          <ac:chgData name="Eduardo Marques" userId="b9dd18581288d1e4" providerId="Windows Live" clId="Web-{F9A7030F-43C2-46D4-AA92-32637CC439AA}" dt="2020-09-18T02:15:18.501" v="199" actId="20577"/>
+          <ac:spMkLst>
+            <pc:docMk/>
+            <pc:sldMk cId="2210866551" sldId="256"/>
+            <ac:spMk id="33" creationId="{39E60CCA-E4BA-4BE0-954E-DF3941348605}"/>
+          </ac:spMkLst>
+        </pc:spChg>
+        <pc:cxnChg chg="mod">
+          <ac:chgData name="Eduardo Marques" userId="b9dd18581288d1e4" providerId="Windows Live" clId="Web-{F9A7030F-43C2-46D4-AA92-32637CC439AA}" dt="2020-09-18T02:00:41.835" v="113" actId="1076"/>
+          <ac:cxnSpMkLst>
+            <pc:docMk/>
+            <pc:sldMk cId="2210866551" sldId="256"/>
+            <ac:cxnSpMk id="9" creationId="{4A2B671F-ADAF-4EE1-A493-6C39D24C063A}"/>
+          </ac:cxnSpMkLst>
+        </pc:cxnChg>
+        <pc:cxnChg chg="del mod">
+          <ac:chgData name="Eduardo Marques" userId="b9dd18581288d1e4" providerId="Windows Live" clId="Web-{F9A7030F-43C2-46D4-AA92-32637CC439AA}" dt="2020-09-18T02:15:46.783" v="204"/>
+          <ac:cxnSpMkLst>
+            <pc:docMk/>
+            <pc:sldMk cId="2210866551" sldId="256"/>
+            <ac:cxnSpMk id="11" creationId="{4185A6F2-972D-44E3-8BE5-AF347B493ACD}"/>
+          </ac:cxnSpMkLst>
+        </pc:cxnChg>
+        <pc:cxnChg chg="del">
+          <ac:chgData name="Eduardo Marques" userId="b9dd18581288d1e4" providerId="Windows Live" clId="Web-{F9A7030F-43C2-46D4-AA92-32637CC439AA}" dt="2020-09-18T02:02:48.306" v="116"/>
+          <ac:cxnSpMkLst>
+            <pc:docMk/>
+            <pc:sldMk cId="2210866551" sldId="256"/>
+            <ac:cxnSpMk id="14" creationId="{D34AEE13-8C24-4B30-BCD7-8F20619A603F}"/>
+          </ac:cxnSpMkLst>
+        </pc:cxnChg>
+        <pc:cxnChg chg="mod">
+          <ac:chgData name="Eduardo Marques" userId="b9dd18581288d1e4" providerId="Windows Live" clId="Web-{F9A7030F-43C2-46D4-AA92-32637CC439AA}" dt="2020-09-18T02:02:58.493" v="117" actId="1076"/>
+          <ac:cxnSpMkLst>
+            <pc:docMk/>
+            <pc:sldMk cId="2210866551" sldId="256"/>
+            <ac:cxnSpMk id="21" creationId="{DCD66A49-DF08-4617-A520-98D6096939A0}"/>
+          </ac:cxnSpMkLst>
+        </pc:cxnChg>
+        <pc:cxnChg chg="add mod">
+          <ac:chgData name="Eduardo Marques" userId="b9dd18581288d1e4" providerId="Windows Live" clId="Web-{F9A7030F-43C2-46D4-AA92-32637CC439AA}" dt="2020-09-18T02:13:22.578" v="171" actId="1076"/>
+          <ac:cxnSpMkLst>
+            <pc:docMk/>
+            <pc:sldMk cId="2210866551" sldId="256"/>
+            <ac:cxnSpMk id="24" creationId="{7943B010-5745-40DC-90E2-503461F80FAE}"/>
+          </ac:cxnSpMkLst>
+        </pc:cxnChg>
+      </pc:sldChg>
+    </pc:docChg>
+  </pc:docChgLst>
+  <pc:docChgLst>
+    <pc:chgData name="Bruno Pires" userId="2e75d9009844921f" providerId="Windows Live" clId="Web-{E164AC4C-3820-4792-89A6-FC47A1AFF366}"/>
+    <pc:docChg chg="modSld">
+      <pc:chgData name="Bruno Pires" userId="2e75d9009844921f" providerId="Windows Live" clId="Web-{E164AC4C-3820-4792-89A6-FC47A1AFF366}" dt="2020-09-18T02:16:44.543" v="1"/>
+      <pc:docMkLst>
+        <pc:docMk/>
+      </pc:docMkLst>
+      <pc:sldChg chg="addSp">
+        <pc:chgData name="Bruno Pires" userId="2e75d9009844921f" providerId="Windows Live" clId="Web-{E164AC4C-3820-4792-89A6-FC47A1AFF366}" dt="2020-09-18T02:16:44.543" v="1"/>
+        <pc:sldMkLst>
+          <pc:docMk/>
+          <pc:sldMk cId="2210866551" sldId="256"/>
+        </pc:sldMkLst>
+        <pc:spChg chg="add">
+          <ac:chgData name="Bruno Pires" userId="2e75d9009844921f" providerId="Windows Live" clId="Web-{E164AC4C-3820-4792-89A6-FC47A1AFF366}" dt="2020-09-18T01:54:14.770" v="0"/>
+          <ac:spMkLst>
+            <pc:docMk/>
+            <pc:sldMk cId="2210866551" sldId="256"/>
+            <ac:spMk id="5" creationId="{9066179D-1203-4838-8977-6D25B04015D6}"/>
+          </ac:spMkLst>
+        </pc:spChg>
+        <pc:spChg chg="add">
+          <ac:chgData name="Bruno Pires" userId="2e75d9009844921f" providerId="Windows Live" clId="Web-{E164AC4C-3820-4792-89A6-FC47A1AFF366}" dt="2020-09-18T02:16:44.543" v="1"/>
+          <ac:spMkLst>
+            <pc:docMk/>
+            <pc:sldMk cId="2210866551" sldId="256"/>
+            <ac:spMk id="25" creationId="{65E538CC-528C-4D40-B276-075D44544397}"/>
           </ac:spMkLst>
         </pc:spChg>
       </pc:sldChg>
@@ -989,7 +1135,7 @@
           <a:p>
             <a:fld id="{F0E51C7C-CEA3-4CAA-BE4B-344879E7C377}" type="datetimeFigureOut">
               <a:rPr lang="de-DE" smtClean="0"/>
-              <a:t>23.09.2020</a:t>
+              <a:t>06.11.2020</a:t>
             </a:fld>
             <a:endParaRPr lang="de-DE"/>
           </a:p>
@@ -1031,7 +1177,7 @@
           <a:p>
             <a:fld id="{754FE2FE-B55E-4328-8F5C-2CEB8781A47B}" type="slidenum">
               <a:rPr lang="de-DE" smtClean="0"/>
-              <a:t>‹nº›</a:t>
+              <a:t>‹#›</a:t>
             </a:fld>
             <a:endParaRPr lang="de-DE"/>
           </a:p>
@@ -1159,7 +1305,7 @@
           <a:p>
             <a:fld id="{F0E51C7C-CEA3-4CAA-BE4B-344879E7C377}" type="datetimeFigureOut">
               <a:rPr lang="de-DE" smtClean="0"/>
-              <a:t>23.09.2020</a:t>
+              <a:t>06.11.2020</a:t>
             </a:fld>
             <a:endParaRPr lang="de-DE"/>
           </a:p>
@@ -1201,7 +1347,7 @@
           <a:p>
             <a:fld id="{754FE2FE-B55E-4328-8F5C-2CEB8781A47B}" type="slidenum">
               <a:rPr lang="de-DE" smtClean="0"/>
-              <a:t>‹nº›</a:t>
+              <a:t>‹#›</a:t>
             </a:fld>
             <a:endParaRPr lang="de-DE"/>
           </a:p>
@@ -1339,7 +1485,7 @@
           <a:p>
             <a:fld id="{F0E51C7C-CEA3-4CAA-BE4B-344879E7C377}" type="datetimeFigureOut">
               <a:rPr lang="de-DE" smtClean="0"/>
-              <a:t>23.09.2020</a:t>
+              <a:t>06.11.2020</a:t>
             </a:fld>
             <a:endParaRPr lang="de-DE"/>
           </a:p>
@@ -1381,7 +1527,7 @@
           <a:p>
             <a:fld id="{754FE2FE-B55E-4328-8F5C-2CEB8781A47B}" type="slidenum">
               <a:rPr lang="de-DE" smtClean="0"/>
-              <a:t>‹nº›</a:t>
+              <a:t>‹#›</a:t>
             </a:fld>
             <a:endParaRPr lang="de-DE"/>
           </a:p>
@@ -1509,7 +1655,7 @@
           <a:p>
             <a:fld id="{F0E51C7C-CEA3-4CAA-BE4B-344879E7C377}" type="datetimeFigureOut">
               <a:rPr lang="de-DE" smtClean="0"/>
-              <a:t>23.09.2020</a:t>
+              <a:t>06.11.2020</a:t>
             </a:fld>
             <a:endParaRPr lang="de-DE"/>
           </a:p>
@@ -1551,7 +1697,7 @@
           <a:p>
             <a:fld id="{754FE2FE-B55E-4328-8F5C-2CEB8781A47B}" type="slidenum">
               <a:rPr lang="de-DE" smtClean="0"/>
-              <a:t>‹nº›</a:t>
+              <a:t>‹#›</a:t>
             </a:fld>
             <a:endParaRPr lang="de-DE"/>
           </a:p>
@@ -1755,7 +1901,7 @@
           <a:p>
             <a:fld id="{F0E51C7C-CEA3-4CAA-BE4B-344879E7C377}" type="datetimeFigureOut">
               <a:rPr lang="de-DE" smtClean="0"/>
-              <a:t>23.09.2020</a:t>
+              <a:t>06.11.2020</a:t>
             </a:fld>
             <a:endParaRPr lang="de-DE"/>
           </a:p>
@@ -1797,7 +1943,7 @@
           <a:p>
             <a:fld id="{754FE2FE-B55E-4328-8F5C-2CEB8781A47B}" type="slidenum">
               <a:rPr lang="de-DE" smtClean="0"/>
-              <a:t>‹nº›</a:t>
+              <a:t>‹#›</a:t>
             </a:fld>
             <a:endParaRPr lang="de-DE"/>
           </a:p>
@@ -1987,7 +2133,7 @@
           <a:p>
             <a:fld id="{F0E51C7C-CEA3-4CAA-BE4B-344879E7C377}" type="datetimeFigureOut">
               <a:rPr lang="de-DE" smtClean="0"/>
-              <a:t>23.09.2020</a:t>
+              <a:t>06.11.2020</a:t>
             </a:fld>
             <a:endParaRPr lang="de-DE"/>
           </a:p>
@@ -2029,7 +2175,7 @@
           <a:p>
             <a:fld id="{754FE2FE-B55E-4328-8F5C-2CEB8781A47B}" type="slidenum">
               <a:rPr lang="de-DE" smtClean="0"/>
-              <a:t>‹nº›</a:t>
+              <a:t>‹#›</a:t>
             </a:fld>
             <a:endParaRPr lang="de-DE"/>
           </a:p>
@@ -2354,7 +2500,7 @@
           <a:p>
             <a:fld id="{F0E51C7C-CEA3-4CAA-BE4B-344879E7C377}" type="datetimeFigureOut">
               <a:rPr lang="de-DE" smtClean="0"/>
-              <a:t>23.09.2020</a:t>
+              <a:t>06.11.2020</a:t>
             </a:fld>
             <a:endParaRPr lang="de-DE"/>
           </a:p>
@@ -2396,7 +2542,7 @@
           <a:p>
             <a:fld id="{754FE2FE-B55E-4328-8F5C-2CEB8781A47B}" type="slidenum">
               <a:rPr lang="de-DE" smtClean="0"/>
-              <a:t>‹nº›</a:t>
+              <a:t>‹#›</a:t>
             </a:fld>
             <a:endParaRPr lang="de-DE"/>
           </a:p>
@@ -2472,7 +2618,7 @@
           <a:p>
             <a:fld id="{F0E51C7C-CEA3-4CAA-BE4B-344879E7C377}" type="datetimeFigureOut">
               <a:rPr lang="de-DE" smtClean="0"/>
-              <a:t>23.09.2020</a:t>
+              <a:t>06.11.2020</a:t>
             </a:fld>
             <a:endParaRPr lang="de-DE"/>
           </a:p>
@@ -2514,7 +2660,7 @@
           <a:p>
             <a:fld id="{754FE2FE-B55E-4328-8F5C-2CEB8781A47B}" type="slidenum">
               <a:rPr lang="de-DE" smtClean="0"/>
-              <a:t>‹nº›</a:t>
+              <a:t>‹#›</a:t>
             </a:fld>
             <a:endParaRPr lang="de-DE"/>
           </a:p>
@@ -2567,7 +2713,7 @@
           <a:p>
             <a:fld id="{F0E51C7C-CEA3-4CAA-BE4B-344879E7C377}" type="datetimeFigureOut">
               <a:rPr lang="de-DE" smtClean="0"/>
-              <a:t>23.09.2020</a:t>
+              <a:t>06.11.2020</a:t>
             </a:fld>
             <a:endParaRPr lang="de-DE"/>
           </a:p>
@@ -2609,7 +2755,7 @@
           <a:p>
             <a:fld id="{754FE2FE-B55E-4328-8F5C-2CEB8781A47B}" type="slidenum">
               <a:rPr lang="de-DE" smtClean="0"/>
-              <a:t>‹nº›</a:t>
+              <a:t>‹#›</a:t>
             </a:fld>
             <a:endParaRPr lang="de-DE"/>
           </a:p>
@@ -2844,7 +2990,7 @@
           <a:p>
             <a:fld id="{F0E51C7C-CEA3-4CAA-BE4B-344879E7C377}" type="datetimeFigureOut">
               <a:rPr lang="de-DE" smtClean="0"/>
-              <a:t>23.09.2020</a:t>
+              <a:t>06.11.2020</a:t>
             </a:fld>
             <a:endParaRPr lang="de-DE"/>
           </a:p>
@@ -2886,7 +3032,7 @@
           <a:p>
             <a:fld id="{754FE2FE-B55E-4328-8F5C-2CEB8781A47B}" type="slidenum">
               <a:rPr lang="de-DE" smtClean="0"/>
-              <a:t>‹nº›</a:t>
+              <a:t>‹#›</a:t>
             </a:fld>
             <a:endParaRPr lang="de-DE"/>
           </a:p>
@@ -3097,7 +3243,7 @@
           <a:p>
             <a:fld id="{F0E51C7C-CEA3-4CAA-BE4B-344879E7C377}" type="datetimeFigureOut">
               <a:rPr lang="de-DE" smtClean="0"/>
-              <a:t>23.09.2020</a:t>
+              <a:t>06.11.2020</a:t>
             </a:fld>
             <a:endParaRPr lang="de-DE"/>
           </a:p>
@@ -3139,7 +3285,7 @@
           <a:p>
             <a:fld id="{754FE2FE-B55E-4328-8F5C-2CEB8781A47B}" type="slidenum">
               <a:rPr lang="de-DE" smtClean="0"/>
-              <a:t>‹nº›</a:t>
+              <a:t>‹#›</a:t>
             </a:fld>
             <a:endParaRPr lang="de-DE"/>
           </a:p>
@@ -3310,7 +3456,7 @@
           <a:p>
             <a:fld id="{F0E51C7C-CEA3-4CAA-BE4B-344879E7C377}" type="datetimeFigureOut">
               <a:rPr lang="de-DE" smtClean="0"/>
-              <a:t>23.09.2020</a:t>
+              <a:t>06.11.2020</a:t>
             </a:fld>
             <a:endParaRPr lang="de-DE"/>
           </a:p>
@@ -3388,7 +3534,7 @@
           <a:p>
             <a:fld id="{754FE2FE-B55E-4328-8F5C-2CEB8781A47B}" type="slidenum">
               <a:rPr lang="de-DE" smtClean="0"/>
-              <a:t>‹nº›</a:t>
+              <a:t>‹#›</a:t>
             </a:fld>
             <a:endParaRPr lang="de-DE"/>
           </a:p>
@@ -3946,9 +4092,11 @@
                 <a:ea typeface="+mn-lt"/>
                 <a:cs typeface="+mn-lt"/>
               </a:rPr>
-              <a:t>Falta de controle administrativo da geração de cronogramas de produção </a:t>
-            </a:r>
-            <a:endParaRPr lang="pt-BR"/>
+              <a:t>Falta de controle administrativo e da geração de cronogramas de produção </a:t>
+            </a:r>
+            <a:endParaRPr lang="pt-BR">
+              <a:cs typeface="Calibri" panose="020F0502020204030204"/>
+            </a:endParaRPr>
           </a:p>
         </p:txBody>
       </p:sp>
@@ -3966,7 +4114,7 @@
         </p:nvSpPr>
         <p:spPr>
           <a:xfrm rot="2796836">
-            <a:off x="1172116" y="2138748"/>
+            <a:off x="2083013" y="2173782"/>
             <a:ext cx="1938392" cy="654892"/>
           </a:xfrm>
           <a:prstGeom prst="rect">
@@ -3986,13 +4134,8 @@
             <a:pPr algn="r"/>
             <a:r>
               <a:rPr lang="pt-BR"/>
-              <a:t>Grande demanda </a:t>
-            </a:r>
-            <a:r>
-              <a:rPr lang="pt-BR" dirty="0"/>
-              <a:t>de pedidos </a:t>
-            </a:r>
-            <a:endParaRPr lang="pt-BR"/>
+              <a:t>Grande demanda de pedidos </a:t>
+            </a:r>
           </a:p>
         </p:txBody>
       </p:sp>
@@ -4010,7 +4153,7 @@
         </p:nvSpPr>
         <p:spPr>
           <a:xfrm rot="2940000">
-            <a:off x="3255112" y="2042389"/>
+            <a:off x="4201043" y="2077424"/>
             <a:ext cx="2366482" cy="646331"/>
           </a:xfrm>
           <a:prstGeom prst="rect">
@@ -4035,88 +4178,6 @@
             <a:endParaRPr lang="pt-BR">
               <a:cs typeface="Calibri"/>
             </a:endParaRPr>
-          </a:p>
-        </p:txBody>
-      </p:sp>
-      <p:cxnSp>
-        <p:nvCxnSpPr>
-          <p:cNvPr id="13" name="Conector de Seta Reta 10">
-            <a:extLst>
-              <a:ext uri="{FF2B5EF4-FFF2-40B4-BE49-F238E27FC236}">
-                <a16:creationId xmlns:a16="http://schemas.microsoft.com/office/drawing/2014/main" id="{5DD0A4EA-CF16-49D1-AFAC-DD1DEEF368AD}"/>
-              </a:ext>
-            </a:extLst>
-          </p:cNvPr>
-          <p:cNvCxnSpPr>
-            <a:cxnSpLocks/>
-          </p:cNvCxnSpPr>
-          <p:nvPr/>
-        </p:nvCxnSpPr>
-        <p:spPr>
-          <a:xfrm>
-            <a:off x="5243914" y="1819753"/>
-            <a:ext cx="1402861" cy="1627553"/>
-          </a:xfrm>
-          <a:prstGeom prst="straightConnector1">
-            <a:avLst/>
-          </a:prstGeom>
-          <a:ln w="28575">
-            <a:solidFill>
-              <a:schemeClr val="tx1"/>
-            </a:solidFill>
-          </a:ln>
-        </p:spPr>
-        <p:style>
-          <a:lnRef idx="1">
-            <a:schemeClr val="accent1"/>
-          </a:lnRef>
-          <a:fillRef idx="0">
-            <a:schemeClr val="accent1"/>
-          </a:fillRef>
-          <a:effectRef idx="0">
-            <a:schemeClr val="accent1"/>
-          </a:effectRef>
-          <a:fontRef idx="minor">
-            <a:schemeClr val="tx1"/>
-          </a:fontRef>
-        </p:style>
-      </p:cxnSp>
-      <p:sp>
-        <p:nvSpPr>
-          <p:cNvPr id="18" name="CaixaDeTexto 17">
-            <a:extLst>
-              <a:ext uri="{FF2B5EF4-FFF2-40B4-BE49-F238E27FC236}">
-                <a16:creationId xmlns:a16="http://schemas.microsoft.com/office/drawing/2014/main" id="{7AE19F4A-E9B3-48F1-8347-96E89CA7C062}"/>
-              </a:ext>
-            </a:extLst>
-          </p:cNvPr>
-          <p:cNvSpPr txBox="1"/>
-          <p:nvPr/>
-        </p:nvSpPr>
-        <p:spPr>
-          <a:xfrm rot="2982303">
-            <a:off x="5470344" y="1987141"/>
-            <a:ext cx="1904144" cy="923330"/>
-          </a:xfrm>
-          <a:prstGeom prst="rect">
-            <a:avLst/>
-          </a:prstGeom>
-          <a:noFill/>
-        </p:spPr>
-        <p:txBody>
-          <a:bodyPr rot="0" spcFirstLastPara="0" vertOverflow="overflow" horzOverflow="overflow" vert="horz" wrap="square" lIns="91440" tIns="45720" rIns="91440" bIns="45720" numCol="1" spcCol="0" rtlCol="0" fromWordArt="0" anchor="t" anchorCtr="0" forceAA="0" compatLnSpc="1">
-            <a:prstTxWarp prst="textNoShape">
-              <a:avLst/>
-            </a:prstTxWarp>
-            <a:spAutoFit/>
-          </a:bodyPr>
-          <a:lstStyle/>
-          <a:p>
-            <a:pPr algn="r"/>
-            <a:r>
-              <a:rPr lang="pt-BR"/>
-              <a:t>Descumprimento de prazos dos pedidos</a:t>
-            </a:r>
           </a:p>
         </p:txBody>
       </p:sp>
@@ -4136,7 +4197,7 @@
         </p:nvCxnSpPr>
         <p:spPr>
           <a:xfrm>
-            <a:off x="1250773" y="1985686"/>
+            <a:off x="1968980" y="1985686"/>
             <a:ext cx="1383862" cy="1456583"/>
           </a:xfrm>
           <a:prstGeom prst="straightConnector1">
@@ -4220,7 +4281,7 @@
         </p:nvSpPr>
         <p:spPr>
           <a:xfrm rot="18183342">
-            <a:off x="1415509" y="4266713"/>
+            <a:off x="1362957" y="4328023"/>
             <a:ext cx="2743200" cy="646331"/>
           </a:xfrm>
           <a:prstGeom prst="rect">
@@ -4260,7 +4321,7 @@
         </p:nvCxnSpPr>
         <p:spPr>
           <a:xfrm>
-            <a:off x="3420251" y="1819752"/>
+            <a:off x="4392458" y="1810993"/>
             <a:ext cx="1402861" cy="1627553"/>
           </a:xfrm>
           <a:prstGeom prst="straightConnector1">

--- a/08. Análise das Causas Raízes.pptx
+++ b/08. Análise das Causas Raízes.pptx
@@ -115,6 +115,7 @@
 <file path=ppt/revisionInfo.xml><?xml version="1.0" encoding="utf-8"?>
 <p1510:revInfo xmlns:a="http://schemas.openxmlformats.org/drawingml/2006/main" xmlns:r="http://schemas.openxmlformats.org/officeDocument/2006/relationships" xmlns:p1510="http://schemas.microsoft.com/office/powerpoint/2015/10/main">
   <p1510:revLst>
+    <p1510:client id="{0EB0EE9F-54A3-425A-AC7E-E8F12A69BBAA}" v="2" dt="2020-11-19T00:17:44.935"/>
     <p1510:client id="{1B5EC9B4-70E0-40BC-9781-6C7D4C0244AC}" v="2" dt="2020-09-23T21:58:56.220"/>
     <p1510:client id="{64D9DB1C-2242-472F-92B7-932D0314AA8A}" v="7" dt="2020-11-06T23:03:16.048"/>
     <p1510:client id="{6C0D6097-BEDF-476E-8298-006B83B49BF2}" v="15" dt="2020-11-06T23:05:48.966"/>
@@ -131,26 +132,458 @@
 <file path=ppt/changesInfos/changesInfo1.xml><?xml version="1.0" encoding="utf-8"?>
 <pc:chgInfo xmlns:a="http://schemas.openxmlformats.org/drawingml/2006/main" xmlns:r="http://schemas.openxmlformats.org/officeDocument/2006/relationships" xmlns:ac="http://schemas.microsoft.com/office/drawing/2013/main/command" xmlns:pc="http://schemas.microsoft.com/office/powerpoint/2013/main/command">
   <pc:docChgLst>
-    <pc:chgData name="Eduardo Marques" userId="b9dd18581288d1e4" providerId="Windows Live" clId="Web-{C6A92E85-0F08-440A-A951-C7410A6E61B7}"/>
+    <pc:chgData clId="Web-{64D9DB1C-2242-472F-92B7-932D0314AA8A}"/>
     <pc:docChg chg="modSld">
-      <pc:chgData name="Eduardo Marques" userId="b9dd18581288d1e4" providerId="Windows Live" clId="Web-{C6A92E85-0F08-440A-A951-C7410A6E61B7}" dt="2020-09-23T21:59:20.047" v="17" actId="20577"/>
+      <pc:chgData name="" userId="" providerId="" clId="Web-{64D9DB1C-2242-472F-92B7-932D0314AA8A}" dt="2020-11-06T23:03:10.798" v="3" actId="20577"/>
       <pc:docMkLst>
         <pc:docMk/>
       </pc:docMkLst>
       <pc:sldChg chg="modSp">
-        <pc:chgData name="Eduardo Marques" userId="b9dd18581288d1e4" providerId="Windows Live" clId="Web-{C6A92E85-0F08-440A-A951-C7410A6E61B7}" dt="2020-09-23T21:59:19.485" v="15" actId="20577"/>
+        <pc:chgData name="" userId="" providerId="" clId="Web-{64D9DB1C-2242-472F-92B7-932D0314AA8A}" dt="2020-11-06T23:03:10.798" v="2" actId="20577"/>
         <pc:sldMkLst>
           <pc:docMk/>
           <pc:sldMk cId="2210866551" sldId="256"/>
         </pc:sldMkLst>
         <pc:spChg chg="mod">
-          <ac:chgData name="Eduardo Marques" userId="b9dd18581288d1e4" providerId="Windows Live" clId="Web-{C6A92E85-0F08-440A-A951-C7410A6E61B7}" dt="2020-09-23T21:59:19.485" v="15" actId="20577"/>
+          <ac:chgData name="" userId="" providerId="" clId="Web-{64D9DB1C-2242-472F-92B7-932D0314AA8A}" dt="2020-11-06T23:03:10.798" v="2" actId="20577"/>
+          <ac:spMkLst>
+            <pc:docMk/>
+            <pc:sldMk cId="2210866551" sldId="256"/>
+            <ac:spMk id="4" creationId="{494C4FE3-F934-4AC1-B233-E18E32B08678}"/>
+          </ac:spMkLst>
+        </pc:spChg>
+      </pc:sldChg>
+    </pc:docChg>
+  </pc:docChgLst>
+  <pc:docChgLst>
+    <pc:chgData name="Gabriel Casagrande" userId="e7a325a1baaa42ba" providerId="Windows Live" clId="Web-{0EB0EE9F-54A3-425A-AC7E-E8F12A69BBAA}"/>
+    <pc:docChg chg="modSld">
+      <pc:chgData name="Gabriel Casagrande" userId="e7a325a1baaa42ba" providerId="Windows Live" clId="Web-{0EB0EE9F-54A3-425A-AC7E-E8F12A69BBAA}" dt="2020-11-19T00:17:44.919" v="1" actId="1076"/>
+      <pc:docMkLst>
+        <pc:docMk/>
+      </pc:docMkLst>
+      <pc:sldChg chg="addSp modSp">
+        <pc:chgData name="Gabriel Casagrande" userId="e7a325a1baaa42ba" providerId="Windows Live" clId="Web-{0EB0EE9F-54A3-425A-AC7E-E8F12A69BBAA}" dt="2020-11-19T00:17:44.919" v="1" actId="1076"/>
+        <pc:sldMkLst>
+          <pc:docMk/>
+          <pc:sldMk cId="2210866551" sldId="256"/>
+        </pc:sldMkLst>
+        <pc:grpChg chg="add mod">
+          <ac:chgData name="Gabriel Casagrande" userId="e7a325a1baaa42ba" providerId="Windows Live" clId="Web-{0EB0EE9F-54A3-425A-AC7E-E8F12A69BBAA}" dt="2020-11-19T00:17:44.919" v="1" actId="1076"/>
+          <ac:grpSpMkLst>
+            <pc:docMk/>
+            <pc:sldMk cId="2210866551" sldId="256"/>
+            <ac:grpSpMk id="3" creationId="{9F064C95-BACA-4267-9A70-0D9D3D01F7B5}"/>
+          </ac:grpSpMkLst>
+        </pc:grpChg>
+      </pc:sldChg>
+    </pc:docChg>
+  </pc:docChgLst>
+  <pc:docChgLst>
+    <pc:chgData name="Bruno Pires" userId="2e75d9009844921f" providerId="Windows Live" clId="Web-{64D9DB1C-2242-472F-92B7-932D0314AA8A}"/>
+    <pc:docChg chg="modSld">
+      <pc:chgData name="Bruno Pires" userId="2e75d9009844921f" providerId="Windows Live" clId="Web-{64D9DB1C-2242-472F-92B7-932D0314AA8A}" dt="2020-11-06T23:03:13.110" v="1" actId="20577"/>
+      <pc:docMkLst>
+        <pc:docMk/>
+      </pc:docMkLst>
+      <pc:sldChg chg="modSp">
+        <pc:chgData name="Bruno Pires" userId="2e75d9009844921f" providerId="Windows Live" clId="Web-{64D9DB1C-2242-472F-92B7-932D0314AA8A}" dt="2020-11-06T23:03:13.110" v="0" actId="20577"/>
+        <pc:sldMkLst>
+          <pc:docMk/>
+          <pc:sldMk cId="2210866551" sldId="256"/>
+        </pc:sldMkLst>
+        <pc:spChg chg="mod">
+          <ac:chgData name="Bruno Pires" userId="2e75d9009844921f" providerId="Windows Live" clId="Web-{64D9DB1C-2242-472F-92B7-932D0314AA8A}" dt="2020-11-06T23:03:13.110" v="0" actId="20577"/>
+          <ac:spMkLst>
+            <pc:docMk/>
+            <pc:sldMk cId="2210866551" sldId="256"/>
+            <ac:spMk id="4" creationId="{494C4FE3-F934-4AC1-B233-E18E32B08678}"/>
+          </ac:spMkLst>
+        </pc:spChg>
+      </pc:sldChg>
+    </pc:docChg>
+  </pc:docChgLst>
+  <pc:docChgLst>
+    <pc:chgData name="Bruno Pires" userId="2e75d9009844921f" providerId="Windows Live" clId="Web-{E164AC4C-3820-4792-89A6-FC47A1AFF366}"/>
+    <pc:docChg chg="modSld">
+      <pc:chgData name="Bruno Pires" userId="2e75d9009844921f" providerId="Windows Live" clId="Web-{E164AC4C-3820-4792-89A6-FC47A1AFF366}" dt="2020-09-18T02:16:44.543" v="1"/>
+      <pc:docMkLst>
+        <pc:docMk/>
+      </pc:docMkLst>
+      <pc:sldChg chg="addSp">
+        <pc:chgData name="Bruno Pires" userId="2e75d9009844921f" providerId="Windows Live" clId="Web-{E164AC4C-3820-4792-89A6-FC47A1AFF366}" dt="2020-09-18T02:16:44.543" v="1"/>
+        <pc:sldMkLst>
+          <pc:docMk/>
+          <pc:sldMk cId="2210866551" sldId="256"/>
+        </pc:sldMkLst>
+        <pc:spChg chg="add">
+          <ac:chgData name="Bruno Pires" userId="2e75d9009844921f" providerId="Windows Live" clId="Web-{E164AC4C-3820-4792-89A6-FC47A1AFF366}" dt="2020-09-18T01:54:14.770" v="0"/>
           <ac:spMkLst>
             <pc:docMk/>
             <pc:sldMk cId="2210866551" sldId="256"/>
             <ac:spMk id="5" creationId="{9066179D-1203-4838-8977-6D25B04015D6}"/>
           </ac:spMkLst>
         </pc:spChg>
+        <pc:spChg chg="add">
+          <ac:chgData name="Bruno Pires" userId="2e75d9009844921f" providerId="Windows Live" clId="Web-{E164AC4C-3820-4792-89A6-FC47A1AFF366}" dt="2020-09-18T02:16:44.543" v="1"/>
+          <ac:spMkLst>
+            <pc:docMk/>
+            <pc:sldMk cId="2210866551" sldId="256"/>
+            <ac:spMk id="25" creationId="{65E538CC-528C-4D40-B276-075D44544397}"/>
+          </ac:spMkLst>
+        </pc:spChg>
+      </pc:sldChg>
+    </pc:docChg>
+  </pc:docChgLst>
+  <pc:docChgLst>
+    <pc:chgData name="Caio Ferreira" userId="aa37e96bb8b72277" providerId="LiveId" clId="{969F346F-B802-4484-B01D-A2441F25604B}"/>
+    <pc:docChg chg="undo custSel modSld">
+      <pc:chgData name="Caio Ferreira" userId="aa37e96bb8b72277" providerId="LiveId" clId="{969F346F-B802-4484-B01D-A2441F25604B}" dt="2020-09-18T02:12:18.435" v="820" actId="478"/>
+      <pc:docMkLst>
+        <pc:docMk/>
+      </pc:docMkLst>
+      <pc:sldChg chg="addSp delSp modSp mod">
+        <pc:chgData name="Caio Ferreira" userId="aa37e96bb8b72277" providerId="LiveId" clId="{969F346F-B802-4484-B01D-A2441F25604B}" dt="2020-09-18T02:12:18.435" v="820" actId="478"/>
+        <pc:sldMkLst>
+          <pc:docMk/>
+          <pc:sldMk cId="2210866551" sldId="256"/>
+        </pc:sldMkLst>
+        <pc:spChg chg="del mod">
+          <ac:chgData name="Caio Ferreira" userId="aa37e96bb8b72277" providerId="LiveId" clId="{969F346F-B802-4484-B01D-A2441F25604B}" dt="2020-09-18T02:10:22.833" v="753" actId="478"/>
+          <ac:spMkLst>
+            <pc:docMk/>
+            <pc:sldMk cId="2210866551" sldId="256"/>
+            <ac:spMk id="3" creationId="{C034B268-9179-49F8-9BD2-9A31461E406E}"/>
+          </ac:spMkLst>
+        </pc:spChg>
+        <pc:spChg chg="mod">
+          <ac:chgData name="Caio Ferreira" userId="aa37e96bb8b72277" providerId="LiveId" clId="{969F346F-B802-4484-B01D-A2441F25604B}" dt="2020-09-18T02:10:54.792" v="766" actId="20577"/>
+          <ac:spMkLst>
+            <pc:docMk/>
+            <pc:sldMk cId="2210866551" sldId="256"/>
+            <ac:spMk id="4" creationId="{494C4FE3-F934-4AC1-B233-E18E32B08678}"/>
+          </ac:spMkLst>
+        </pc:spChg>
+        <pc:spChg chg="mod">
+          <ac:chgData name="Caio Ferreira" userId="aa37e96bb8b72277" providerId="LiveId" clId="{969F346F-B802-4484-B01D-A2441F25604B}" dt="2020-09-18T02:08:22.673" v="737" actId="1038"/>
+          <ac:spMkLst>
+            <pc:docMk/>
+            <pc:sldMk cId="2210866551" sldId="256"/>
+            <ac:spMk id="5" creationId="{9066179D-1203-4838-8977-6D25B04015D6}"/>
+          </ac:spMkLst>
+        </pc:spChg>
+        <pc:spChg chg="mod">
+          <ac:chgData name="Caio Ferreira" userId="aa37e96bb8b72277" providerId="LiveId" clId="{969F346F-B802-4484-B01D-A2441F25604B}" dt="2020-09-18T02:05:15.815" v="502" actId="1037"/>
+          <ac:spMkLst>
+            <pc:docMk/>
+            <pc:sldMk cId="2210866551" sldId="256"/>
+            <ac:spMk id="10" creationId="{0D218678-922A-45C7-B38A-44160210ED2A}"/>
+          </ac:spMkLst>
+        </pc:spChg>
+        <pc:spChg chg="mod">
+          <ac:chgData name="Caio Ferreira" userId="aa37e96bb8b72277" providerId="LiveId" clId="{969F346F-B802-4484-B01D-A2441F25604B}" dt="2020-09-18T02:03:20.042" v="463" actId="1038"/>
+          <ac:spMkLst>
+            <pc:docMk/>
+            <pc:sldMk cId="2210866551" sldId="256"/>
+            <ac:spMk id="12" creationId="{D28F1D3E-5199-4BEE-B72D-BE285E6874DD}"/>
+          </ac:spMkLst>
+        </pc:spChg>
+        <pc:spChg chg="add mod">
+          <ac:chgData name="Caio Ferreira" userId="aa37e96bb8b72277" providerId="LiveId" clId="{969F346F-B802-4484-B01D-A2441F25604B}" dt="2020-09-18T02:08:34.220" v="746" actId="1037"/>
+          <ac:spMkLst>
+            <pc:docMk/>
+            <pc:sldMk cId="2210866551" sldId="256"/>
+            <ac:spMk id="18" creationId="{7AE19F4A-E9B3-48F1-8347-96E89CA7C062}"/>
+          </ac:spMkLst>
+        </pc:spChg>
+        <pc:spChg chg="add mod">
+          <ac:chgData name="Caio Ferreira" userId="aa37e96bb8b72277" providerId="LiveId" clId="{969F346F-B802-4484-B01D-A2441F25604B}" dt="2020-09-18T02:08:27.977" v="742" actId="1037"/>
+          <ac:spMkLst>
+            <pc:docMk/>
+            <pc:sldMk cId="2210866551" sldId="256"/>
+            <ac:spMk id="33" creationId="{39E60CCA-E4BA-4BE0-954E-DF3941348605}"/>
+          </ac:spMkLst>
+        </pc:spChg>
+        <pc:cxnChg chg="mod">
+          <ac:chgData name="Caio Ferreira" userId="aa37e96bb8b72277" providerId="LiveId" clId="{969F346F-B802-4484-B01D-A2441F25604B}" dt="2020-09-18T02:03:40.632" v="492" actId="14100"/>
+          <ac:cxnSpMkLst>
+            <pc:docMk/>
+            <pc:sldMk cId="2210866551" sldId="256"/>
+            <ac:cxnSpMk id="8" creationId="{04C48938-E085-4E35-B748-E29BD3C6B2FF}"/>
+          </ac:cxnSpMkLst>
+        </pc:cxnChg>
+        <pc:cxnChg chg="del mod">
+          <ac:chgData name="Caio Ferreira" userId="aa37e96bb8b72277" providerId="LiveId" clId="{969F346F-B802-4484-B01D-A2441F25604B}" dt="2020-09-18T02:10:23.673" v="754" actId="478"/>
+          <ac:cxnSpMkLst>
+            <pc:docMk/>
+            <pc:sldMk cId="2210866551" sldId="256"/>
+            <ac:cxnSpMk id="9" creationId="{4A2B671F-ADAF-4EE1-A493-6C39D24C063A}"/>
+          </ac:cxnSpMkLst>
+        </pc:cxnChg>
+        <pc:cxnChg chg="mod">
+          <ac:chgData name="Caio Ferreira" userId="aa37e96bb8b72277" providerId="LiveId" clId="{969F346F-B802-4484-B01D-A2441F25604B}" dt="2020-09-18T02:06:19.474" v="536" actId="1037"/>
+          <ac:cxnSpMkLst>
+            <pc:docMk/>
+            <pc:sldMk cId="2210866551" sldId="256"/>
+            <ac:cxnSpMk id="11" creationId="{4185A6F2-972D-44E3-8BE5-AF347B493ACD}"/>
+          </ac:cxnSpMkLst>
+        </pc:cxnChg>
+        <pc:cxnChg chg="add mod">
+          <ac:chgData name="Caio Ferreira" userId="aa37e96bb8b72277" providerId="LiveId" clId="{969F346F-B802-4484-B01D-A2441F25604B}" dt="2020-09-18T01:54:28.956" v="1" actId="1076"/>
+          <ac:cxnSpMkLst>
+            <pc:docMk/>
+            <pc:sldMk cId="2210866551" sldId="256"/>
+            <ac:cxnSpMk id="11" creationId="{5DD0A4EA-CF16-49D1-AFAC-DD1DEEF368AD}"/>
+          </ac:cxnSpMkLst>
+        </pc:cxnChg>
+        <pc:cxnChg chg="mod">
+          <ac:chgData name="Caio Ferreira" userId="aa37e96bb8b72277" providerId="LiveId" clId="{969F346F-B802-4484-B01D-A2441F25604B}" dt="2020-09-18T01:58:39.205" v="256" actId="1038"/>
+          <ac:cxnSpMkLst>
+            <pc:docMk/>
+            <pc:sldMk cId="2210866551" sldId="256"/>
+            <ac:cxnSpMk id="13" creationId="{5DD0A4EA-CF16-49D1-AFAC-DD1DEEF368AD}"/>
+          </ac:cxnSpMkLst>
+        </pc:cxnChg>
+        <pc:cxnChg chg="add mod">
+          <ac:chgData name="Caio Ferreira" userId="aa37e96bb8b72277" providerId="LiveId" clId="{969F346F-B802-4484-B01D-A2441F25604B}" dt="2020-09-18T01:55:47.985" v="22" actId="14100"/>
+          <ac:cxnSpMkLst>
+            <pc:docMk/>
+            <pc:sldMk cId="2210866551" sldId="256"/>
+            <ac:cxnSpMk id="14" creationId="{D34AEE13-8C24-4B30-BCD7-8F20619A603F}"/>
+          </ac:cxnSpMkLst>
+        </pc:cxnChg>
+        <pc:cxnChg chg="add mod">
+          <ac:chgData name="Caio Ferreira" userId="aa37e96bb8b72277" providerId="LiveId" clId="{969F346F-B802-4484-B01D-A2441F25604B}" dt="2020-09-18T01:54:51.634" v="10" actId="1037"/>
+          <ac:cxnSpMkLst>
+            <pc:docMk/>
+            <pc:sldMk cId="2210866551" sldId="256"/>
+            <ac:cxnSpMk id="15" creationId="{668BB7B2-6360-43BB-B5F2-FF9EF8BDA1A7}"/>
+          </ac:cxnSpMkLst>
+        </pc:cxnChg>
+        <pc:cxnChg chg="add mod">
+          <ac:chgData name="Caio Ferreira" userId="aa37e96bb8b72277" providerId="LiveId" clId="{969F346F-B802-4484-B01D-A2441F25604B}" dt="2020-09-18T01:58:14.672" v="173" actId="1076"/>
+          <ac:cxnSpMkLst>
+            <pc:docMk/>
+            <pc:sldMk cId="2210866551" sldId="256"/>
+            <ac:cxnSpMk id="21" creationId="{DCD66A49-DF08-4617-A520-98D6096939A0}"/>
+          </ac:cxnSpMkLst>
+        </pc:cxnChg>
+        <pc:cxnChg chg="add del mod">
+          <ac:chgData name="Caio Ferreira" userId="aa37e96bb8b72277" providerId="LiveId" clId="{969F346F-B802-4484-B01D-A2441F25604B}" dt="2020-09-18T02:06:14.836" v="512" actId="478"/>
+          <ac:cxnSpMkLst>
+            <pc:docMk/>
+            <pc:sldMk cId="2210866551" sldId="256"/>
+            <ac:cxnSpMk id="28" creationId="{6977128E-D129-414B-AB65-83268BB5406F}"/>
+          </ac:cxnSpMkLst>
+        </pc:cxnChg>
+        <pc:cxnChg chg="add mod">
+          <ac:chgData name="Caio Ferreira" userId="aa37e96bb8b72277" providerId="LiveId" clId="{969F346F-B802-4484-B01D-A2441F25604B}" dt="2020-09-18T02:06:37.248" v="597" actId="1036"/>
+          <ac:cxnSpMkLst>
+            <pc:docMk/>
+            <pc:sldMk cId="2210866551" sldId="256"/>
+            <ac:cxnSpMk id="30" creationId="{B840499D-AE6F-4793-A825-B0D2A9F82E3C}"/>
+          </ac:cxnSpMkLst>
+        </pc:cxnChg>
+        <pc:cxnChg chg="add del mod">
+          <ac:chgData name="Caio Ferreira" userId="aa37e96bb8b72277" providerId="LiveId" clId="{969F346F-B802-4484-B01D-A2441F25604B}" dt="2020-09-18T02:12:18.435" v="820" actId="478"/>
+          <ac:cxnSpMkLst>
+            <pc:docMk/>
+            <pc:sldMk cId="2210866551" sldId="256"/>
+            <ac:cxnSpMk id="34" creationId="{F1EA4176-DB80-4B48-AC81-A8E83A633325}"/>
+          </ac:cxnSpMkLst>
+        </pc:cxnChg>
+      </pc:sldChg>
+    </pc:docChg>
+  </pc:docChgLst>
+  <pc:docChgLst>
+    <pc:chgData name="Eduardo Marques" userId="b9dd18581288d1e4" providerId="Windows Live" clId="Web-{6C0D6097-BEDF-476E-8298-006B83B49BF2}"/>
+    <pc:docChg chg="modSld">
+      <pc:chgData name="Eduardo Marques" userId="b9dd18581288d1e4" providerId="Windows Live" clId="Web-{6C0D6097-BEDF-476E-8298-006B83B49BF2}" dt="2020-11-06T23:05:48.966" v="6" actId="1076"/>
+      <pc:docMkLst>
+        <pc:docMk/>
+      </pc:docMkLst>
+      <pc:sldChg chg="delSp modSp">
+        <pc:chgData name="Eduardo Marques" userId="b9dd18581288d1e4" providerId="Windows Live" clId="Web-{6C0D6097-BEDF-476E-8298-006B83B49BF2}" dt="2020-11-06T23:05:48.966" v="6" actId="1076"/>
+        <pc:sldMkLst>
+          <pc:docMk/>
+          <pc:sldMk cId="2210866551" sldId="256"/>
+        </pc:sldMkLst>
+        <pc:spChg chg="mod">
+          <ac:chgData name="Eduardo Marques" userId="b9dd18581288d1e4" providerId="Windows Live" clId="Web-{6C0D6097-BEDF-476E-8298-006B83B49BF2}" dt="2020-11-06T23:05:28.185" v="2" actId="1076"/>
+          <ac:spMkLst>
+            <pc:docMk/>
+            <pc:sldMk cId="2210866551" sldId="256"/>
+            <ac:spMk id="5" creationId="{9066179D-1203-4838-8977-6D25B04015D6}"/>
+          </ac:spMkLst>
+        </pc:spChg>
+        <pc:spChg chg="mod">
+          <ac:chgData name="Eduardo Marques" userId="b9dd18581288d1e4" providerId="Windows Live" clId="Web-{6C0D6097-BEDF-476E-8298-006B83B49BF2}" dt="2020-11-06T23:05:43.075" v="5" actId="1076"/>
+          <ac:spMkLst>
+            <pc:docMk/>
+            <pc:sldMk cId="2210866551" sldId="256"/>
+            <ac:spMk id="12" creationId="{D28F1D3E-5199-4BEE-B72D-BE285E6874DD}"/>
+          </ac:spMkLst>
+        </pc:spChg>
+        <pc:spChg chg="del">
+          <ac:chgData name="Eduardo Marques" userId="b9dd18581288d1e4" providerId="Windows Live" clId="Web-{6C0D6097-BEDF-476E-8298-006B83B49BF2}" dt="2020-11-06T23:05:21.481" v="1"/>
+          <ac:spMkLst>
+            <pc:docMk/>
+            <pc:sldMk cId="2210866551" sldId="256"/>
+            <ac:spMk id="18" creationId="{7AE19F4A-E9B3-48F1-8347-96E89CA7C062}"/>
+          </ac:spMkLst>
+        </pc:spChg>
+        <pc:spChg chg="mod">
+          <ac:chgData name="Eduardo Marques" userId="b9dd18581288d1e4" providerId="Windows Live" clId="Web-{6C0D6097-BEDF-476E-8298-006B83B49BF2}" dt="2020-11-06T23:05:31.153" v="3" actId="1076"/>
+          <ac:spMkLst>
+            <pc:docMk/>
+            <pc:sldMk cId="2210866551" sldId="256"/>
+            <ac:spMk id="33" creationId="{39E60CCA-E4BA-4BE0-954E-DF3941348605}"/>
+          </ac:spMkLst>
+        </pc:spChg>
+        <pc:cxnChg chg="del">
+          <ac:chgData name="Eduardo Marques" userId="b9dd18581288d1e4" providerId="Windows Live" clId="Web-{6C0D6097-BEDF-476E-8298-006B83B49BF2}" dt="2020-11-06T23:05:18.825" v="0"/>
+          <ac:cxnSpMkLst>
+            <pc:docMk/>
+            <pc:sldMk cId="2210866551" sldId="256"/>
+            <ac:cxnSpMk id="13" creationId="{5DD0A4EA-CF16-49D1-AFAC-DD1DEEF368AD}"/>
+          </ac:cxnSpMkLst>
+        </pc:cxnChg>
+        <pc:cxnChg chg="mod">
+          <ac:chgData name="Eduardo Marques" userId="b9dd18581288d1e4" providerId="Windows Live" clId="Web-{6C0D6097-BEDF-476E-8298-006B83B49BF2}" dt="2020-11-06T23:05:37.419" v="4" actId="1076"/>
+          <ac:cxnSpMkLst>
+            <pc:docMk/>
+            <pc:sldMk cId="2210866551" sldId="256"/>
+            <ac:cxnSpMk id="21" creationId="{DCD66A49-DF08-4617-A520-98D6096939A0}"/>
+          </ac:cxnSpMkLst>
+        </pc:cxnChg>
+        <pc:cxnChg chg="mod">
+          <ac:chgData name="Eduardo Marques" userId="b9dd18581288d1e4" providerId="Windows Live" clId="Web-{6C0D6097-BEDF-476E-8298-006B83B49BF2}" dt="2020-11-06T23:05:48.966" v="6" actId="1076"/>
+          <ac:cxnSpMkLst>
+            <pc:docMk/>
+            <pc:sldMk cId="2210866551" sldId="256"/>
+            <ac:cxnSpMk id="24" creationId="{7943B010-5745-40DC-90E2-503461F80FAE}"/>
+          </ac:cxnSpMkLst>
+        </pc:cxnChg>
+      </pc:sldChg>
+    </pc:docChg>
+  </pc:docChgLst>
+  <pc:docChgLst>
+    <pc:chgData clId="Web-{6C0D6097-BEDF-476E-8298-006B83B49BF2}"/>
+    <pc:docChg chg="modSld">
+      <pc:chgData name="" userId="" providerId="" clId="Web-{6C0D6097-BEDF-476E-8298-006B83B49BF2}" dt="2020-11-06T23:03:33.667" v="6" actId="20577"/>
+      <pc:docMkLst>
+        <pc:docMk/>
+      </pc:docMkLst>
+      <pc:sldChg chg="modSp">
+        <pc:chgData name="" userId="" providerId="" clId="Web-{6C0D6097-BEDF-476E-8298-006B83B49BF2}" dt="2020-11-06T23:03:31.776" v="4" actId="20577"/>
+        <pc:sldMkLst>
+          <pc:docMk/>
+          <pc:sldMk cId="2210866551" sldId="256"/>
+        </pc:sldMkLst>
+        <pc:spChg chg="mod">
+          <ac:chgData name="" userId="" providerId="" clId="Web-{6C0D6097-BEDF-476E-8298-006B83B49BF2}" dt="2020-11-06T23:03:31.776" v="4" actId="20577"/>
+          <ac:spMkLst>
+            <pc:docMk/>
+            <pc:sldMk cId="2210866551" sldId="256"/>
+            <ac:spMk id="4" creationId="{494C4FE3-F934-4AC1-B233-E18E32B08678}"/>
+          </ac:spMkLst>
+        </pc:spChg>
+      </pc:sldChg>
+    </pc:docChg>
+  </pc:docChgLst>
+  <pc:docChgLst>
+    <pc:chgData name="Eduardo Marques" userId="b9dd18581288d1e4" providerId="Windows Live" clId="Web-{1B5EC9B4-70E0-40BC-9781-6C7D4C0244AC}"/>
+    <pc:docChg chg="modSld">
+      <pc:chgData name="Eduardo Marques" userId="b9dd18581288d1e4" providerId="Windows Live" clId="Web-{1B5EC9B4-70E0-40BC-9781-6C7D4C0244AC}" dt="2020-09-23T21:58:56.220" v="1"/>
+      <pc:docMkLst>
+        <pc:docMk/>
+      </pc:docMkLst>
+      <pc:sldChg chg="delSp modSp">
+        <pc:chgData name="Eduardo Marques" userId="b9dd18581288d1e4" providerId="Windows Live" clId="Web-{1B5EC9B4-70E0-40BC-9781-6C7D4C0244AC}" dt="2020-09-23T21:58:56.220" v="1"/>
+        <pc:sldMkLst>
+          <pc:docMk/>
+          <pc:sldMk cId="2210866551" sldId="256"/>
+        </pc:sldMkLst>
+        <pc:spChg chg="del mod">
+          <ac:chgData name="Eduardo Marques" userId="b9dd18581288d1e4" providerId="Windows Live" clId="Web-{1B5EC9B4-70E0-40BC-9781-6C7D4C0244AC}" dt="2020-09-23T21:58:56.220" v="1"/>
+          <ac:spMkLst>
+            <pc:docMk/>
+            <pc:sldMk cId="2210866551" sldId="256"/>
+            <ac:spMk id="25" creationId="{65E538CC-528C-4D40-B276-075D44544397}"/>
+          </ac:spMkLst>
+        </pc:spChg>
+      </pc:sldChg>
+    </pc:docChg>
+  </pc:docChgLst>
+  <pc:docChgLst>
+    <pc:chgData name="Gabriel Fernandes C. dos Santos" userId="153fb557aa2a4591" providerId="Windows Live" clId="Web-{62665683-9965-4BBB-9C5D-170C54AD9882}"/>
+    <pc:docChg chg="modSld">
+      <pc:chgData name="Gabriel Fernandes C. dos Santos" userId="153fb557aa2a4591" providerId="Windows Live" clId="Web-{62665683-9965-4BBB-9C5D-170C54AD9882}" dt="2020-09-16T21:58:22.669" v="53" actId="1076"/>
+      <pc:docMkLst>
+        <pc:docMk/>
+      </pc:docMkLst>
+      <pc:sldChg chg="addSp delSp modSp">
+        <pc:chgData name="Gabriel Fernandes C. dos Santos" userId="153fb557aa2a4591" providerId="Windows Live" clId="Web-{62665683-9965-4BBB-9C5D-170C54AD9882}" dt="2020-09-16T21:58:22.669" v="53" actId="1076"/>
+        <pc:sldMkLst>
+          <pc:docMk/>
+          <pc:sldMk cId="2210866551" sldId="256"/>
+        </pc:sldMkLst>
+        <pc:spChg chg="add del mod">
+          <ac:chgData name="Gabriel Fernandes C. dos Santos" userId="153fb557aa2a4591" providerId="Windows Live" clId="Web-{62665683-9965-4BBB-9C5D-170C54AD9882}" dt="2020-09-16T21:42:35.971" v="11"/>
+          <ac:spMkLst>
+            <pc:docMk/>
+            <pc:sldMk cId="2210866551" sldId="256"/>
+            <ac:spMk id="3" creationId="{0798C1F5-1433-4F55-A61F-7B289E22FF86}"/>
+          </ac:spMkLst>
+        </pc:spChg>
+        <pc:spChg chg="add del mod">
+          <ac:chgData name="Gabriel Fernandes C. dos Santos" userId="153fb557aa2a4591" providerId="Windows Live" clId="Web-{62665683-9965-4BBB-9C5D-170C54AD9882}" dt="2020-09-16T21:42:13.892" v="10"/>
+          <ac:spMkLst>
+            <pc:docMk/>
+            <pc:sldMk cId="2210866551" sldId="256"/>
+            <ac:spMk id="4" creationId="{76C2DF81-8D28-4A05-9556-93C08D928E49}"/>
+          </ac:spMkLst>
+        </pc:spChg>
+        <pc:picChg chg="add del mod">
+          <ac:chgData name="Gabriel Fernandes C. dos Santos" userId="153fb557aa2a4591" providerId="Windows Live" clId="Web-{62665683-9965-4BBB-9C5D-170C54AD9882}" dt="2020-09-16T21:51:04.532" v="25"/>
+          <ac:picMkLst>
+            <pc:docMk/>
+            <pc:sldMk cId="2210866551" sldId="256"/>
+            <ac:picMk id="5" creationId="{F247BF55-A65F-42B9-9602-33060252D5AF}"/>
+          </ac:picMkLst>
+        </pc:picChg>
+        <pc:picChg chg="add mod ord">
+          <ac:chgData name="Gabriel Fernandes C. dos Santos" userId="153fb557aa2a4591" providerId="Windows Live" clId="Web-{62665683-9965-4BBB-9C5D-170C54AD9882}" dt="2020-09-16T21:53:26.474" v="29"/>
+          <ac:picMkLst>
+            <pc:docMk/>
+            <pc:sldMk cId="2210866551" sldId="256"/>
+            <ac:picMk id="7" creationId="{7CDA96C4-BC1F-4AE9-B8D2-22C8A685F264}"/>
+          </ac:picMkLst>
+        </pc:picChg>
+        <pc:cxnChg chg="add mod">
+          <ac:chgData name="Gabriel Fernandes C. dos Santos" userId="153fb557aa2a4591" providerId="Windows Live" clId="Web-{62665683-9965-4BBB-9C5D-170C54AD9882}" dt="2020-09-16T21:56:45.823" v="44"/>
+          <ac:cxnSpMkLst>
+            <pc:docMk/>
+            <pc:sldMk cId="2210866551" sldId="256"/>
+            <ac:cxnSpMk id="6" creationId="{4807AA11-A8A5-4B16-AAEA-B324F1FACF34}"/>
+          </ac:cxnSpMkLst>
+        </pc:cxnChg>
+        <pc:cxnChg chg="add mod">
+          <ac:chgData name="Gabriel Fernandes C. dos Santos" userId="153fb557aa2a4591" providerId="Windows Live" clId="Web-{62665683-9965-4BBB-9C5D-170C54AD9882}" dt="2020-09-16T21:58:05.497" v="51" actId="14100"/>
+          <ac:cxnSpMkLst>
+            <pc:docMk/>
+            <pc:sldMk cId="2210866551" sldId="256"/>
+            <ac:cxnSpMk id="8" creationId="{04C48938-E085-4E35-B748-E29BD3C6B2FF}"/>
+          </ac:cxnSpMkLst>
+        </pc:cxnChg>
+        <pc:cxnChg chg="add mod">
+          <ac:chgData name="Gabriel Fernandes C. dos Santos" userId="153fb557aa2a4591" providerId="Windows Live" clId="Web-{62665683-9965-4BBB-9C5D-170C54AD9882}" dt="2020-09-16T21:58:22.669" v="53" actId="1076"/>
+          <ac:cxnSpMkLst>
+            <pc:docMk/>
+            <pc:sldMk cId="2210866551" sldId="256"/>
+            <ac:cxnSpMk id="9" creationId="{4A2B671F-ADAF-4EE1-A493-6C39D24C063A}"/>
+          </ac:cxnSpMkLst>
+        </pc:cxnChg>
       </pc:sldChg>
     </pc:docChg>
   </pc:docChgLst>
@@ -242,208 +675,40 @@
     </pc:docChg>
   </pc:docChgLst>
   <pc:docChgLst>
-    <pc:chgData name="Eduardo Marques" userId="b9dd18581288d1e4" providerId="Windows Live" clId="Web-{1B5EC9B4-70E0-40BC-9781-6C7D4C0244AC}"/>
+    <pc:chgData name="Gabriel Casagrande" userId="e7a325a1baaa42ba" providerId="Windows Live" clId="Web-{D4B54080-EC79-43F5-B642-44A98FAE809B}"/>
     <pc:docChg chg="modSld">
-      <pc:chgData name="Eduardo Marques" userId="b9dd18581288d1e4" providerId="Windows Live" clId="Web-{1B5EC9B4-70E0-40BC-9781-6C7D4C0244AC}" dt="2020-09-23T21:58:56.220" v="1"/>
+      <pc:chgData name="Gabriel Casagrande" userId="e7a325a1baaa42ba" providerId="Windows Live" clId="Web-{D4B54080-EC79-43F5-B642-44A98FAE809B}" dt="2020-09-18T01:56:00.464" v="4"/>
       <pc:docMkLst>
         <pc:docMk/>
       </pc:docMkLst>
       <pc:sldChg chg="delSp modSp">
-        <pc:chgData name="Eduardo Marques" userId="b9dd18581288d1e4" providerId="Windows Live" clId="Web-{1B5EC9B4-70E0-40BC-9781-6C7D4C0244AC}" dt="2020-09-23T21:58:56.220" v="1"/>
+        <pc:chgData name="Gabriel Casagrande" userId="e7a325a1baaa42ba" providerId="Windows Live" clId="Web-{D4B54080-EC79-43F5-B642-44A98FAE809B}" dt="2020-09-18T01:56:00.464" v="4"/>
         <pc:sldMkLst>
           <pc:docMk/>
           <pc:sldMk cId="2210866551" sldId="256"/>
         </pc:sldMkLst>
-        <pc:spChg chg="del mod">
-          <ac:chgData name="Eduardo Marques" userId="b9dd18581288d1e4" providerId="Windows Live" clId="Web-{1B5EC9B4-70E0-40BC-9781-6C7D4C0244AC}" dt="2020-09-23T21:58:56.220" v="1"/>
-          <ac:spMkLst>
-            <pc:docMk/>
-            <pc:sldMk cId="2210866551" sldId="256"/>
-            <ac:spMk id="25" creationId="{65E538CC-528C-4D40-B276-075D44544397}"/>
-          </ac:spMkLst>
-        </pc:spChg>
-      </pc:sldChg>
-    </pc:docChg>
-  </pc:docChgLst>
-  <pc:docChgLst>
-    <pc:chgData clId="Web-{6C0D6097-BEDF-476E-8298-006B83B49BF2}"/>
-    <pc:docChg chg="modSld">
-      <pc:chgData name="" userId="" providerId="" clId="Web-{6C0D6097-BEDF-476E-8298-006B83B49BF2}" dt="2020-11-06T23:03:33.667" v="6" actId="20577"/>
-      <pc:docMkLst>
-        <pc:docMk/>
-      </pc:docMkLst>
-      <pc:sldChg chg="modSp">
-        <pc:chgData name="" userId="" providerId="" clId="Web-{6C0D6097-BEDF-476E-8298-006B83B49BF2}" dt="2020-11-06T23:03:31.776" v="4" actId="20577"/>
-        <pc:sldMkLst>
-          <pc:docMk/>
-          <pc:sldMk cId="2210866551" sldId="256"/>
-        </pc:sldMkLst>
-        <pc:spChg chg="mod">
-          <ac:chgData name="" userId="" providerId="" clId="Web-{6C0D6097-BEDF-476E-8298-006B83B49BF2}" dt="2020-11-06T23:03:31.776" v="4" actId="20577"/>
-          <ac:spMkLst>
-            <pc:docMk/>
-            <pc:sldMk cId="2210866551" sldId="256"/>
-            <ac:spMk id="4" creationId="{494C4FE3-F934-4AC1-B233-E18E32B08678}"/>
-          </ac:spMkLst>
-        </pc:spChg>
-      </pc:sldChg>
-    </pc:docChg>
-  </pc:docChgLst>
-  <pc:docChgLst>
-    <pc:chgData name="Caio Ferreira" userId="aa37e96bb8b72277" providerId="LiveId" clId="{969F346F-B802-4484-B01D-A2441F25604B}"/>
-    <pc:docChg chg="undo custSel modSld">
-      <pc:chgData name="Caio Ferreira" userId="aa37e96bb8b72277" providerId="LiveId" clId="{969F346F-B802-4484-B01D-A2441F25604B}" dt="2020-09-18T02:12:18.435" v="820" actId="478"/>
-      <pc:docMkLst>
-        <pc:docMk/>
-      </pc:docMkLst>
-      <pc:sldChg chg="addSp delSp modSp mod">
-        <pc:chgData name="Caio Ferreira" userId="aa37e96bb8b72277" providerId="LiveId" clId="{969F346F-B802-4484-B01D-A2441F25604B}" dt="2020-09-18T02:12:18.435" v="820" actId="478"/>
-        <pc:sldMkLst>
-          <pc:docMk/>
-          <pc:sldMk cId="2210866551" sldId="256"/>
-        </pc:sldMkLst>
-        <pc:spChg chg="del mod">
-          <ac:chgData name="Caio Ferreira" userId="aa37e96bb8b72277" providerId="LiveId" clId="{969F346F-B802-4484-B01D-A2441F25604B}" dt="2020-09-18T02:10:22.833" v="753" actId="478"/>
-          <ac:spMkLst>
-            <pc:docMk/>
-            <pc:sldMk cId="2210866551" sldId="256"/>
-            <ac:spMk id="3" creationId="{C034B268-9179-49F8-9BD2-9A31461E406E}"/>
-          </ac:spMkLst>
-        </pc:spChg>
-        <pc:spChg chg="mod">
-          <ac:chgData name="Caio Ferreira" userId="aa37e96bb8b72277" providerId="LiveId" clId="{969F346F-B802-4484-B01D-A2441F25604B}" dt="2020-09-18T02:10:54.792" v="766" actId="20577"/>
-          <ac:spMkLst>
-            <pc:docMk/>
-            <pc:sldMk cId="2210866551" sldId="256"/>
-            <ac:spMk id="4" creationId="{494C4FE3-F934-4AC1-B233-E18E32B08678}"/>
-          </ac:spMkLst>
-        </pc:spChg>
-        <pc:spChg chg="mod">
-          <ac:chgData name="Caio Ferreira" userId="aa37e96bb8b72277" providerId="LiveId" clId="{969F346F-B802-4484-B01D-A2441F25604B}" dt="2020-09-18T02:08:22.673" v="737" actId="1038"/>
-          <ac:spMkLst>
-            <pc:docMk/>
-            <pc:sldMk cId="2210866551" sldId="256"/>
-            <ac:spMk id="5" creationId="{9066179D-1203-4838-8977-6D25B04015D6}"/>
-          </ac:spMkLst>
-        </pc:spChg>
-        <pc:spChg chg="mod">
-          <ac:chgData name="Caio Ferreira" userId="aa37e96bb8b72277" providerId="LiveId" clId="{969F346F-B802-4484-B01D-A2441F25604B}" dt="2020-09-18T02:05:15.815" v="502" actId="1037"/>
-          <ac:spMkLst>
-            <pc:docMk/>
-            <pc:sldMk cId="2210866551" sldId="256"/>
-            <ac:spMk id="10" creationId="{0D218678-922A-45C7-B38A-44160210ED2A}"/>
-          </ac:spMkLst>
-        </pc:spChg>
-        <pc:spChg chg="mod">
-          <ac:chgData name="Caio Ferreira" userId="aa37e96bb8b72277" providerId="LiveId" clId="{969F346F-B802-4484-B01D-A2441F25604B}" dt="2020-09-18T02:03:20.042" v="463" actId="1038"/>
-          <ac:spMkLst>
-            <pc:docMk/>
-            <pc:sldMk cId="2210866551" sldId="256"/>
-            <ac:spMk id="12" creationId="{D28F1D3E-5199-4BEE-B72D-BE285E6874DD}"/>
-          </ac:spMkLst>
-        </pc:spChg>
-        <pc:spChg chg="add mod">
-          <ac:chgData name="Caio Ferreira" userId="aa37e96bb8b72277" providerId="LiveId" clId="{969F346F-B802-4484-B01D-A2441F25604B}" dt="2020-09-18T02:08:34.220" v="746" actId="1037"/>
-          <ac:spMkLst>
-            <pc:docMk/>
-            <pc:sldMk cId="2210866551" sldId="256"/>
-            <ac:spMk id="18" creationId="{7AE19F4A-E9B3-48F1-8347-96E89CA7C062}"/>
-          </ac:spMkLst>
-        </pc:spChg>
-        <pc:spChg chg="add mod">
-          <ac:chgData name="Caio Ferreira" userId="aa37e96bb8b72277" providerId="LiveId" clId="{969F346F-B802-4484-B01D-A2441F25604B}" dt="2020-09-18T02:08:27.977" v="742" actId="1037"/>
-          <ac:spMkLst>
-            <pc:docMk/>
-            <pc:sldMk cId="2210866551" sldId="256"/>
-            <ac:spMk id="33" creationId="{39E60CCA-E4BA-4BE0-954E-DF3941348605}"/>
-          </ac:spMkLst>
-        </pc:spChg>
         <pc:cxnChg chg="mod">
-          <ac:chgData name="Caio Ferreira" userId="aa37e96bb8b72277" providerId="LiveId" clId="{969F346F-B802-4484-B01D-A2441F25604B}" dt="2020-09-18T02:03:40.632" v="492" actId="14100"/>
+          <ac:chgData name="Gabriel Casagrande" userId="e7a325a1baaa42ba" providerId="Windows Live" clId="Web-{D4B54080-EC79-43F5-B642-44A98FAE809B}" dt="2020-09-18T01:55:18.448" v="2" actId="14100"/>
           <ac:cxnSpMkLst>
             <pc:docMk/>
             <pc:sldMk cId="2210866551" sldId="256"/>
-            <ac:cxnSpMk id="8" creationId="{04C48938-E085-4E35-B748-E29BD3C6B2FF}"/>
+            <ac:cxnSpMk id="13" creationId="{5DD0A4EA-CF16-49D1-AFAC-DD1DEEF368AD}"/>
+          </ac:cxnSpMkLst>
+        </pc:cxnChg>
+        <pc:cxnChg chg="mod">
+          <ac:chgData name="Gabriel Casagrande" userId="e7a325a1baaa42ba" providerId="Windows Live" clId="Web-{D4B54080-EC79-43F5-B642-44A98FAE809B}" dt="2020-09-18T01:55:09.667" v="0" actId="1076"/>
+          <ac:cxnSpMkLst>
+            <pc:docMk/>
+            <pc:sldMk cId="2210866551" sldId="256"/>
+            <ac:cxnSpMk id="14" creationId="{D34AEE13-8C24-4B30-BCD7-8F20619A603F}"/>
           </ac:cxnSpMkLst>
         </pc:cxnChg>
         <pc:cxnChg chg="del mod">
-          <ac:chgData name="Caio Ferreira" userId="aa37e96bb8b72277" providerId="LiveId" clId="{969F346F-B802-4484-B01D-A2441F25604B}" dt="2020-09-18T02:10:23.673" v="754" actId="478"/>
+          <ac:chgData name="Gabriel Casagrande" userId="e7a325a1baaa42ba" providerId="Windows Live" clId="Web-{D4B54080-EC79-43F5-B642-44A98FAE809B}" dt="2020-09-18T01:56:00.464" v="4"/>
           <ac:cxnSpMkLst>
             <pc:docMk/>
             <pc:sldMk cId="2210866551" sldId="256"/>
-            <ac:cxnSpMk id="9" creationId="{4A2B671F-ADAF-4EE1-A493-6C39D24C063A}"/>
-          </ac:cxnSpMkLst>
-        </pc:cxnChg>
-        <pc:cxnChg chg="mod">
-          <ac:chgData name="Caio Ferreira" userId="aa37e96bb8b72277" providerId="LiveId" clId="{969F346F-B802-4484-B01D-A2441F25604B}" dt="2020-09-18T02:06:19.474" v="536" actId="1037"/>
-          <ac:cxnSpMkLst>
-            <pc:docMk/>
-            <pc:sldMk cId="2210866551" sldId="256"/>
-            <ac:cxnSpMk id="11" creationId="{4185A6F2-972D-44E3-8BE5-AF347B493ACD}"/>
-          </ac:cxnSpMkLst>
-        </pc:cxnChg>
-        <pc:cxnChg chg="add mod">
-          <ac:chgData name="Caio Ferreira" userId="aa37e96bb8b72277" providerId="LiveId" clId="{969F346F-B802-4484-B01D-A2441F25604B}" dt="2020-09-18T01:54:28.956" v="1" actId="1076"/>
-          <ac:cxnSpMkLst>
-            <pc:docMk/>
-            <pc:sldMk cId="2210866551" sldId="256"/>
-            <ac:cxnSpMk id="11" creationId="{5DD0A4EA-CF16-49D1-AFAC-DD1DEEF368AD}"/>
-          </ac:cxnSpMkLst>
-        </pc:cxnChg>
-        <pc:cxnChg chg="mod">
-          <ac:chgData name="Caio Ferreira" userId="aa37e96bb8b72277" providerId="LiveId" clId="{969F346F-B802-4484-B01D-A2441F25604B}" dt="2020-09-18T01:58:39.205" v="256" actId="1038"/>
-          <ac:cxnSpMkLst>
-            <pc:docMk/>
-            <pc:sldMk cId="2210866551" sldId="256"/>
-            <ac:cxnSpMk id="13" creationId="{5DD0A4EA-CF16-49D1-AFAC-DD1DEEF368AD}"/>
-          </ac:cxnSpMkLst>
-        </pc:cxnChg>
-        <pc:cxnChg chg="add mod">
-          <ac:chgData name="Caio Ferreira" userId="aa37e96bb8b72277" providerId="LiveId" clId="{969F346F-B802-4484-B01D-A2441F25604B}" dt="2020-09-18T01:55:47.985" v="22" actId="14100"/>
-          <ac:cxnSpMkLst>
-            <pc:docMk/>
-            <pc:sldMk cId="2210866551" sldId="256"/>
-            <ac:cxnSpMk id="14" creationId="{D34AEE13-8C24-4B30-BCD7-8F20619A603F}"/>
-          </ac:cxnSpMkLst>
-        </pc:cxnChg>
-        <pc:cxnChg chg="add mod">
-          <ac:chgData name="Caio Ferreira" userId="aa37e96bb8b72277" providerId="LiveId" clId="{969F346F-B802-4484-B01D-A2441F25604B}" dt="2020-09-18T01:54:51.634" v="10" actId="1037"/>
-          <ac:cxnSpMkLst>
-            <pc:docMk/>
-            <pc:sldMk cId="2210866551" sldId="256"/>
             <ac:cxnSpMk id="15" creationId="{668BB7B2-6360-43BB-B5F2-FF9EF8BDA1A7}"/>
-          </ac:cxnSpMkLst>
-        </pc:cxnChg>
-        <pc:cxnChg chg="add mod">
-          <ac:chgData name="Caio Ferreira" userId="aa37e96bb8b72277" providerId="LiveId" clId="{969F346F-B802-4484-B01D-A2441F25604B}" dt="2020-09-18T01:58:14.672" v="173" actId="1076"/>
-          <ac:cxnSpMkLst>
-            <pc:docMk/>
-            <pc:sldMk cId="2210866551" sldId="256"/>
-            <ac:cxnSpMk id="21" creationId="{DCD66A49-DF08-4617-A520-98D6096939A0}"/>
-          </ac:cxnSpMkLst>
-        </pc:cxnChg>
-        <pc:cxnChg chg="add del mod">
-          <ac:chgData name="Caio Ferreira" userId="aa37e96bb8b72277" providerId="LiveId" clId="{969F346F-B802-4484-B01D-A2441F25604B}" dt="2020-09-18T02:06:14.836" v="512" actId="478"/>
-          <ac:cxnSpMkLst>
-            <pc:docMk/>
-            <pc:sldMk cId="2210866551" sldId="256"/>
-            <ac:cxnSpMk id="28" creationId="{6977128E-D129-414B-AB65-83268BB5406F}"/>
-          </ac:cxnSpMkLst>
-        </pc:cxnChg>
-        <pc:cxnChg chg="add mod">
-          <ac:chgData name="Caio Ferreira" userId="aa37e96bb8b72277" providerId="LiveId" clId="{969F346F-B802-4484-B01D-A2441F25604B}" dt="2020-09-18T02:06:37.248" v="597" actId="1036"/>
-          <ac:cxnSpMkLst>
-            <pc:docMk/>
-            <pc:sldMk cId="2210866551" sldId="256"/>
-            <ac:cxnSpMk id="30" creationId="{B840499D-AE6F-4793-A825-B0D2A9F82E3C}"/>
-          </ac:cxnSpMkLst>
-        </pc:cxnChg>
-        <pc:cxnChg chg="add del mod">
-          <ac:chgData name="Caio Ferreira" userId="aa37e96bb8b72277" providerId="LiveId" clId="{969F346F-B802-4484-B01D-A2441F25604B}" dt="2020-09-18T02:12:18.435" v="820" actId="478"/>
-          <ac:cxnSpMkLst>
-            <pc:docMk/>
-            <pc:sldMk cId="2210866551" sldId="256"/>
-            <ac:cxnSpMk id="34" creationId="{F1EA4176-DB80-4B48-AC81-A8E83A633325}"/>
           </ac:cxnSpMkLst>
         </pc:cxnChg>
       </pc:sldChg>
@@ -506,214 +771,6 @@
     </pc:docChg>
   </pc:docChgLst>
   <pc:docChgLst>
-    <pc:chgData name="Gabriel Casagrande" userId="e7a325a1baaa42ba" providerId="Windows Live" clId="Web-{D4B54080-EC79-43F5-B642-44A98FAE809B}"/>
-    <pc:docChg chg="modSld">
-      <pc:chgData name="Gabriel Casagrande" userId="e7a325a1baaa42ba" providerId="Windows Live" clId="Web-{D4B54080-EC79-43F5-B642-44A98FAE809B}" dt="2020-09-18T01:56:00.464" v="4"/>
-      <pc:docMkLst>
-        <pc:docMk/>
-      </pc:docMkLst>
-      <pc:sldChg chg="delSp modSp">
-        <pc:chgData name="Gabriel Casagrande" userId="e7a325a1baaa42ba" providerId="Windows Live" clId="Web-{D4B54080-EC79-43F5-B642-44A98FAE809B}" dt="2020-09-18T01:56:00.464" v="4"/>
-        <pc:sldMkLst>
-          <pc:docMk/>
-          <pc:sldMk cId="2210866551" sldId="256"/>
-        </pc:sldMkLst>
-        <pc:cxnChg chg="mod">
-          <ac:chgData name="Gabriel Casagrande" userId="e7a325a1baaa42ba" providerId="Windows Live" clId="Web-{D4B54080-EC79-43F5-B642-44A98FAE809B}" dt="2020-09-18T01:55:18.448" v="2" actId="14100"/>
-          <ac:cxnSpMkLst>
-            <pc:docMk/>
-            <pc:sldMk cId="2210866551" sldId="256"/>
-            <ac:cxnSpMk id="13" creationId="{5DD0A4EA-CF16-49D1-AFAC-DD1DEEF368AD}"/>
-          </ac:cxnSpMkLst>
-        </pc:cxnChg>
-        <pc:cxnChg chg="mod">
-          <ac:chgData name="Gabriel Casagrande" userId="e7a325a1baaa42ba" providerId="Windows Live" clId="Web-{D4B54080-EC79-43F5-B642-44A98FAE809B}" dt="2020-09-18T01:55:09.667" v="0" actId="1076"/>
-          <ac:cxnSpMkLst>
-            <pc:docMk/>
-            <pc:sldMk cId="2210866551" sldId="256"/>
-            <ac:cxnSpMk id="14" creationId="{D34AEE13-8C24-4B30-BCD7-8F20619A603F}"/>
-          </ac:cxnSpMkLst>
-        </pc:cxnChg>
-        <pc:cxnChg chg="del mod">
-          <ac:chgData name="Gabriel Casagrande" userId="e7a325a1baaa42ba" providerId="Windows Live" clId="Web-{D4B54080-EC79-43F5-B642-44A98FAE809B}" dt="2020-09-18T01:56:00.464" v="4"/>
-          <ac:cxnSpMkLst>
-            <pc:docMk/>
-            <pc:sldMk cId="2210866551" sldId="256"/>
-            <ac:cxnSpMk id="15" creationId="{668BB7B2-6360-43BB-B5F2-FF9EF8BDA1A7}"/>
-          </ac:cxnSpMkLst>
-        </pc:cxnChg>
-      </pc:sldChg>
-    </pc:docChg>
-  </pc:docChgLst>
-  <pc:docChgLst>
-    <pc:chgData name="Bruno Pires" userId="2e75d9009844921f" providerId="Windows Live" clId="Web-{64D9DB1C-2242-472F-92B7-932D0314AA8A}"/>
-    <pc:docChg chg="modSld">
-      <pc:chgData name="Bruno Pires" userId="2e75d9009844921f" providerId="Windows Live" clId="Web-{64D9DB1C-2242-472F-92B7-932D0314AA8A}" dt="2020-11-06T23:03:13.110" v="1" actId="20577"/>
-      <pc:docMkLst>
-        <pc:docMk/>
-      </pc:docMkLst>
-      <pc:sldChg chg="modSp">
-        <pc:chgData name="Bruno Pires" userId="2e75d9009844921f" providerId="Windows Live" clId="Web-{64D9DB1C-2242-472F-92B7-932D0314AA8A}" dt="2020-11-06T23:03:13.110" v="0" actId="20577"/>
-        <pc:sldMkLst>
-          <pc:docMk/>
-          <pc:sldMk cId="2210866551" sldId="256"/>
-        </pc:sldMkLst>
-        <pc:spChg chg="mod">
-          <ac:chgData name="Bruno Pires" userId="2e75d9009844921f" providerId="Windows Live" clId="Web-{64D9DB1C-2242-472F-92B7-932D0314AA8A}" dt="2020-11-06T23:03:13.110" v="0" actId="20577"/>
-          <ac:spMkLst>
-            <pc:docMk/>
-            <pc:sldMk cId="2210866551" sldId="256"/>
-            <ac:spMk id="4" creationId="{494C4FE3-F934-4AC1-B233-E18E32B08678}"/>
-          </ac:spMkLst>
-        </pc:spChg>
-      </pc:sldChg>
-    </pc:docChg>
-  </pc:docChgLst>
-  <pc:docChgLst>
-    <pc:chgData name="Eduardo Marques" userId="b9dd18581288d1e4" providerId="Windows Live" clId="Web-{6C0D6097-BEDF-476E-8298-006B83B49BF2}"/>
-    <pc:docChg chg="modSld">
-      <pc:chgData name="Eduardo Marques" userId="b9dd18581288d1e4" providerId="Windows Live" clId="Web-{6C0D6097-BEDF-476E-8298-006B83B49BF2}" dt="2020-11-06T23:05:48.966" v="6" actId="1076"/>
-      <pc:docMkLst>
-        <pc:docMk/>
-      </pc:docMkLst>
-      <pc:sldChg chg="delSp modSp">
-        <pc:chgData name="Eduardo Marques" userId="b9dd18581288d1e4" providerId="Windows Live" clId="Web-{6C0D6097-BEDF-476E-8298-006B83B49BF2}" dt="2020-11-06T23:05:48.966" v="6" actId="1076"/>
-        <pc:sldMkLst>
-          <pc:docMk/>
-          <pc:sldMk cId="2210866551" sldId="256"/>
-        </pc:sldMkLst>
-        <pc:spChg chg="mod">
-          <ac:chgData name="Eduardo Marques" userId="b9dd18581288d1e4" providerId="Windows Live" clId="Web-{6C0D6097-BEDF-476E-8298-006B83B49BF2}" dt="2020-11-06T23:05:28.185" v="2" actId="1076"/>
-          <ac:spMkLst>
-            <pc:docMk/>
-            <pc:sldMk cId="2210866551" sldId="256"/>
-            <ac:spMk id="5" creationId="{9066179D-1203-4838-8977-6D25B04015D6}"/>
-          </ac:spMkLst>
-        </pc:spChg>
-        <pc:spChg chg="mod">
-          <ac:chgData name="Eduardo Marques" userId="b9dd18581288d1e4" providerId="Windows Live" clId="Web-{6C0D6097-BEDF-476E-8298-006B83B49BF2}" dt="2020-11-06T23:05:43.075" v="5" actId="1076"/>
-          <ac:spMkLst>
-            <pc:docMk/>
-            <pc:sldMk cId="2210866551" sldId="256"/>
-            <ac:spMk id="12" creationId="{D28F1D3E-5199-4BEE-B72D-BE285E6874DD}"/>
-          </ac:spMkLst>
-        </pc:spChg>
-        <pc:spChg chg="del">
-          <ac:chgData name="Eduardo Marques" userId="b9dd18581288d1e4" providerId="Windows Live" clId="Web-{6C0D6097-BEDF-476E-8298-006B83B49BF2}" dt="2020-11-06T23:05:21.481" v="1"/>
-          <ac:spMkLst>
-            <pc:docMk/>
-            <pc:sldMk cId="2210866551" sldId="256"/>
-            <ac:spMk id="18" creationId="{7AE19F4A-E9B3-48F1-8347-96E89CA7C062}"/>
-          </ac:spMkLst>
-        </pc:spChg>
-        <pc:spChg chg="mod">
-          <ac:chgData name="Eduardo Marques" userId="b9dd18581288d1e4" providerId="Windows Live" clId="Web-{6C0D6097-BEDF-476E-8298-006B83B49BF2}" dt="2020-11-06T23:05:31.153" v="3" actId="1076"/>
-          <ac:spMkLst>
-            <pc:docMk/>
-            <pc:sldMk cId="2210866551" sldId="256"/>
-            <ac:spMk id="33" creationId="{39E60CCA-E4BA-4BE0-954E-DF3941348605}"/>
-          </ac:spMkLst>
-        </pc:spChg>
-        <pc:cxnChg chg="del">
-          <ac:chgData name="Eduardo Marques" userId="b9dd18581288d1e4" providerId="Windows Live" clId="Web-{6C0D6097-BEDF-476E-8298-006B83B49BF2}" dt="2020-11-06T23:05:18.825" v="0"/>
-          <ac:cxnSpMkLst>
-            <pc:docMk/>
-            <pc:sldMk cId="2210866551" sldId="256"/>
-            <ac:cxnSpMk id="13" creationId="{5DD0A4EA-CF16-49D1-AFAC-DD1DEEF368AD}"/>
-          </ac:cxnSpMkLst>
-        </pc:cxnChg>
-        <pc:cxnChg chg="mod">
-          <ac:chgData name="Eduardo Marques" userId="b9dd18581288d1e4" providerId="Windows Live" clId="Web-{6C0D6097-BEDF-476E-8298-006B83B49BF2}" dt="2020-11-06T23:05:37.419" v="4" actId="1076"/>
-          <ac:cxnSpMkLst>
-            <pc:docMk/>
-            <pc:sldMk cId="2210866551" sldId="256"/>
-            <ac:cxnSpMk id="21" creationId="{DCD66A49-DF08-4617-A520-98D6096939A0}"/>
-          </ac:cxnSpMkLst>
-        </pc:cxnChg>
-        <pc:cxnChg chg="mod">
-          <ac:chgData name="Eduardo Marques" userId="b9dd18581288d1e4" providerId="Windows Live" clId="Web-{6C0D6097-BEDF-476E-8298-006B83B49BF2}" dt="2020-11-06T23:05:48.966" v="6" actId="1076"/>
-          <ac:cxnSpMkLst>
-            <pc:docMk/>
-            <pc:sldMk cId="2210866551" sldId="256"/>
-            <ac:cxnSpMk id="24" creationId="{7943B010-5745-40DC-90E2-503461F80FAE}"/>
-          </ac:cxnSpMkLst>
-        </pc:cxnChg>
-      </pc:sldChg>
-    </pc:docChg>
-  </pc:docChgLst>
-  <pc:docChgLst>
-    <pc:chgData name="Gabriel Fernandes C. dos Santos" userId="153fb557aa2a4591" providerId="Windows Live" clId="Web-{62665683-9965-4BBB-9C5D-170C54AD9882}"/>
-    <pc:docChg chg="modSld">
-      <pc:chgData name="Gabriel Fernandes C. dos Santos" userId="153fb557aa2a4591" providerId="Windows Live" clId="Web-{62665683-9965-4BBB-9C5D-170C54AD9882}" dt="2020-09-16T21:58:22.669" v="53" actId="1076"/>
-      <pc:docMkLst>
-        <pc:docMk/>
-      </pc:docMkLst>
-      <pc:sldChg chg="addSp delSp modSp">
-        <pc:chgData name="Gabriel Fernandes C. dos Santos" userId="153fb557aa2a4591" providerId="Windows Live" clId="Web-{62665683-9965-4BBB-9C5D-170C54AD9882}" dt="2020-09-16T21:58:22.669" v="53" actId="1076"/>
-        <pc:sldMkLst>
-          <pc:docMk/>
-          <pc:sldMk cId="2210866551" sldId="256"/>
-        </pc:sldMkLst>
-        <pc:spChg chg="add del mod">
-          <ac:chgData name="Gabriel Fernandes C. dos Santos" userId="153fb557aa2a4591" providerId="Windows Live" clId="Web-{62665683-9965-4BBB-9C5D-170C54AD9882}" dt="2020-09-16T21:42:35.971" v="11"/>
-          <ac:spMkLst>
-            <pc:docMk/>
-            <pc:sldMk cId="2210866551" sldId="256"/>
-            <ac:spMk id="3" creationId="{0798C1F5-1433-4F55-A61F-7B289E22FF86}"/>
-          </ac:spMkLst>
-        </pc:spChg>
-        <pc:spChg chg="add del mod">
-          <ac:chgData name="Gabriel Fernandes C. dos Santos" userId="153fb557aa2a4591" providerId="Windows Live" clId="Web-{62665683-9965-4BBB-9C5D-170C54AD9882}" dt="2020-09-16T21:42:13.892" v="10"/>
-          <ac:spMkLst>
-            <pc:docMk/>
-            <pc:sldMk cId="2210866551" sldId="256"/>
-            <ac:spMk id="4" creationId="{76C2DF81-8D28-4A05-9556-93C08D928E49}"/>
-          </ac:spMkLst>
-        </pc:spChg>
-        <pc:picChg chg="add del mod">
-          <ac:chgData name="Gabriel Fernandes C. dos Santos" userId="153fb557aa2a4591" providerId="Windows Live" clId="Web-{62665683-9965-4BBB-9C5D-170C54AD9882}" dt="2020-09-16T21:51:04.532" v="25"/>
-          <ac:picMkLst>
-            <pc:docMk/>
-            <pc:sldMk cId="2210866551" sldId="256"/>
-            <ac:picMk id="5" creationId="{F247BF55-A65F-42B9-9602-33060252D5AF}"/>
-          </ac:picMkLst>
-        </pc:picChg>
-        <pc:picChg chg="add mod ord">
-          <ac:chgData name="Gabriel Fernandes C. dos Santos" userId="153fb557aa2a4591" providerId="Windows Live" clId="Web-{62665683-9965-4BBB-9C5D-170C54AD9882}" dt="2020-09-16T21:53:26.474" v="29"/>
-          <ac:picMkLst>
-            <pc:docMk/>
-            <pc:sldMk cId="2210866551" sldId="256"/>
-            <ac:picMk id="7" creationId="{7CDA96C4-BC1F-4AE9-B8D2-22C8A685F264}"/>
-          </ac:picMkLst>
-        </pc:picChg>
-        <pc:cxnChg chg="add mod">
-          <ac:chgData name="Gabriel Fernandes C. dos Santos" userId="153fb557aa2a4591" providerId="Windows Live" clId="Web-{62665683-9965-4BBB-9C5D-170C54AD9882}" dt="2020-09-16T21:56:45.823" v="44"/>
-          <ac:cxnSpMkLst>
-            <pc:docMk/>
-            <pc:sldMk cId="2210866551" sldId="256"/>
-            <ac:cxnSpMk id="6" creationId="{4807AA11-A8A5-4B16-AAEA-B324F1FACF34}"/>
-          </ac:cxnSpMkLst>
-        </pc:cxnChg>
-        <pc:cxnChg chg="add mod">
-          <ac:chgData name="Gabriel Fernandes C. dos Santos" userId="153fb557aa2a4591" providerId="Windows Live" clId="Web-{62665683-9965-4BBB-9C5D-170C54AD9882}" dt="2020-09-16T21:58:05.497" v="51" actId="14100"/>
-          <ac:cxnSpMkLst>
-            <pc:docMk/>
-            <pc:sldMk cId="2210866551" sldId="256"/>
-            <ac:cxnSpMk id="8" creationId="{04C48938-E085-4E35-B748-E29BD3C6B2FF}"/>
-          </ac:cxnSpMkLst>
-        </pc:cxnChg>
-        <pc:cxnChg chg="add mod">
-          <ac:chgData name="Gabriel Fernandes C. dos Santos" userId="153fb557aa2a4591" providerId="Windows Live" clId="Web-{62665683-9965-4BBB-9C5D-170C54AD9882}" dt="2020-09-16T21:58:22.669" v="53" actId="1076"/>
-          <ac:cxnSpMkLst>
-            <pc:docMk/>
-            <pc:sldMk cId="2210866551" sldId="256"/>
-            <ac:cxnSpMk id="9" creationId="{4A2B671F-ADAF-4EE1-A493-6C39D24C063A}"/>
-          </ac:cxnSpMkLst>
-        </pc:cxnChg>
-      </pc:sldChg>
-    </pc:docChg>
-  </pc:docChgLst>
-  <pc:docChgLst>
     <pc:chgData name="Gabriel Fernandes C. dos Santos" userId="153fb557aa2a4591" providerId="Windows Live" clId="Web-{89B2E0FE-4569-4D9C-ABCF-2DA90D840F6D}"/>
     <pc:docChg chg="modSld">
       <pc:chgData name="Gabriel Fernandes C. dos Santos" userId="153fb557aa2a4591" providerId="Windows Live" clId="Web-{89B2E0FE-4569-4D9C-ABCF-2DA90D840F6D}" dt="2020-09-16T02:33:14.787" v="48"/>
@@ -796,30 +853,6 @@
             <pc:docMk/>
             <pc:sldMk cId="2210866551" sldId="256"/>
             <ac:spMk id="10" creationId="{296C4B6F-9E68-427A-A6A8-605E66484C2E}"/>
-          </ac:spMkLst>
-        </pc:spChg>
-      </pc:sldChg>
-    </pc:docChg>
-  </pc:docChgLst>
-  <pc:docChgLst>
-    <pc:chgData clId="Web-{64D9DB1C-2242-472F-92B7-932D0314AA8A}"/>
-    <pc:docChg chg="modSld">
-      <pc:chgData name="" userId="" providerId="" clId="Web-{64D9DB1C-2242-472F-92B7-932D0314AA8A}" dt="2020-11-06T23:03:10.798" v="3" actId="20577"/>
-      <pc:docMkLst>
-        <pc:docMk/>
-      </pc:docMkLst>
-      <pc:sldChg chg="modSp">
-        <pc:chgData name="" userId="" providerId="" clId="Web-{64D9DB1C-2242-472F-92B7-932D0314AA8A}" dt="2020-11-06T23:03:10.798" v="2" actId="20577"/>
-        <pc:sldMkLst>
-          <pc:docMk/>
-          <pc:sldMk cId="2210866551" sldId="256"/>
-        </pc:sldMkLst>
-        <pc:spChg chg="mod">
-          <ac:chgData name="" userId="" providerId="" clId="Web-{64D9DB1C-2242-472F-92B7-932D0314AA8A}" dt="2020-11-06T23:03:10.798" v="2" actId="20577"/>
-          <ac:spMkLst>
-            <pc:docMk/>
-            <pc:sldMk cId="2210866551" sldId="256"/>
-            <ac:spMk id="4" creationId="{494C4FE3-F934-4AC1-B233-E18E32B08678}"/>
           </ac:spMkLst>
         </pc:spChg>
       </pc:sldChg>
@@ -970,32 +1003,24 @@
     </pc:docChg>
   </pc:docChgLst>
   <pc:docChgLst>
-    <pc:chgData name="Bruno Pires" userId="2e75d9009844921f" providerId="Windows Live" clId="Web-{E164AC4C-3820-4792-89A6-FC47A1AFF366}"/>
+    <pc:chgData name="Eduardo Marques" userId="b9dd18581288d1e4" providerId="Windows Live" clId="Web-{C6A92E85-0F08-440A-A951-C7410A6E61B7}"/>
     <pc:docChg chg="modSld">
-      <pc:chgData name="Bruno Pires" userId="2e75d9009844921f" providerId="Windows Live" clId="Web-{E164AC4C-3820-4792-89A6-FC47A1AFF366}" dt="2020-09-18T02:16:44.543" v="1"/>
+      <pc:chgData name="Eduardo Marques" userId="b9dd18581288d1e4" providerId="Windows Live" clId="Web-{C6A92E85-0F08-440A-A951-C7410A6E61B7}" dt="2020-09-23T21:59:20.047" v="17" actId="20577"/>
       <pc:docMkLst>
         <pc:docMk/>
       </pc:docMkLst>
-      <pc:sldChg chg="addSp">
-        <pc:chgData name="Bruno Pires" userId="2e75d9009844921f" providerId="Windows Live" clId="Web-{E164AC4C-3820-4792-89A6-FC47A1AFF366}" dt="2020-09-18T02:16:44.543" v="1"/>
+      <pc:sldChg chg="modSp">
+        <pc:chgData name="Eduardo Marques" userId="b9dd18581288d1e4" providerId="Windows Live" clId="Web-{C6A92E85-0F08-440A-A951-C7410A6E61B7}" dt="2020-09-23T21:59:19.485" v="15" actId="20577"/>
         <pc:sldMkLst>
           <pc:docMk/>
           <pc:sldMk cId="2210866551" sldId="256"/>
         </pc:sldMkLst>
-        <pc:spChg chg="add">
-          <ac:chgData name="Bruno Pires" userId="2e75d9009844921f" providerId="Windows Live" clId="Web-{E164AC4C-3820-4792-89A6-FC47A1AFF366}" dt="2020-09-18T01:54:14.770" v="0"/>
+        <pc:spChg chg="mod">
+          <ac:chgData name="Eduardo Marques" userId="b9dd18581288d1e4" providerId="Windows Live" clId="Web-{C6A92E85-0F08-440A-A951-C7410A6E61B7}" dt="2020-09-23T21:59:19.485" v="15" actId="20577"/>
           <ac:spMkLst>
             <pc:docMk/>
             <pc:sldMk cId="2210866551" sldId="256"/>
             <ac:spMk id="5" creationId="{9066179D-1203-4838-8977-6D25B04015D6}"/>
-          </ac:spMkLst>
-        </pc:spChg>
-        <pc:spChg chg="add">
-          <ac:chgData name="Bruno Pires" userId="2e75d9009844921f" providerId="Windows Live" clId="Web-{E164AC4C-3820-4792-89A6-FC47A1AFF366}" dt="2020-09-18T02:16:44.543" v="1"/>
-          <ac:spMkLst>
-            <pc:docMk/>
-            <pc:sldMk cId="2210866551" sldId="256"/>
-            <ac:spMk id="25" creationId="{65E538CC-528C-4D40-B276-075D44544397}"/>
           </ac:spMkLst>
         </pc:spChg>
       </pc:sldChg>
@@ -1135,7 +1160,7 @@
           <a:p>
             <a:fld id="{F0E51C7C-CEA3-4CAA-BE4B-344879E7C377}" type="datetimeFigureOut">
               <a:rPr lang="de-DE" smtClean="0"/>
-              <a:t>06.11.2020</a:t>
+              <a:t>18.11.2020</a:t>
             </a:fld>
             <a:endParaRPr lang="de-DE"/>
           </a:p>
@@ -1177,7 +1202,7 @@
           <a:p>
             <a:fld id="{754FE2FE-B55E-4328-8F5C-2CEB8781A47B}" type="slidenum">
               <a:rPr lang="de-DE" smtClean="0"/>
-              <a:t>‹#›</a:t>
+              <a:t>‹nº›</a:t>
             </a:fld>
             <a:endParaRPr lang="de-DE"/>
           </a:p>
@@ -1305,7 +1330,7 @@
           <a:p>
             <a:fld id="{F0E51C7C-CEA3-4CAA-BE4B-344879E7C377}" type="datetimeFigureOut">
               <a:rPr lang="de-DE" smtClean="0"/>
-              <a:t>06.11.2020</a:t>
+              <a:t>18.11.2020</a:t>
             </a:fld>
             <a:endParaRPr lang="de-DE"/>
           </a:p>
@@ -1347,7 +1372,7 @@
           <a:p>
             <a:fld id="{754FE2FE-B55E-4328-8F5C-2CEB8781A47B}" type="slidenum">
               <a:rPr lang="de-DE" smtClean="0"/>
-              <a:t>‹#›</a:t>
+              <a:t>‹nº›</a:t>
             </a:fld>
             <a:endParaRPr lang="de-DE"/>
           </a:p>
@@ -1485,7 +1510,7 @@
           <a:p>
             <a:fld id="{F0E51C7C-CEA3-4CAA-BE4B-344879E7C377}" type="datetimeFigureOut">
               <a:rPr lang="de-DE" smtClean="0"/>
-              <a:t>06.11.2020</a:t>
+              <a:t>18.11.2020</a:t>
             </a:fld>
             <a:endParaRPr lang="de-DE"/>
           </a:p>
@@ -1527,7 +1552,7 @@
           <a:p>
             <a:fld id="{754FE2FE-B55E-4328-8F5C-2CEB8781A47B}" type="slidenum">
               <a:rPr lang="de-DE" smtClean="0"/>
-              <a:t>‹#›</a:t>
+              <a:t>‹nº›</a:t>
             </a:fld>
             <a:endParaRPr lang="de-DE"/>
           </a:p>
@@ -1655,7 +1680,7 @@
           <a:p>
             <a:fld id="{F0E51C7C-CEA3-4CAA-BE4B-344879E7C377}" type="datetimeFigureOut">
               <a:rPr lang="de-DE" smtClean="0"/>
-              <a:t>06.11.2020</a:t>
+              <a:t>18.11.2020</a:t>
             </a:fld>
             <a:endParaRPr lang="de-DE"/>
           </a:p>
@@ -1697,7 +1722,7 @@
           <a:p>
             <a:fld id="{754FE2FE-B55E-4328-8F5C-2CEB8781A47B}" type="slidenum">
               <a:rPr lang="de-DE" smtClean="0"/>
-              <a:t>‹#›</a:t>
+              <a:t>‹nº›</a:t>
             </a:fld>
             <a:endParaRPr lang="de-DE"/>
           </a:p>
@@ -1901,7 +1926,7 @@
           <a:p>
             <a:fld id="{F0E51C7C-CEA3-4CAA-BE4B-344879E7C377}" type="datetimeFigureOut">
               <a:rPr lang="de-DE" smtClean="0"/>
-              <a:t>06.11.2020</a:t>
+              <a:t>18.11.2020</a:t>
             </a:fld>
             <a:endParaRPr lang="de-DE"/>
           </a:p>
@@ -1943,7 +1968,7 @@
           <a:p>
             <a:fld id="{754FE2FE-B55E-4328-8F5C-2CEB8781A47B}" type="slidenum">
               <a:rPr lang="de-DE" smtClean="0"/>
-              <a:t>‹#›</a:t>
+              <a:t>‹nº›</a:t>
             </a:fld>
             <a:endParaRPr lang="de-DE"/>
           </a:p>
@@ -2133,7 +2158,7 @@
           <a:p>
             <a:fld id="{F0E51C7C-CEA3-4CAA-BE4B-344879E7C377}" type="datetimeFigureOut">
               <a:rPr lang="de-DE" smtClean="0"/>
-              <a:t>06.11.2020</a:t>
+              <a:t>18.11.2020</a:t>
             </a:fld>
             <a:endParaRPr lang="de-DE"/>
           </a:p>
@@ -2175,7 +2200,7 @@
           <a:p>
             <a:fld id="{754FE2FE-B55E-4328-8F5C-2CEB8781A47B}" type="slidenum">
               <a:rPr lang="de-DE" smtClean="0"/>
-              <a:t>‹#›</a:t>
+              <a:t>‹nº›</a:t>
             </a:fld>
             <a:endParaRPr lang="de-DE"/>
           </a:p>
@@ -2500,7 +2525,7 @@
           <a:p>
             <a:fld id="{F0E51C7C-CEA3-4CAA-BE4B-344879E7C377}" type="datetimeFigureOut">
               <a:rPr lang="de-DE" smtClean="0"/>
-              <a:t>06.11.2020</a:t>
+              <a:t>18.11.2020</a:t>
             </a:fld>
             <a:endParaRPr lang="de-DE"/>
           </a:p>
@@ -2542,7 +2567,7 @@
           <a:p>
             <a:fld id="{754FE2FE-B55E-4328-8F5C-2CEB8781A47B}" type="slidenum">
               <a:rPr lang="de-DE" smtClean="0"/>
-              <a:t>‹#›</a:t>
+              <a:t>‹nº›</a:t>
             </a:fld>
             <a:endParaRPr lang="de-DE"/>
           </a:p>
@@ -2618,7 +2643,7 @@
           <a:p>
             <a:fld id="{F0E51C7C-CEA3-4CAA-BE4B-344879E7C377}" type="datetimeFigureOut">
               <a:rPr lang="de-DE" smtClean="0"/>
-              <a:t>06.11.2020</a:t>
+              <a:t>18.11.2020</a:t>
             </a:fld>
             <a:endParaRPr lang="de-DE"/>
           </a:p>
@@ -2660,7 +2685,7 @@
           <a:p>
             <a:fld id="{754FE2FE-B55E-4328-8F5C-2CEB8781A47B}" type="slidenum">
               <a:rPr lang="de-DE" smtClean="0"/>
-              <a:t>‹#›</a:t>
+              <a:t>‹nº›</a:t>
             </a:fld>
             <a:endParaRPr lang="de-DE"/>
           </a:p>
@@ -2713,7 +2738,7 @@
           <a:p>
             <a:fld id="{F0E51C7C-CEA3-4CAA-BE4B-344879E7C377}" type="datetimeFigureOut">
               <a:rPr lang="de-DE" smtClean="0"/>
-              <a:t>06.11.2020</a:t>
+              <a:t>18.11.2020</a:t>
             </a:fld>
             <a:endParaRPr lang="de-DE"/>
           </a:p>
@@ -2755,7 +2780,7 @@
           <a:p>
             <a:fld id="{754FE2FE-B55E-4328-8F5C-2CEB8781A47B}" type="slidenum">
               <a:rPr lang="de-DE" smtClean="0"/>
-              <a:t>‹#›</a:t>
+              <a:t>‹nº›</a:t>
             </a:fld>
             <a:endParaRPr lang="de-DE"/>
           </a:p>
@@ -2990,7 +3015,7 @@
           <a:p>
             <a:fld id="{F0E51C7C-CEA3-4CAA-BE4B-344879E7C377}" type="datetimeFigureOut">
               <a:rPr lang="de-DE" smtClean="0"/>
-              <a:t>06.11.2020</a:t>
+              <a:t>18.11.2020</a:t>
             </a:fld>
             <a:endParaRPr lang="de-DE"/>
           </a:p>
@@ -3032,7 +3057,7 @@
           <a:p>
             <a:fld id="{754FE2FE-B55E-4328-8F5C-2CEB8781A47B}" type="slidenum">
               <a:rPr lang="de-DE" smtClean="0"/>
-              <a:t>‹#›</a:t>
+              <a:t>‹nº›</a:t>
             </a:fld>
             <a:endParaRPr lang="de-DE"/>
           </a:p>
@@ -3243,7 +3268,7 @@
           <a:p>
             <a:fld id="{F0E51C7C-CEA3-4CAA-BE4B-344879E7C377}" type="datetimeFigureOut">
               <a:rPr lang="de-DE" smtClean="0"/>
-              <a:t>06.11.2020</a:t>
+              <a:t>18.11.2020</a:t>
             </a:fld>
             <a:endParaRPr lang="de-DE"/>
           </a:p>
@@ -3285,7 +3310,7 @@
           <a:p>
             <a:fld id="{754FE2FE-B55E-4328-8F5C-2CEB8781A47B}" type="slidenum">
               <a:rPr lang="de-DE" smtClean="0"/>
-              <a:t>‹#›</a:t>
+              <a:t>‹nº›</a:t>
             </a:fld>
             <a:endParaRPr lang="de-DE"/>
           </a:p>
@@ -3456,7 +3481,7 @@
           <a:p>
             <a:fld id="{F0E51C7C-CEA3-4CAA-BE4B-344879E7C377}" type="datetimeFigureOut">
               <a:rPr lang="de-DE" smtClean="0"/>
-              <a:t>06.11.2020</a:t>
+              <a:t>18.11.2020</a:t>
             </a:fld>
             <a:endParaRPr lang="de-DE"/>
           </a:p>
@@ -3534,7 +3559,7 @@
           <a:p>
             <a:fld id="{754FE2FE-B55E-4328-8F5C-2CEB8781A47B}" type="slidenum">
               <a:rPr lang="de-DE" smtClean="0"/>
-              <a:t>‹#›</a:t>
+              <a:t>‹nº›</a:t>
             </a:fld>
             <a:endParaRPr lang="de-DE"/>
           </a:p>
@@ -3900,454 +3925,475 @@
           </a:p>
         </p:txBody>
       </p:sp>
-      <p:pic>
-        <p:nvPicPr>
-          <p:cNvPr id="7" name="Imagem 7" descr="Uma imagem contendo espelho, mesa, desenho&#10;&#10;Descrição gerada automaticamente">
+      <p:grpSp>
+        <p:nvGrpSpPr>
+          <p:cNvPr id="3" name="Agrupar 2">
             <a:extLst>
               <a:ext uri="{FF2B5EF4-FFF2-40B4-BE49-F238E27FC236}">
-                <a16:creationId xmlns:a16="http://schemas.microsoft.com/office/drawing/2014/main" id="{7CDA96C4-BC1F-4AE9-B8D2-22C8A685F264}"/>
+                <a16:creationId xmlns:a16="http://schemas.microsoft.com/office/drawing/2014/main" id="{9F064C95-BACA-4267-9A70-0D9D3D01F7B5}"/>
               </a:ext>
             </a:extLst>
           </p:cNvPr>
-          <p:cNvPicPr>
-            <a:picLocks noChangeAspect="1"/>
-          </p:cNvPicPr>
+          <p:cNvGrpSpPr/>
           <p:nvPr/>
-        </p:nvPicPr>
-        <p:blipFill>
-          <a:blip r:embed="rId2"/>
-          <a:stretch>
-            <a:fillRect/>
-          </a:stretch>
-        </p:blipFill>
-        <p:spPr>
+        </p:nvGrpSpPr>
+        <p:grpSpPr>
           <a:xfrm>
-            <a:off x="8311662" y="2333911"/>
-            <a:ext cx="2743200" cy="2072947"/>
+            <a:off x="1380895" y="1296961"/>
+            <a:ext cx="9514743" cy="4805598"/>
+            <a:chOff x="1540119" y="1217349"/>
+            <a:chExt cx="9514743" cy="4805598"/>
           </a:xfrm>
-          <a:prstGeom prst="rect">
-            <a:avLst/>
-          </a:prstGeom>
-        </p:spPr>
-      </p:pic>
-      <p:cxnSp>
-        <p:nvCxnSpPr>
-          <p:cNvPr id="6" name="Conector de Seta Reta 5">
-            <a:extLst>
-              <a:ext uri="{FF2B5EF4-FFF2-40B4-BE49-F238E27FC236}">
-                <a16:creationId xmlns:a16="http://schemas.microsoft.com/office/drawing/2014/main" id="{4807AA11-A8A5-4B16-AAEA-B324F1FACF34}"/>
-              </a:ext>
-            </a:extLst>
-          </p:cNvPr>
-          <p:cNvCxnSpPr/>
-          <p:nvPr/>
-        </p:nvCxnSpPr>
-        <p:spPr>
-          <a:xfrm>
-            <a:off x="1540119" y="3433396"/>
-            <a:ext cx="6859134" cy="568"/>
-          </a:xfrm>
-          <a:prstGeom prst="straightConnector1">
-            <a:avLst/>
-          </a:prstGeom>
-          <a:ln w="28575">
-            <a:solidFill>
-              <a:schemeClr val="tx1">
-                <a:lumMod val="95000"/>
-                <a:lumOff val="5000"/>
-              </a:schemeClr>
-            </a:solidFill>
-          </a:ln>
-        </p:spPr>
-        <p:style>
-          <a:lnRef idx="1">
-            <a:schemeClr val="accent1"/>
-          </a:lnRef>
-          <a:fillRef idx="0">
-            <a:schemeClr val="accent1"/>
-          </a:fillRef>
-          <a:effectRef idx="0">
-            <a:schemeClr val="accent1"/>
-          </a:effectRef>
-          <a:fontRef idx="minor">
-            <a:schemeClr val="tx1"/>
-          </a:fontRef>
-        </p:style>
-      </p:cxnSp>
-      <p:cxnSp>
-        <p:nvCxnSpPr>
-          <p:cNvPr id="8" name="Conector de Seta Reta 7">
-            <a:extLst>
-              <a:ext uri="{FF2B5EF4-FFF2-40B4-BE49-F238E27FC236}">
-                <a16:creationId xmlns:a16="http://schemas.microsoft.com/office/drawing/2014/main" id="{04C48938-E085-4E35-B748-E29BD3C6B2FF}"/>
-              </a:ext>
-            </a:extLst>
-          </p:cNvPr>
-          <p:cNvCxnSpPr>
-            <a:cxnSpLocks/>
-          </p:cNvCxnSpPr>
-          <p:nvPr/>
-        </p:nvCxnSpPr>
-        <p:spPr>
-          <a:xfrm flipH="1">
-            <a:off x="5866816" y="3448294"/>
-            <a:ext cx="1537039" cy="2574653"/>
-          </a:xfrm>
-          <a:prstGeom prst="straightConnector1">
-            <a:avLst/>
-          </a:prstGeom>
-          <a:ln w="28575">
-            <a:solidFill>
+        </p:grpSpPr>
+        <p:pic>
+          <p:nvPicPr>
+            <p:cNvPr id="7" name="Imagem 7" descr="Uma imagem contendo espelho, mesa, desenho&#10;&#10;Descrição gerada automaticamente">
+              <a:extLst>
+                <a:ext uri="{FF2B5EF4-FFF2-40B4-BE49-F238E27FC236}">
+                  <a16:creationId xmlns:a16="http://schemas.microsoft.com/office/drawing/2014/main" id="{7CDA96C4-BC1F-4AE9-B8D2-22C8A685F264}"/>
+                </a:ext>
+              </a:extLst>
+            </p:cNvPr>
+            <p:cNvPicPr>
+              <a:picLocks noChangeAspect="1"/>
+            </p:cNvPicPr>
+            <p:nvPr/>
+          </p:nvPicPr>
+          <p:blipFill>
+            <a:blip r:embed="rId2"/>
+            <a:stretch>
+              <a:fillRect/>
+            </a:stretch>
+          </p:blipFill>
+          <p:spPr>
+            <a:xfrm>
+              <a:off x="8311662" y="2333911"/>
+              <a:ext cx="2743200" cy="2072947"/>
+            </a:xfrm>
+            <a:prstGeom prst="rect">
+              <a:avLst/>
+            </a:prstGeom>
+          </p:spPr>
+        </p:pic>
+        <p:cxnSp>
+          <p:nvCxnSpPr>
+            <p:cNvPr id="6" name="Conector de Seta Reta 5">
+              <a:extLst>
+                <a:ext uri="{FF2B5EF4-FFF2-40B4-BE49-F238E27FC236}">
+                  <a16:creationId xmlns:a16="http://schemas.microsoft.com/office/drawing/2014/main" id="{4807AA11-A8A5-4B16-AAEA-B324F1FACF34}"/>
+                </a:ext>
+              </a:extLst>
+            </p:cNvPr>
+            <p:cNvCxnSpPr/>
+            <p:nvPr/>
+          </p:nvCxnSpPr>
+          <p:spPr>
+            <a:xfrm>
+              <a:off x="1540119" y="3433396"/>
+              <a:ext cx="6859134" cy="568"/>
+            </a:xfrm>
+            <a:prstGeom prst="straightConnector1">
+              <a:avLst/>
+            </a:prstGeom>
+            <a:ln w="28575">
+              <a:solidFill>
+                <a:schemeClr val="tx1">
+                  <a:lumMod val="95000"/>
+                  <a:lumOff val="5000"/>
+                </a:schemeClr>
+              </a:solidFill>
+            </a:ln>
+          </p:spPr>
+          <p:style>
+            <a:lnRef idx="1">
+              <a:schemeClr val="accent1"/>
+            </a:lnRef>
+            <a:fillRef idx="0">
+              <a:schemeClr val="accent1"/>
+            </a:fillRef>
+            <a:effectRef idx="0">
+              <a:schemeClr val="accent1"/>
+            </a:effectRef>
+            <a:fontRef idx="minor">
               <a:schemeClr val="tx1"/>
-            </a:solidFill>
-          </a:ln>
-        </p:spPr>
-        <p:style>
-          <a:lnRef idx="1">
-            <a:schemeClr val="accent1"/>
-          </a:lnRef>
-          <a:fillRef idx="0">
-            <a:schemeClr val="accent1"/>
-          </a:fillRef>
-          <a:effectRef idx="0">
-            <a:schemeClr val="accent1"/>
-          </a:effectRef>
-          <a:fontRef idx="minor">
-            <a:schemeClr val="tx1"/>
-          </a:fontRef>
-        </p:style>
-      </p:cxnSp>
-      <p:sp>
-        <p:nvSpPr>
-          <p:cNvPr id="10" name="CaixaDeTexto 9">
-            <a:extLst>
-              <a:ext uri="{FF2B5EF4-FFF2-40B4-BE49-F238E27FC236}">
-                <a16:creationId xmlns:a16="http://schemas.microsoft.com/office/drawing/2014/main" id="{0D218678-922A-45C7-B38A-44160210ED2A}"/>
-              </a:ext>
-            </a:extLst>
-          </p:cNvPr>
-          <p:cNvSpPr txBox="1"/>
-          <p:nvPr/>
-        </p:nvSpPr>
-        <p:spPr>
-          <a:xfrm rot="18042025">
-            <a:off x="4819996" y="4326420"/>
-            <a:ext cx="2743200" cy="646331"/>
-          </a:xfrm>
-          <a:prstGeom prst="rect">
-            <a:avLst/>
-          </a:prstGeom>
-          <a:noFill/>
-        </p:spPr>
-        <p:txBody>
-          <a:bodyPr rot="0" spcFirstLastPara="0" vertOverflow="overflow" horzOverflow="overflow" vert="horz" wrap="square" lIns="91440" tIns="45720" rIns="91440" bIns="45720" numCol="1" spcCol="0" rtlCol="0" fromWordArt="0" anchor="t" anchorCtr="0" forceAA="0" compatLnSpc="1">
-            <a:prstTxWarp prst="textNoShape">
+            </a:fontRef>
+          </p:style>
+        </p:cxnSp>
+        <p:cxnSp>
+          <p:nvCxnSpPr>
+            <p:cNvPr id="8" name="Conector de Seta Reta 7">
+              <a:extLst>
+                <a:ext uri="{FF2B5EF4-FFF2-40B4-BE49-F238E27FC236}">
+                  <a16:creationId xmlns:a16="http://schemas.microsoft.com/office/drawing/2014/main" id="{04C48938-E085-4E35-B748-E29BD3C6B2FF}"/>
+                </a:ext>
+              </a:extLst>
+            </p:cNvPr>
+            <p:cNvCxnSpPr>
+              <a:cxnSpLocks/>
+            </p:cNvCxnSpPr>
+            <p:nvPr/>
+          </p:nvCxnSpPr>
+          <p:spPr>
+            <a:xfrm flipH="1">
+              <a:off x="5866816" y="3448294"/>
+              <a:ext cx="1537039" cy="2574653"/>
+            </a:xfrm>
+            <a:prstGeom prst="straightConnector1">
               <a:avLst/>
-            </a:prstTxWarp>
-            <a:spAutoFit/>
-          </a:bodyPr>
-          <a:lstStyle/>
-          <a:p>
-            <a:r>
-              <a:rPr lang="pt-BR"/>
-              <a:t>Metodologia ultrapassada de verificação de dados</a:t>
-            </a:r>
-          </a:p>
-        </p:txBody>
-      </p:sp>
-      <p:sp>
-        <p:nvSpPr>
-          <p:cNvPr id="4" name="CaixaDeTexto 3">
-            <a:extLst>
-              <a:ext uri="{FF2B5EF4-FFF2-40B4-BE49-F238E27FC236}">
-                <a16:creationId xmlns:a16="http://schemas.microsoft.com/office/drawing/2014/main" id="{494C4FE3-F934-4AC1-B233-E18E32B08678}"/>
-              </a:ext>
-            </a:extLst>
-          </p:cNvPr>
-          <p:cNvSpPr txBox="1"/>
-          <p:nvPr/>
-        </p:nvSpPr>
-        <p:spPr>
-          <a:xfrm>
-            <a:off x="8517746" y="2648098"/>
-            <a:ext cx="2403231" cy="1477328"/>
-          </a:xfrm>
-          <a:prstGeom prst="rect">
-            <a:avLst/>
-          </a:prstGeom>
-          <a:noFill/>
-        </p:spPr>
-        <p:txBody>
-          <a:bodyPr rot="0" spcFirstLastPara="0" vertOverflow="overflow" horzOverflow="overflow" vert="horz" wrap="square" lIns="91440" tIns="45720" rIns="91440" bIns="45720" numCol="1" spcCol="0" rtlCol="0" fromWordArt="0" anchor="t" anchorCtr="0" forceAA="0" compatLnSpc="1">
-            <a:prstTxWarp prst="textNoShape">
+            </a:prstGeom>
+            <a:ln w="28575">
+              <a:solidFill>
+                <a:schemeClr val="tx1"/>
+              </a:solidFill>
+            </a:ln>
+          </p:spPr>
+          <p:style>
+            <a:lnRef idx="1">
+              <a:schemeClr val="accent1"/>
+            </a:lnRef>
+            <a:fillRef idx="0">
+              <a:schemeClr val="accent1"/>
+            </a:fillRef>
+            <a:effectRef idx="0">
+              <a:schemeClr val="accent1"/>
+            </a:effectRef>
+            <a:fontRef idx="minor">
+              <a:schemeClr val="tx1"/>
+            </a:fontRef>
+          </p:style>
+        </p:cxnSp>
+        <p:sp>
+          <p:nvSpPr>
+            <p:cNvPr id="10" name="CaixaDeTexto 9">
+              <a:extLst>
+                <a:ext uri="{FF2B5EF4-FFF2-40B4-BE49-F238E27FC236}">
+                  <a16:creationId xmlns:a16="http://schemas.microsoft.com/office/drawing/2014/main" id="{0D218678-922A-45C7-B38A-44160210ED2A}"/>
+                </a:ext>
+              </a:extLst>
+            </p:cNvPr>
+            <p:cNvSpPr txBox="1"/>
+            <p:nvPr/>
+          </p:nvSpPr>
+          <p:spPr>
+            <a:xfrm rot="18042025">
+              <a:off x="4819996" y="4326420"/>
+              <a:ext cx="2743200" cy="646331"/>
+            </a:xfrm>
+            <a:prstGeom prst="rect">
               <a:avLst/>
-            </a:prstTxWarp>
-            <a:spAutoFit/>
-          </a:bodyPr>
-          <a:lstStyle/>
-          <a:p>
-            <a:pPr algn="ctr"/>
-            <a:r>
-              <a:rPr lang="pt-BR">
-                <a:ea typeface="+mn-lt"/>
-                <a:cs typeface="+mn-lt"/>
-              </a:rPr>
-              <a:t>Falta de controle administrativo e da geração de cronogramas de produção </a:t>
-            </a:r>
-            <a:endParaRPr lang="pt-BR">
-              <a:cs typeface="Calibri" panose="020F0502020204030204"/>
-            </a:endParaRPr>
-          </a:p>
-        </p:txBody>
-      </p:sp>
-      <p:sp>
-        <p:nvSpPr>
-          <p:cNvPr id="5" name="CaixaDeTexto 4">
-            <a:extLst>
-              <a:ext uri="{FF2B5EF4-FFF2-40B4-BE49-F238E27FC236}">
-                <a16:creationId xmlns:a16="http://schemas.microsoft.com/office/drawing/2014/main" id="{9066179D-1203-4838-8977-6D25B04015D6}"/>
-              </a:ext>
-            </a:extLst>
-          </p:cNvPr>
-          <p:cNvSpPr txBox="1"/>
-          <p:nvPr/>
-        </p:nvSpPr>
-        <p:spPr>
-          <a:xfrm rot="2796836">
-            <a:off x="2083013" y="2173782"/>
-            <a:ext cx="1938392" cy="654892"/>
-          </a:xfrm>
-          <a:prstGeom prst="rect">
-            <a:avLst/>
-          </a:prstGeom>
-          <a:noFill/>
-        </p:spPr>
-        <p:txBody>
-          <a:bodyPr rot="0" spcFirstLastPara="0" vertOverflow="overflow" horzOverflow="overflow" vert="horz" wrap="square" lIns="91440" tIns="45720" rIns="91440" bIns="45720" numCol="1" spcCol="0" rtlCol="0" fromWordArt="0" anchor="t" anchorCtr="0" forceAA="0" compatLnSpc="1">
-            <a:prstTxWarp prst="textNoShape">
+            </a:prstGeom>
+            <a:noFill/>
+          </p:spPr>
+          <p:txBody>
+            <a:bodyPr rot="0" spcFirstLastPara="0" vertOverflow="overflow" horzOverflow="overflow" vert="horz" wrap="square" lIns="91440" tIns="45720" rIns="91440" bIns="45720" numCol="1" spcCol="0" rtlCol="0" fromWordArt="0" anchor="t" anchorCtr="0" forceAA="0" compatLnSpc="1">
+              <a:prstTxWarp prst="textNoShape">
+                <a:avLst/>
+              </a:prstTxWarp>
+              <a:spAutoFit/>
+            </a:bodyPr>
+            <a:lstStyle/>
+            <a:p>
+              <a:r>
+                <a:rPr lang="pt-BR"/>
+                <a:t>Metodologia ultrapassada de verificação de dados</a:t>
+              </a:r>
+            </a:p>
+          </p:txBody>
+        </p:sp>
+        <p:sp>
+          <p:nvSpPr>
+            <p:cNvPr id="4" name="CaixaDeTexto 3">
+              <a:extLst>
+                <a:ext uri="{FF2B5EF4-FFF2-40B4-BE49-F238E27FC236}">
+                  <a16:creationId xmlns:a16="http://schemas.microsoft.com/office/drawing/2014/main" id="{494C4FE3-F934-4AC1-B233-E18E32B08678}"/>
+                </a:ext>
+              </a:extLst>
+            </p:cNvPr>
+            <p:cNvSpPr txBox="1"/>
+            <p:nvPr/>
+          </p:nvSpPr>
+          <p:spPr>
+            <a:xfrm>
+              <a:off x="8517746" y="2648098"/>
+              <a:ext cx="2403231" cy="1477328"/>
+            </a:xfrm>
+            <a:prstGeom prst="rect">
               <a:avLst/>
-            </a:prstTxWarp>
-            <a:spAutoFit/>
-          </a:bodyPr>
-          <a:lstStyle/>
-          <a:p>
-            <a:pPr algn="r"/>
-            <a:r>
-              <a:rPr lang="pt-BR"/>
-              <a:t>Grande demanda de pedidos </a:t>
-            </a:r>
-          </a:p>
-        </p:txBody>
-      </p:sp>
-      <p:sp>
-        <p:nvSpPr>
-          <p:cNvPr id="12" name="CaixaDeTexto 11">
-            <a:extLst>
-              <a:ext uri="{FF2B5EF4-FFF2-40B4-BE49-F238E27FC236}">
-                <a16:creationId xmlns:a16="http://schemas.microsoft.com/office/drawing/2014/main" id="{D28F1D3E-5199-4BEE-B72D-BE285E6874DD}"/>
-              </a:ext>
-            </a:extLst>
-          </p:cNvPr>
-          <p:cNvSpPr txBox="1"/>
-          <p:nvPr/>
-        </p:nvSpPr>
-        <p:spPr>
-          <a:xfrm rot="2940000">
-            <a:off x="4201043" y="2077424"/>
-            <a:ext cx="2366482" cy="646331"/>
-          </a:xfrm>
-          <a:prstGeom prst="rect">
-            <a:avLst/>
-          </a:prstGeom>
-          <a:noFill/>
-        </p:spPr>
-        <p:txBody>
-          <a:bodyPr rot="0" spcFirstLastPara="0" vertOverflow="overflow" horzOverflow="overflow" vert="horz" wrap="square" lIns="91440" tIns="45720" rIns="91440" bIns="45720" numCol="1" spcCol="0" rtlCol="0" fromWordArt="0" anchor="t" anchorCtr="0" forceAA="0" compatLnSpc="1">
-            <a:prstTxWarp prst="textNoShape">
+            </a:prstGeom>
+            <a:noFill/>
+          </p:spPr>
+          <p:txBody>
+            <a:bodyPr rot="0" spcFirstLastPara="0" vertOverflow="overflow" horzOverflow="overflow" vert="horz" wrap="square" lIns="91440" tIns="45720" rIns="91440" bIns="45720" numCol="1" spcCol="0" rtlCol="0" fromWordArt="0" anchor="t" anchorCtr="0" forceAA="0" compatLnSpc="1">
+              <a:prstTxWarp prst="textNoShape">
+                <a:avLst/>
+              </a:prstTxWarp>
+              <a:spAutoFit/>
+            </a:bodyPr>
+            <a:lstStyle/>
+            <a:p>
+              <a:pPr algn="ctr"/>
+              <a:r>
+                <a:rPr lang="pt-BR">
+                  <a:ea typeface="+mn-lt"/>
+                  <a:cs typeface="+mn-lt"/>
+                </a:rPr>
+                <a:t>Falta de controle administrativo e da geração de cronogramas de produção </a:t>
+              </a:r>
+              <a:endParaRPr lang="pt-BR">
+                <a:cs typeface="Calibri" panose="020F0502020204030204"/>
+              </a:endParaRPr>
+            </a:p>
+          </p:txBody>
+        </p:sp>
+        <p:sp>
+          <p:nvSpPr>
+            <p:cNvPr id="5" name="CaixaDeTexto 4">
+              <a:extLst>
+                <a:ext uri="{FF2B5EF4-FFF2-40B4-BE49-F238E27FC236}">
+                  <a16:creationId xmlns:a16="http://schemas.microsoft.com/office/drawing/2014/main" id="{9066179D-1203-4838-8977-6D25B04015D6}"/>
+                </a:ext>
+              </a:extLst>
+            </p:cNvPr>
+            <p:cNvSpPr txBox="1"/>
+            <p:nvPr/>
+          </p:nvSpPr>
+          <p:spPr>
+            <a:xfrm rot="2796836">
+              <a:off x="2083013" y="2173782"/>
+              <a:ext cx="1938392" cy="654892"/>
+            </a:xfrm>
+            <a:prstGeom prst="rect">
               <a:avLst/>
-            </a:prstTxWarp>
-            <a:spAutoFit/>
-          </a:bodyPr>
-          <a:lstStyle/>
-          <a:p>
-            <a:pPr algn="r"/>
-            <a:r>
-              <a:rPr lang="pt-BR"/>
-              <a:t>Falta de computadores na empresa</a:t>
-            </a:r>
-            <a:endParaRPr lang="pt-BR">
-              <a:cs typeface="Calibri"/>
-            </a:endParaRPr>
-          </a:p>
-        </p:txBody>
-      </p:sp>
-      <p:cxnSp>
-        <p:nvCxnSpPr>
-          <p:cNvPr id="21" name="Conector de Seta Reta 10">
-            <a:extLst>
-              <a:ext uri="{FF2B5EF4-FFF2-40B4-BE49-F238E27FC236}">
-                <a16:creationId xmlns:a16="http://schemas.microsoft.com/office/drawing/2014/main" id="{DCD66A49-DF08-4617-A520-98D6096939A0}"/>
-              </a:ext>
-            </a:extLst>
-          </p:cNvPr>
-          <p:cNvCxnSpPr>
-            <a:cxnSpLocks/>
-          </p:cNvCxnSpPr>
-          <p:nvPr/>
-        </p:nvCxnSpPr>
-        <p:spPr>
-          <a:xfrm>
-            <a:off x="1968980" y="1985686"/>
-            <a:ext cx="1383862" cy="1456583"/>
-          </a:xfrm>
-          <a:prstGeom prst="straightConnector1">
-            <a:avLst/>
-          </a:prstGeom>
-          <a:ln w="28575">
-            <a:solidFill>
+            </a:prstGeom>
+            <a:noFill/>
+          </p:spPr>
+          <p:txBody>
+            <a:bodyPr rot="0" spcFirstLastPara="0" vertOverflow="overflow" horzOverflow="overflow" vert="horz" wrap="square" lIns="91440" tIns="45720" rIns="91440" bIns="45720" numCol="1" spcCol="0" rtlCol="0" fromWordArt="0" anchor="t" anchorCtr="0" forceAA="0" compatLnSpc="1">
+              <a:prstTxWarp prst="textNoShape">
+                <a:avLst/>
+              </a:prstTxWarp>
+              <a:spAutoFit/>
+            </a:bodyPr>
+            <a:lstStyle/>
+            <a:p>
+              <a:pPr algn="r"/>
+              <a:r>
+                <a:rPr lang="pt-BR"/>
+                <a:t>Grande demanda de pedidos </a:t>
+              </a:r>
+            </a:p>
+          </p:txBody>
+        </p:sp>
+        <p:sp>
+          <p:nvSpPr>
+            <p:cNvPr id="12" name="CaixaDeTexto 11">
+              <a:extLst>
+                <a:ext uri="{FF2B5EF4-FFF2-40B4-BE49-F238E27FC236}">
+                  <a16:creationId xmlns:a16="http://schemas.microsoft.com/office/drawing/2014/main" id="{D28F1D3E-5199-4BEE-B72D-BE285E6874DD}"/>
+                </a:ext>
+              </a:extLst>
+            </p:cNvPr>
+            <p:cNvSpPr txBox="1"/>
+            <p:nvPr/>
+          </p:nvSpPr>
+          <p:spPr>
+            <a:xfrm rot="2940000">
+              <a:off x="4201043" y="2077424"/>
+              <a:ext cx="2366482" cy="646331"/>
+            </a:xfrm>
+            <a:prstGeom prst="rect">
+              <a:avLst/>
+            </a:prstGeom>
+            <a:noFill/>
+          </p:spPr>
+          <p:txBody>
+            <a:bodyPr rot="0" spcFirstLastPara="0" vertOverflow="overflow" horzOverflow="overflow" vert="horz" wrap="square" lIns="91440" tIns="45720" rIns="91440" bIns="45720" numCol="1" spcCol="0" rtlCol="0" fromWordArt="0" anchor="t" anchorCtr="0" forceAA="0" compatLnSpc="1">
+              <a:prstTxWarp prst="textNoShape">
+                <a:avLst/>
+              </a:prstTxWarp>
+              <a:spAutoFit/>
+            </a:bodyPr>
+            <a:lstStyle/>
+            <a:p>
+              <a:pPr algn="r"/>
+              <a:r>
+                <a:rPr lang="pt-BR"/>
+                <a:t>Falta de computadores na empresa</a:t>
+              </a:r>
+              <a:endParaRPr lang="pt-BR">
+                <a:cs typeface="Calibri"/>
+              </a:endParaRPr>
+            </a:p>
+          </p:txBody>
+        </p:sp>
+        <p:cxnSp>
+          <p:nvCxnSpPr>
+            <p:cNvPr id="21" name="Conector de Seta Reta 10">
+              <a:extLst>
+                <a:ext uri="{FF2B5EF4-FFF2-40B4-BE49-F238E27FC236}">
+                  <a16:creationId xmlns:a16="http://schemas.microsoft.com/office/drawing/2014/main" id="{DCD66A49-DF08-4617-A520-98D6096939A0}"/>
+                </a:ext>
+              </a:extLst>
+            </p:cNvPr>
+            <p:cNvCxnSpPr>
+              <a:cxnSpLocks/>
+            </p:cNvCxnSpPr>
+            <p:nvPr/>
+          </p:nvCxnSpPr>
+          <p:spPr>
+            <a:xfrm>
+              <a:off x="1968980" y="1985686"/>
+              <a:ext cx="1383862" cy="1456583"/>
+            </a:xfrm>
+            <a:prstGeom prst="straightConnector1">
+              <a:avLst/>
+            </a:prstGeom>
+            <a:ln w="28575">
+              <a:solidFill>
+                <a:schemeClr val="tx1"/>
+              </a:solidFill>
+            </a:ln>
+          </p:spPr>
+          <p:style>
+            <a:lnRef idx="1">
+              <a:schemeClr val="accent1"/>
+            </a:lnRef>
+            <a:fillRef idx="0">
+              <a:schemeClr val="accent1"/>
+            </a:fillRef>
+            <a:effectRef idx="0">
+              <a:schemeClr val="accent1"/>
+            </a:effectRef>
+            <a:fontRef idx="minor">
               <a:schemeClr val="tx1"/>
-            </a:solidFill>
-          </a:ln>
-        </p:spPr>
-        <p:style>
-          <a:lnRef idx="1">
-            <a:schemeClr val="accent1"/>
-          </a:lnRef>
-          <a:fillRef idx="0">
-            <a:schemeClr val="accent1"/>
-          </a:fillRef>
-          <a:effectRef idx="0">
-            <a:schemeClr val="accent1"/>
-          </a:effectRef>
-          <a:fontRef idx="minor">
-            <a:schemeClr val="tx1"/>
-          </a:fontRef>
-        </p:style>
-      </p:cxnSp>
-      <p:cxnSp>
-        <p:nvCxnSpPr>
-          <p:cNvPr id="30" name="Conector de Seta Reta 29">
-            <a:extLst>
-              <a:ext uri="{FF2B5EF4-FFF2-40B4-BE49-F238E27FC236}">
-                <a16:creationId xmlns:a16="http://schemas.microsoft.com/office/drawing/2014/main" id="{B840499D-AE6F-4793-A825-B0D2A9F82E3C}"/>
-              </a:ext>
-            </a:extLst>
-          </p:cNvPr>
-          <p:cNvCxnSpPr>
-            <a:cxnSpLocks/>
-          </p:cNvCxnSpPr>
-          <p:nvPr/>
-        </p:nvCxnSpPr>
-        <p:spPr>
-          <a:xfrm flipH="1">
-            <a:off x="2350137" y="3437053"/>
-            <a:ext cx="1574699" cy="2437654"/>
-          </a:xfrm>
-          <a:prstGeom prst="straightConnector1">
-            <a:avLst/>
-          </a:prstGeom>
-          <a:ln w="28575">
-            <a:solidFill>
+            </a:fontRef>
+          </p:style>
+        </p:cxnSp>
+        <p:cxnSp>
+          <p:nvCxnSpPr>
+            <p:cNvPr id="30" name="Conector de Seta Reta 29">
+              <a:extLst>
+                <a:ext uri="{FF2B5EF4-FFF2-40B4-BE49-F238E27FC236}">
+                  <a16:creationId xmlns:a16="http://schemas.microsoft.com/office/drawing/2014/main" id="{B840499D-AE6F-4793-A825-B0D2A9F82E3C}"/>
+                </a:ext>
+              </a:extLst>
+            </p:cNvPr>
+            <p:cNvCxnSpPr>
+              <a:cxnSpLocks/>
+            </p:cNvCxnSpPr>
+            <p:nvPr/>
+          </p:nvCxnSpPr>
+          <p:spPr>
+            <a:xfrm flipH="1">
+              <a:off x="2350137" y="3437053"/>
+              <a:ext cx="1574699" cy="2437654"/>
+            </a:xfrm>
+            <a:prstGeom prst="straightConnector1">
+              <a:avLst/>
+            </a:prstGeom>
+            <a:ln w="28575">
+              <a:solidFill>
+                <a:schemeClr val="tx1"/>
+              </a:solidFill>
+            </a:ln>
+          </p:spPr>
+          <p:style>
+            <a:lnRef idx="1">
+              <a:schemeClr val="accent1"/>
+            </a:lnRef>
+            <a:fillRef idx="0">
+              <a:schemeClr val="accent1"/>
+            </a:fillRef>
+            <a:effectRef idx="0">
+              <a:schemeClr val="accent1"/>
+            </a:effectRef>
+            <a:fontRef idx="minor">
               <a:schemeClr val="tx1"/>
-            </a:solidFill>
-          </a:ln>
-        </p:spPr>
-        <p:style>
-          <a:lnRef idx="1">
-            <a:schemeClr val="accent1"/>
-          </a:lnRef>
-          <a:fillRef idx="0">
-            <a:schemeClr val="accent1"/>
-          </a:fillRef>
-          <a:effectRef idx="0">
-            <a:schemeClr val="accent1"/>
-          </a:effectRef>
-          <a:fontRef idx="minor">
-            <a:schemeClr val="tx1"/>
-          </a:fontRef>
-        </p:style>
-      </p:cxnSp>
-      <p:sp>
-        <p:nvSpPr>
-          <p:cNvPr id="33" name="CaixaDeTexto 32">
-            <a:extLst>
-              <a:ext uri="{FF2B5EF4-FFF2-40B4-BE49-F238E27FC236}">
-                <a16:creationId xmlns:a16="http://schemas.microsoft.com/office/drawing/2014/main" id="{39E60CCA-E4BA-4BE0-954E-DF3941348605}"/>
-              </a:ext>
-            </a:extLst>
-          </p:cNvPr>
-          <p:cNvSpPr txBox="1"/>
-          <p:nvPr/>
-        </p:nvSpPr>
-        <p:spPr>
-          <a:xfrm rot="18183342">
-            <a:off x="1362957" y="4328023"/>
-            <a:ext cx="2743200" cy="646331"/>
-          </a:xfrm>
-          <a:prstGeom prst="rect">
-            <a:avLst/>
-          </a:prstGeom>
-          <a:noFill/>
-        </p:spPr>
-        <p:txBody>
-          <a:bodyPr rot="0" spcFirstLastPara="0" vertOverflow="overflow" horzOverflow="overflow" vert="horz" wrap="square" lIns="91440" tIns="45720" rIns="91440" bIns="45720" numCol="1" spcCol="0" rtlCol="0" fromWordArt="0" anchor="t" anchorCtr="0" forceAA="0" compatLnSpc="1">
-            <a:prstTxWarp prst="textNoShape">
+            </a:fontRef>
+          </p:style>
+        </p:cxnSp>
+        <p:sp>
+          <p:nvSpPr>
+            <p:cNvPr id="33" name="CaixaDeTexto 32">
+              <a:extLst>
+                <a:ext uri="{FF2B5EF4-FFF2-40B4-BE49-F238E27FC236}">
+                  <a16:creationId xmlns:a16="http://schemas.microsoft.com/office/drawing/2014/main" id="{39E60CCA-E4BA-4BE0-954E-DF3941348605}"/>
+                </a:ext>
+              </a:extLst>
+            </p:cNvPr>
+            <p:cNvSpPr txBox="1"/>
+            <p:nvPr/>
+          </p:nvSpPr>
+          <p:spPr>
+            <a:xfrm rot="18183342">
+              <a:off x="1362957" y="4328023"/>
+              <a:ext cx="2743200" cy="646331"/>
+            </a:xfrm>
+            <a:prstGeom prst="rect">
               <a:avLst/>
-            </a:prstTxWarp>
-            <a:spAutoFit/>
-          </a:bodyPr>
-          <a:lstStyle/>
-          <a:p>
-            <a:r>
-              <a:rPr lang="pt-BR"/>
-              <a:t>Desorganização das etapas de produção</a:t>
-            </a:r>
-          </a:p>
-        </p:txBody>
-      </p:sp>
-      <p:cxnSp>
-        <p:nvCxnSpPr>
-          <p:cNvPr id="24" name="Conector de Seta Reta 10">
-            <a:extLst>
-              <a:ext uri="{FF2B5EF4-FFF2-40B4-BE49-F238E27FC236}">
-                <a16:creationId xmlns:a16="http://schemas.microsoft.com/office/drawing/2014/main" id="{7943B010-5745-40DC-90E2-503461F80FAE}"/>
-              </a:ext>
-            </a:extLst>
-          </p:cNvPr>
-          <p:cNvCxnSpPr>
-            <a:cxnSpLocks/>
-          </p:cNvCxnSpPr>
-          <p:nvPr/>
-        </p:nvCxnSpPr>
-        <p:spPr>
-          <a:xfrm>
-            <a:off x="4392458" y="1810993"/>
-            <a:ext cx="1402861" cy="1627553"/>
-          </a:xfrm>
-          <a:prstGeom prst="straightConnector1">
-            <a:avLst/>
-          </a:prstGeom>
-          <a:ln w="28575">
-            <a:solidFill>
+            </a:prstGeom>
+            <a:noFill/>
+          </p:spPr>
+          <p:txBody>
+            <a:bodyPr rot="0" spcFirstLastPara="0" vertOverflow="overflow" horzOverflow="overflow" vert="horz" wrap="square" lIns="91440" tIns="45720" rIns="91440" bIns="45720" numCol="1" spcCol="0" rtlCol="0" fromWordArt="0" anchor="t" anchorCtr="0" forceAA="0" compatLnSpc="1">
+              <a:prstTxWarp prst="textNoShape">
+                <a:avLst/>
+              </a:prstTxWarp>
+              <a:spAutoFit/>
+            </a:bodyPr>
+            <a:lstStyle/>
+            <a:p>
+              <a:r>
+                <a:rPr lang="pt-BR"/>
+                <a:t>Desorganização das etapas de produção</a:t>
+              </a:r>
+            </a:p>
+          </p:txBody>
+        </p:sp>
+        <p:cxnSp>
+          <p:nvCxnSpPr>
+            <p:cNvPr id="24" name="Conector de Seta Reta 10">
+              <a:extLst>
+                <a:ext uri="{FF2B5EF4-FFF2-40B4-BE49-F238E27FC236}">
+                  <a16:creationId xmlns:a16="http://schemas.microsoft.com/office/drawing/2014/main" id="{7943B010-5745-40DC-90E2-503461F80FAE}"/>
+                </a:ext>
+              </a:extLst>
+            </p:cNvPr>
+            <p:cNvCxnSpPr>
+              <a:cxnSpLocks/>
+            </p:cNvCxnSpPr>
+            <p:nvPr/>
+          </p:nvCxnSpPr>
+          <p:spPr>
+            <a:xfrm>
+              <a:off x="4392458" y="1810993"/>
+              <a:ext cx="1402861" cy="1627553"/>
+            </a:xfrm>
+            <a:prstGeom prst="straightConnector1">
+              <a:avLst/>
+            </a:prstGeom>
+            <a:ln w="28575">
+              <a:solidFill>
+                <a:schemeClr val="tx1"/>
+              </a:solidFill>
+            </a:ln>
+          </p:spPr>
+          <p:style>
+            <a:lnRef idx="1">
+              <a:schemeClr val="accent1"/>
+            </a:lnRef>
+            <a:fillRef idx="0">
+              <a:schemeClr val="accent1"/>
+            </a:fillRef>
+            <a:effectRef idx="0">
+              <a:schemeClr val="accent1"/>
+            </a:effectRef>
+            <a:fontRef idx="minor">
               <a:schemeClr val="tx1"/>
-            </a:solidFill>
-          </a:ln>
-        </p:spPr>
-        <p:style>
-          <a:lnRef idx="1">
-            <a:schemeClr val="accent1"/>
-          </a:lnRef>
-          <a:fillRef idx="0">
-            <a:schemeClr val="accent1"/>
-          </a:fillRef>
-          <a:effectRef idx="0">
-            <a:schemeClr val="accent1"/>
-          </a:effectRef>
-          <a:fontRef idx="minor">
-            <a:schemeClr val="tx1"/>
-          </a:fontRef>
-        </p:style>
-      </p:cxnSp>
+            </a:fontRef>
+          </p:style>
+        </p:cxnSp>
+      </p:grpSp>
     </p:spTree>
     <p:extLst>
       <p:ext uri="{BB962C8B-B14F-4D97-AF65-F5344CB8AC3E}">
